--- a/PowerPoint Slides/04 - Definition of CPRL.pptx
+++ b/PowerPoint Slides/04 - Definition of CPRL.pptx
@@ -41,7 +41,7 @@
     <p:sldId id="285" r:id="rId29"/>
   </p:sldIdLst>
   <p:sldSz cx="9144000" cy="6858000" type="screen4x3"/>
-  <p:notesSz cx="7010400" cy="9296400"/>
+  <p:notesSz cx="7315200" cy="9601200"/>
   <p:defaultTextStyle>
     <a:defPPr>
       <a:defRPr lang="en-US"/>
@@ -184,12 +184,12 @@
     </p:ext>
     <p:ext uri="{2D200454-40CA-4A62-9FC3-DE9A4176ACB9}">
       <p15:notesGuideLst xmlns:p15="http://schemas.microsoft.com/office/powerpoint/2012/main">
-        <p15:guide id="1" orient="horz" pos="2929">
+        <p15:guide id="1" orient="horz" pos="3025" userDrawn="1">
           <p15:clr>
             <a:srgbClr val="A4A3A4"/>
           </p15:clr>
         </p15:guide>
-        <p15:guide id="2" pos="2208">
+        <p15:guide id="2" pos="2304" userDrawn="1">
           <p15:clr>
             <a:srgbClr val="A4A3A4"/>
           </p15:clr>
@@ -237,8 +237,8 @@
         </p:nvSpPr>
         <p:spPr bwMode="auto">
           <a:xfrm>
-            <a:off x="3972560" y="0"/>
-            <a:ext cx="3037840" cy="464578"/>
+            <a:off x="4145280" y="0"/>
+            <a:ext cx="3169920" cy="479810"/>
           </a:xfrm>
           <a:prstGeom prst="rect">
             <a:avLst/>
@@ -253,13 +253,13 @@
           <a:effectLst/>
         </p:spPr>
         <p:txBody>
-          <a:bodyPr vert="horz" wrap="square" lIns="93165" tIns="46584" rIns="93165" bIns="46584" numCol="1" anchor="t" anchorCtr="0" compatLnSpc="1">
+          <a:bodyPr vert="horz" wrap="square" lIns="96640" tIns="48322" rIns="96640" bIns="48322" numCol="1" anchor="t" anchorCtr="0" compatLnSpc="1">
             <a:prstTxWarp prst="textNoShape">
               <a:avLst/>
             </a:prstTxWarp>
           </a:bodyPr>
           <a:lstStyle>
-            <a:lvl1pPr algn="r" defTabSz="931708">
+            <a:lvl1pPr algn="r" defTabSz="966461">
               <a:defRPr sz="1200"/>
             </a:lvl1pPr>
           </a:lstStyle>
@@ -285,8 +285,8 @@
         </p:nvSpPr>
         <p:spPr bwMode="auto">
           <a:xfrm>
-            <a:off x="3972560" y="8831823"/>
-            <a:ext cx="3037840" cy="464578"/>
+            <a:off x="4145280" y="9121391"/>
+            <a:ext cx="3169920" cy="479810"/>
           </a:xfrm>
           <a:prstGeom prst="rect">
             <a:avLst/>
@@ -301,13 +301,13 @@
           <a:effectLst/>
         </p:spPr>
         <p:txBody>
-          <a:bodyPr vert="horz" wrap="square" lIns="93165" tIns="46584" rIns="93165" bIns="46584" numCol="1" anchor="b" anchorCtr="0" compatLnSpc="1">
+          <a:bodyPr vert="horz" wrap="square" lIns="96640" tIns="48322" rIns="96640" bIns="48322" numCol="1" anchor="b" anchorCtr="0" compatLnSpc="1">
             <a:prstTxWarp prst="textNoShape">
               <a:avLst/>
             </a:prstTxWarp>
           </a:bodyPr>
           <a:lstStyle>
-            <a:lvl1pPr algn="r" defTabSz="931708">
+            <a:lvl1pPr algn="r" defTabSz="966461">
               <a:defRPr sz="1200"/>
             </a:lvl1pPr>
           </a:lstStyle>
@@ -381,7 +381,7 @@
         <p:spPr bwMode="auto">
           <a:xfrm>
             <a:off x="0" y="0"/>
-            <a:ext cx="3037840" cy="464578"/>
+            <a:ext cx="3169920" cy="479810"/>
           </a:xfrm>
           <a:prstGeom prst="rect">
             <a:avLst/>
@@ -396,13 +396,13 @@
           <a:effectLst/>
         </p:spPr>
         <p:txBody>
-          <a:bodyPr vert="horz" wrap="square" lIns="93165" tIns="46584" rIns="93165" bIns="46584" numCol="1" anchor="t" anchorCtr="0" compatLnSpc="1">
+          <a:bodyPr vert="horz" wrap="square" lIns="96640" tIns="48322" rIns="96640" bIns="48322" numCol="1" anchor="t" anchorCtr="0" compatLnSpc="1">
             <a:prstTxWarp prst="textNoShape">
               <a:avLst/>
             </a:prstTxWarp>
           </a:bodyPr>
           <a:lstStyle>
-            <a:lvl1pPr algn="l" defTabSz="931708">
+            <a:lvl1pPr algn="l" defTabSz="966461">
               <a:defRPr sz="1200"/>
             </a:lvl1pPr>
           </a:lstStyle>
@@ -426,8 +426,8 @@
         </p:nvSpPr>
         <p:spPr bwMode="auto">
           <a:xfrm>
-            <a:off x="3972560" y="0"/>
-            <a:ext cx="3037840" cy="464578"/>
+            <a:off x="4145280" y="0"/>
+            <a:ext cx="3169920" cy="479810"/>
           </a:xfrm>
           <a:prstGeom prst="rect">
             <a:avLst/>
@@ -442,13 +442,13 @@
           <a:effectLst/>
         </p:spPr>
         <p:txBody>
-          <a:bodyPr vert="horz" wrap="square" lIns="93165" tIns="46584" rIns="93165" bIns="46584" numCol="1" anchor="t" anchorCtr="0" compatLnSpc="1">
+          <a:bodyPr vert="horz" wrap="square" lIns="96640" tIns="48322" rIns="96640" bIns="48322" numCol="1" anchor="t" anchorCtr="0" compatLnSpc="1">
             <a:prstTxWarp prst="textNoShape">
               <a:avLst/>
             </a:prstTxWarp>
           </a:bodyPr>
           <a:lstStyle>
-            <a:lvl1pPr algn="r" defTabSz="931708">
+            <a:lvl1pPr algn="r" defTabSz="966461">
               <a:defRPr sz="1200"/>
             </a:lvl1pPr>
           </a:lstStyle>
@@ -469,8 +469,8 @@
         </p:nvSpPr>
         <p:spPr bwMode="auto">
           <a:xfrm>
-            <a:off x="1181100" y="696913"/>
-            <a:ext cx="4649788" cy="3486150"/>
+            <a:off x="1257300" y="719138"/>
+            <a:ext cx="4802188" cy="3600450"/>
           </a:xfrm>
           <a:prstGeom prst="rect">
             <a:avLst/>
@@ -499,8 +499,8 @@
         </p:nvSpPr>
         <p:spPr bwMode="auto">
           <a:xfrm>
-            <a:off x="934720" y="4415911"/>
-            <a:ext cx="5140960" cy="4182813"/>
+            <a:off x="975360" y="4560696"/>
+            <a:ext cx="5364480" cy="4319954"/>
           </a:xfrm>
           <a:prstGeom prst="rect">
             <a:avLst/>
@@ -515,7 +515,7 @@
           <a:effectLst/>
         </p:spPr>
         <p:txBody>
-          <a:bodyPr vert="horz" wrap="square" lIns="93165" tIns="46584" rIns="93165" bIns="46584" numCol="1" anchor="t" anchorCtr="0" compatLnSpc="1">
+          <a:bodyPr vert="horz" wrap="square" lIns="96640" tIns="48322" rIns="96640" bIns="48322" numCol="1" anchor="t" anchorCtr="0" compatLnSpc="1">
             <a:prstTxWarp prst="textNoShape">
               <a:avLst/>
             </a:prstTxWarp>
@@ -570,8 +570,8 @@
         </p:nvSpPr>
         <p:spPr bwMode="auto">
           <a:xfrm>
-            <a:off x="0" y="8831823"/>
-            <a:ext cx="3037840" cy="464578"/>
+            <a:off x="0" y="9121391"/>
+            <a:ext cx="3169920" cy="479810"/>
           </a:xfrm>
           <a:prstGeom prst="rect">
             <a:avLst/>
@@ -586,13 +586,13 @@
           <a:effectLst/>
         </p:spPr>
         <p:txBody>
-          <a:bodyPr vert="horz" wrap="square" lIns="93165" tIns="46584" rIns="93165" bIns="46584" numCol="1" anchor="b" anchorCtr="0" compatLnSpc="1">
+          <a:bodyPr vert="horz" wrap="square" lIns="96640" tIns="48322" rIns="96640" bIns="48322" numCol="1" anchor="b" anchorCtr="0" compatLnSpc="1">
             <a:prstTxWarp prst="textNoShape">
               <a:avLst/>
             </a:prstTxWarp>
           </a:bodyPr>
           <a:lstStyle>
-            <a:lvl1pPr algn="l" defTabSz="931708">
+            <a:lvl1pPr algn="l" defTabSz="966461">
               <a:defRPr sz="1200"/>
             </a:lvl1pPr>
           </a:lstStyle>
@@ -613,8 +613,8 @@
         </p:nvSpPr>
         <p:spPr bwMode="auto">
           <a:xfrm>
-            <a:off x="3972560" y="8831823"/>
-            <a:ext cx="3037840" cy="464578"/>
+            <a:off x="4145280" y="9121391"/>
+            <a:ext cx="3169920" cy="479810"/>
           </a:xfrm>
           <a:prstGeom prst="rect">
             <a:avLst/>
@@ -629,13 +629,13 @@
           <a:effectLst/>
         </p:spPr>
         <p:txBody>
-          <a:bodyPr vert="horz" wrap="square" lIns="93165" tIns="46584" rIns="93165" bIns="46584" numCol="1" anchor="b" anchorCtr="0" compatLnSpc="1">
+          <a:bodyPr vert="horz" wrap="square" lIns="96640" tIns="48322" rIns="96640" bIns="48322" numCol="1" anchor="b" anchorCtr="0" compatLnSpc="1">
             <a:prstTxWarp prst="textNoShape">
               <a:avLst/>
             </a:prstTxWarp>
           </a:bodyPr>
           <a:lstStyle>
-            <a:lvl1pPr algn="r" defTabSz="931708">
+            <a:lvl1pPr algn="r" defTabSz="966461">
               <a:defRPr sz="1200"/>
             </a:lvl1pPr>
           </a:lstStyle>
@@ -3876,7 +3876,7 @@
               <a:rPr lang="en-US" sz="1800" dirty="0">
                 <a:latin typeface="Consolas" panose="020B0609020204030204" pitchFamily="49" charset="0"/>
               </a:rPr>
-              <a:t>   sign = 0;</a:t>
+              <a:t>   sign := 0;</a:t>
             </a:r>
           </a:p>
           <a:p>
@@ -7823,8 +7823,8 @@
         </p:nvSpPr>
         <p:spPr>
           <a:xfrm>
-            <a:off x="1713685" y="5232737"/>
-            <a:ext cx="5450531" cy="1015663"/>
+            <a:off x="1821087" y="5232737"/>
+            <a:ext cx="5501827" cy="1015663"/>
           </a:xfrm>
           <a:prstGeom prst="rect">
             <a:avLst/>
@@ -7845,14 +7845,50 @@
             <a:pPr algn="l"/>
             <a:r>
               <a:rPr lang="en-US" sz="2000" dirty="0"/>
-              <a:t>Some keywords such as “class”, “for”, “public”,</a:t>
+              <a:t>Some keywords such as </a:t>
+            </a:r>
+            <a:r>
+              <a:rPr lang="en-US" sz="2000" dirty="0">
+                <a:latin typeface="Consolas" panose="020B0609020204030204" pitchFamily="49" charset="0"/>
+              </a:rPr>
+              <a:t>class</a:t>
+            </a:r>
+            <a:r>
+              <a:rPr lang="en-US" sz="2000" dirty="0"/>
+              <a:t>, </a:t>
+            </a:r>
+            <a:r>
+              <a:rPr lang="en-US" sz="2000" dirty="0">
+                <a:latin typeface="Consolas" panose="020B0609020204030204" pitchFamily="49" charset="0"/>
+              </a:rPr>
+              <a:t>for</a:t>
+            </a:r>
+            <a:r>
+              <a:rPr lang="en-US" sz="2000" dirty="0"/>
+              <a:t>, </a:t>
+            </a:r>
+            <a:r>
+              <a:rPr lang="en-US" sz="2000" dirty="0">
+                <a:latin typeface="Consolas" panose="020B0609020204030204" pitchFamily="49" charset="0"/>
+              </a:rPr>
+              <a:t>private</a:t>
+            </a:r>
+            <a:r>
+              <a:rPr lang="en-US" sz="2000" dirty="0"/>
+              <a:t>,</a:t>
             </a:r>
           </a:p>
           <a:p>
             <a:pPr algn="l"/>
             <a:r>
+              <a:rPr lang="en-US" sz="2000" dirty="0">
+                <a:latin typeface="Consolas" panose="020B0609020204030204" pitchFamily="49" charset="0"/>
+              </a:rPr>
+              <a:t>String</a:t>
+            </a:r>
+            <a:r>
               <a:rPr lang="en-US" sz="2000" dirty="0"/>
-              <a:t>“private”, etc.  are not currently used in CPRL</a:t>
+              <a:t>, etc. are not currently used in CPRL</a:t>
             </a:r>
           </a:p>
           <a:p>

--- a/PowerPoint Slides/04 - Definition of CPRL.pptx
+++ b/PowerPoint Slides/04 - Definition of CPRL.pptx
@@ -6122,7 +6122,15 @@
           <a:p>
             <a:r>
               <a:rPr lang="en-US" dirty="0"/>
-              <a:t>Similar to procedures except that functions can return values.</a:t>
+              <a:t>Similar to procedures except that </a:t>
+            </a:r>
+            <a:r>
+              <a:rPr lang="en-US"/>
+              <a:t>functions return </a:t>
+            </a:r>
+            <a:r>
+              <a:rPr lang="en-US" dirty="0"/>
+              <a:t>values.</a:t>
             </a:r>
           </a:p>
           <a:p>

--- a/PowerPoint Slides/04 - Definition of CPRL.pptx
+++ b/PowerPoint Slides/04 - Definition of CPRL.pptx
@@ -5,10 +5,10 @@
     <p:sldMasterId id="2147483651" r:id="rId1"/>
   </p:sldMasterIdLst>
   <p:notesMasterIdLst>
-    <p:notesMasterId r:id="rId30"/>
+    <p:notesMasterId r:id="rId33"/>
   </p:notesMasterIdLst>
   <p:handoutMasterIdLst>
-    <p:handoutMasterId r:id="rId31"/>
+    <p:handoutMasterId r:id="rId34"/>
   </p:handoutMasterIdLst>
   <p:sldIdLst>
     <p:sldId id="256" r:id="rId2"/>
@@ -18,30 +18,33 @@
     <p:sldId id="261" r:id="rId6"/>
     <p:sldId id="262" r:id="rId7"/>
     <p:sldId id="263" r:id="rId8"/>
-    <p:sldId id="264" r:id="rId9"/>
-    <p:sldId id="265" r:id="rId10"/>
-    <p:sldId id="266" r:id="rId11"/>
-    <p:sldId id="267" r:id="rId12"/>
-    <p:sldId id="268" r:id="rId13"/>
-    <p:sldId id="284" r:id="rId14"/>
-    <p:sldId id="270" r:id="rId15"/>
-    <p:sldId id="271" r:id="rId16"/>
-    <p:sldId id="272" r:id="rId17"/>
-    <p:sldId id="273" r:id="rId18"/>
-    <p:sldId id="274" r:id="rId19"/>
-    <p:sldId id="275" r:id="rId20"/>
-    <p:sldId id="276" r:id="rId21"/>
-    <p:sldId id="277" r:id="rId22"/>
-    <p:sldId id="278" r:id="rId23"/>
-    <p:sldId id="279" r:id="rId24"/>
-    <p:sldId id="280" r:id="rId25"/>
-    <p:sldId id="281" r:id="rId26"/>
-    <p:sldId id="282" r:id="rId27"/>
-    <p:sldId id="283" r:id="rId28"/>
-    <p:sldId id="285" r:id="rId29"/>
+    <p:sldId id="286" r:id="rId9"/>
+    <p:sldId id="287" r:id="rId10"/>
+    <p:sldId id="288" r:id="rId11"/>
+    <p:sldId id="264" r:id="rId12"/>
+    <p:sldId id="265" r:id="rId13"/>
+    <p:sldId id="266" r:id="rId14"/>
+    <p:sldId id="267" r:id="rId15"/>
+    <p:sldId id="268" r:id="rId16"/>
+    <p:sldId id="284" r:id="rId17"/>
+    <p:sldId id="270" r:id="rId18"/>
+    <p:sldId id="271" r:id="rId19"/>
+    <p:sldId id="272" r:id="rId20"/>
+    <p:sldId id="273" r:id="rId21"/>
+    <p:sldId id="274" r:id="rId22"/>
+    <p:sldId id="275" r:id="rId23"/>
+    <p:sldId id="276" r:id="rId24"/>
+    <p:sldId id="277" r:id="rId25"/>
+    <p:sldId id="278" r:id="rId26"/>
+    <p:sldId id="279" r:id="rId27"/>
+    <p:sldId id="280" r:id="rId28"/>
+    <p:sldId id="281" r:id="rId29"/>
+    <p:sldId id="282" r:id="rId30"/>
+    <p:sldId id="283" r:id="rId31"/>
+    <p:sldId id="285" r:id="rId32"/>
   </p:sldIdLst>
   <p:sldSz cx="9144000" cy="6858000" type="screen4x3"/>
-  <p:notesSz cx="7315200" cy="9601200"/>
+  <p:notesSz cx="7010400" cy="9296400"/>
   <p:defaultTextStyle>
     <a:defPPr>
       <a:defRPr lang="en-US"/>
@@ -184,12 +187,12 @@
     </p:ext>
     <p:ext uri="{2D200454-40CA-4A62-9FC3-DE9A4176ACB9}">
       <p15:notesGuideLst xmlns:p15="http://schemas.microsoft.com/office/powerpoint/2012/main">
-        <p15:guide id="1" orient="horz" pos="3025" userDrawn="1">
+        <p15:guide id="1" orient="horz" pos="2929" userDrawn="1">
           <p15:clr>
             <a:srgbClr val="A4A3A4"/>
           </p15:clr>
         </p15:guide>
-        <p15:guide id="2" pos="2304" userDrawn="1">
+        <p15:guide id="2" pos="2208" userDrawn="1">
           <p15:clr>
             <a:srgbClr val="A4A3A4"/>
           </p15:clr>
@@ -237,8 +240,8 @@
         </p:nvSpPr>
         <p:spPr bwMode="auto">
           <a:xfrm>
-            <a:off x="4145280" y="0"/>
-            <a:ext cx="3169920" cy="479810"/>
+            <a:off x="3972560" y="0"/>
+            <a:ext cx="3037840" cy="464578"/>
           </a:xfrm>
           <a:prstGeom prst="rect">
             <a:avLst/>
@@ -253,13 +256,13 @@
           <a:effectLst/>
         </p:spPr>
         <p:txBody>
-          <a:bodyPr vert="horz" wrap="square" lIns="96640" tIns="48322" rIns="96640" bIns="48322" numCol="1" anchor="t" anchorCtr="0" compatLnSpc="1">
+          <a:bodyPr vert="horz" wrap="square" lIns="93151" tIns="46578" rIns="93151" bIns="46578" numCol="1" anchor="t" anchorCtr="0" compatLnSpc="1">
             <a:prstTxWarp prst="textNoShape">
               <a:avLst/>
             </a:prstTxWarp>
           </a:bodyPr>
           <a:lstStyle>
-            <a:lvl1pPr algn="r" defTabSz="966461">
+            <a:lvl1pPr algn="r" defTabSz="931572">
               <a:defRPr sz="1200"/>
             </a:lvl1pPr>
           </a:lstStyle>
@@ -285,8 +288,8 @@
         </p:nvSpPr>
         <p:spPr bwMode="auto">
           <a:xfrm>
-            <a:off x="4145280" y="9121391"/>
-            <a:ext cx="3169920" cy="479810"/>
+            <a:off x="3972560" y="8831823"/>
+            <a:ext cx="3037840" cy="464578"/>
           </a:xfrm>
           <a:prstGeom prst="rect">
             <a:avLst/>
@@ -301,13 +304,13 @@
           <a:effectLst/>
         </p:spPr>
         <p:txBody>
-          <a:bodyPr vert="horz" wrap="square" lIns="96640" tIns="48322" rIns="96640" bIns="48322" numCol="1" anchor="b" anchorCtr="0" compatLnSpc="1">
+          <a:bodyPr vert="horz" wrap="square" lIns="93151" tIns="46578" rIns="93151" bIns="46578" numCol="1" anchor="b" anchorCtr="0" compatLnSpc="1">
             <a:prstTxWarp prst="textNoShape">
               <a:avLst/>
             </a:prstTxWarp>
           </a:bodyPr>
           <a:lstStyle>
-            <a:lvl1pPr algn="r" defTabSz="966461">
+            <a:lvl1pPr algn="r" defTabSz="931572">
               <a:defRPr sz="1200"/>
             </a:lvl1pPr>
           </a:lstStyle>
@@ -381,7 +384,7 @@
         <p:spPr bwMode="auto">
           <a:xfrm>
             <a:off x="0" y="0"/>
-            <a:ext cx="3169920" cy="479810"/>
+            <a:ext cx="3037840" cy="464578"/>
           </a:xfrm>
           <a:prstGeom prst="rect">
             <a:avLst/>
@@ -396,13 +399,13 @@
           <a:effectLst/>
         </p:spPr>
         <p:txBody>
-          <a:bodyPr vert="horz" wrap="square" lIns="96640" tIns="48322" rIns="96640" bIns="48322" numCol="1" anchor="t" anchorCtr="0" compatLnSpc="1">
+          <a:bodyPr vert="horz" wrap="square" lIns="93151" tIns="46578" rIns="93151" bIns="46578" numCol="1" anchor="t" anchorCtr="0" compatLnSpc="1">
             <a:prstTxWarp prst="textNoShape">
               <a:avLst/>
             </a:prstTxWarp>
           </a:bodyPr>
           <a:lstStyle>
-            <a:lvl1pPr algn="l" defTabSz="966461">
+            <a:lvl1pPr algn="l" defTabSz="931572">
               <a:defRPr sz="1200"/>
             </a:lvl1pPr>
           </a:lstStyle>
@@ -426,8 +429,8 @@
         </p:nvSpPr>
         <p:spPr bwMode="auto">
           <a:xfrm>
-            <a:off x="4145280" y="0"/>
-            <a:ext cx="3169920" cy="479810"/>
+            <a:off x="3972560" y="0"/>
+            <a:ext cx="3037840" cy="464578"/>
           </a:xfrm>
           <a:prstGeom prst="rect">
             <a:avLst/>
@@ -442,13 +445,13 @@
           <a:effectLst/>
         </p:spPr>
         <p:txBody>
-          <a:bodyPr vert="horz" wrap="square" lIns="96640" tIns="48322" rIns="96640" bIns="48322" numCol="1" anchor="t" anchorCtr="0" compatLnSpc="1">
+          <a:bodyPr vert="horz" wrap="square" lIns="93151" tIns="46578" rIns="93151" bIns="46578" numCol="1" anchor="t" anchorCtr="0" compatLnSpc="1">
             <a:prstTxWarp prst="textNoShape">
               <a:avLst/>
             </a:prstTxWarp>
           </a:bodyPr>
           <a:lstStyle>
-            <a:lvl1pPr algn="r" defTabSz="966461">
+            <a:lvl1pPr algn="r" defTabSz="931572">
               <a:defRPr sz="1200"/>
             </a:lvl1pPr>
           </a:lstStyle>
@@ -469,8 +472,8 @@
         </p:nvSpPr>
         <p:spPr bwMode="auto">
           <a:xfrm>
-            <a:off x="1257300" y="719138"/>
-            <a:ext cx="4802188" cy="3600450"/>
+            <a:off x="1182688" y="696913"/>
+            <a:ext cx="4646612" cy="3486150"/>
           </a:xfrm>
           <a:prstGeom prst="rect">
             <a:avLst/>
@@ -499,8 +502,8 @@
         </p:nvSpPr>
         <p:spPr bwMode="auto">
           <a:xfrm>
-            <a:off x="975360" y="4560696"/>
-            <a:ext cx="5364480" cy="4319954"/>
+            <a:off x="934720" y="4415912"/>
+            <a:ext cx="5140960" cy="4182813"/>
           </a:xfrm>
           <a:prstGeom prst="rect">
             <a:avLst/>
@@ -515,7 +518,7 @@
           <a:effectLst/>
         </p:spPr>
         <p:txBody>
-          <a:bodyPr vert="horz" wrap="square" lIns="96640" tIns="48322" rIns="96640" bIns="48322" numCol="1" anchor="t" anchorCtr="0" compatLnSpc="1">
+          <a:bodyPr vert="horz" wrap="square" lIns="93151" tIns="46578" rIns="93151" bIns="46578" numCol="1" anchor="t" anchorCtr="0" compatLnSpc="1">
             <a:prstTxWarp prst="textNoShape">
               <a:avLst/>
             </a:prstTxWarp>
@@ -570,8 +573,8 @@
         </p:nvSpPr>
         <p:spPr bwMode="auto">
           <a:xfrm>
-            <a:off x="0" y="9121391"/>
-            <a:ext cx="3169920" cy="479810"/>
+            <a:off x="0" y="8831823"/>
+            <a:ext cx="3037840" cy="464578"/>
           </a:xfrm>
           <a:prstGeom prst="rect">
             <a:avLst/>
@@ -586,13 +589,13 @@
           <a:effectLst/>
         </p:spPr>
         <p:txBody>
-          <a:bodyPr vert="horz" wrap="square" lIns="96640" tIns="48322" rIns="96640" bIns="48322" numCol="1" anchor="b" anchorCtr="0" compatLnSpc="1">
+          <a:bodyPr vert="horz" wrap="square" lIns="93151" tIns="46578" rIns="93151" bIns="46578" numCol="1" anchor="b" anchorCtr="0" compatLnSpc="1">
             <a:prstTxWarp prst="textNoShape">
               <a:avLst/>
             </a:prstTxWarp>
           </a:bodyPr>
           <a:lstStyle>
-            <a:lvl1pPr algn="l" defTabSz="966461">
+            <a:lvl1pPr algn="l" defTabSz="931572">
               <a:defRPr sz="1200"/>
             </a:lvl1pPr>
           </a:lstStyle>
@@ -613,8 +616,8 @@
         </p:nvSpPr>
         <p:spPr bwMode="auto">
           <a:xfrm>
-            <a:off x="4145280" y="9121391"/>
-            <a:ext cx="3169920" cy="479810"/>
+            <a:off x="3972560" y="8831823"/>
+            <a:ext cx="3037840" cy="464578"/>
           </a:xfrm>
           <a:prstGeom prst="rect">
             <a:avLst/>
@@ -629,13 +632,13 @@
           <a:effectLst/>
         </p:spPr>
         <p:txBody>
-          <a:bodyPr vert="horz" wrap="square" lIns="96640" tIns="48322" rIns="96640" bIns="48322" numCol="1" anchor="b" anchorCtr="0" compatLnSpc="1">
+          <a:bodyPr vert="horz" wrap="square" lIns="93151" tIns="46578" rIns="93151" bIns="46578" numCol="1" anchor="b" anchorCtr="0" compatLnSpc="1">
             <a:prstTxWarp prst="textNoShape">
               <a:avLst/>
             </a:prstTxWarp>
           </a:bodyPr>
           <a:lstStyle>
-            <a:lvl1pPr algn="r" defTabSz="966461">
+            <a:lvl1pPr algn="r" defTabSz="931572">
               <a:defRPr sz="1200"/>
             </a:lvl1pPr>
           </a:lstStyle>
@@ -2551,6 +2554,591 @@
       </p:grpSpPr>
       <p:sp>
         <p:nvSpPr>
+          <p:cNvPr id="2" name="Title 1">
+            <a:extLst>
+              <a:ext uri="{FF2B5EF4-FFF2-40B4-BE49-F238E27FC236}">
+                <a16:creationId xmlns:a16="http://schemas.microsoft.com/office/drawing/2014/main" id="{95BDD0CD-680C-47F0-B74B-F7FDCEBEC288}"/>
+              </a:ext>
+            </a:extLst>
+          </p:cNvPr>
+          <p:cNvSpPr>
+            <a:spLocks noGrp="1"/>
+          </p:cNvSpPr>
+          <p:nvPr>
+            <p:ph type="title"/>
+          </p:nvPr>
+        </p:nvSpPr>
+        <p:spPr/>
+        <p:txBody>
+          <a:bodyPr/>
+          <a:lstStyle/>
+          <a:p>
+            <a:r>
+              <a:rPr lang="en-US" dirty="0"/>
+              <a:t>Expressions versus Statements</a:t>
+            </a:r>
+            <a:endParaRPr lang="en-US" sz="2400" dirty="0"/>
+          </a:p>
+        </p:txBody>
+      </p:sp>
+      <p:sp>
+        <p:nvSpPr>
+          <p:cNvPr id="3" name="Content Placeholder 2">
+            <a:extLst>
+              <a:ext uri="{FF2B5EF4-FFF2-40B4-BE49-F238E27FC236}">
+                <a16:creationId xmlns:a16="http://schemas.microsoft.com/office/drawing/2014/main" id="{28AE150E-8F8F-4602-A7BD-DCD7B1A43FB7}"/>
+              </a:ext>
+            </a:extLst>
+          </p:cNvPr>
+          <p:cNvSpPr>
+            <a:spLocks noGrp="1"/>
+          </p:cNvSpPr>
+          <p:nvPr>
+            <p:ph idx="1"/>
+          </p:nvPr>
+        </p:nvSpPr>
+        <p:spPr/>
+        <p:txBody>
+          <a:bodyPr/>
+          <a:lstStyle/>
+          <a:p>
+            <a:r>
+              <a:rPr lang="en-US" dirty="0"/>
+              <a:t>Unlike some programming languages, CPRL makes a strong distinction between expressions and statements.  </a:t>
+            </a:r>
+          </a:p>
+          <a:p>
+            <a:r>
+              <a:rPr lang="en-US" dirty="0"/>
+              <a:t>For example, in C, any expression followed by a semicolon is considered a statement.</a:t>
+            </a:r>
+          </a:p>
+          <a:p>
+            <a:pPr marL="457200" lvl="1" indent="0">
+              <a:buNone/>
+            </a:pPr>
+            <a:r>
+              <a:rPr lang="en-US" dirty="0">
+                <a:latin typeface="Consolas" panose="020B0609020204030204" pitchFamily="49" charset="0"/>
+              </a:rPr>
+              <a:t>x &gt;= 5;   // valid statement in C but not in CPRL</a:t>
+            </a:r>
+          </a:p>
+          <a:p>
+            <a:r>
+              <a:rPr lang="en-US" dirty="0"/>
+              <a:t>In Java we can call a function that returns a value without actually using the returned value.</a:t>
+            </a:r>
+          </a:p>
+          <a:p>
+            <a:pPr lvl="1"/>
+            <a:r>
+              <a:rPr lang="en-US" dirty="0"/>
+              <a:t>In CPRL all function calls return values, and all function calls are considered to be expressions.  The value returned from a function call can’t be ignored.</a:t>
+            </a:r>
+          </a:p>
+          <a:p>
+            <a:pPr lvl="1"/>
+            <a:r>
+              <a:rPr lang="en-US" dirty="0"/>
+              <a:t>A procedure call in CPRL does not return a value (analogous to a </a:t>
+            </a:r>
+            <a:r>
+              <a:rPr lang="en-US" dirty="0">
+                <a:latin typeface="Consolas" panose="020B0609020204030204" pitchFamily="49" charset="0"/>
+              </a:rPr>
+              <a:t>void</a:t>
+            </a:r>
+            <a:r>
+              <a:rPr lang="en-US" dirty="0"/>
+              <a:t> function in Java) and is considered to be a statement.</a:t>
+            </a:r>
+          </a:p>
+        </p:txBody>
+      </p:sp>
+      <p:sp>
+        <p:nvSpPr>
+          <p:cNvPr id="4" name="Footer Placeholder 3">
+            <a:extLst>
+              <a:ext uri="{FF2B5EF4-FFF2-40B4-BE49-F238E27FC236}">
+                <a16:creationId xmlns:a16="http://schemas.microsoft.com/office/drawing/2014/main" id="{46F68C81-AB6A-41B7-AEA8-2DE7FE28AE67}"/>
+              </a:ext>
+            </a:extLst>
+          </p:cNvPr>
+          <p:cNvSpPr>
+            <a:spLocks noGrp="1"/>
+          </p:cNvSpPr>
+          <p:nvPr>
+            <p:ph type="ftr" sz="quarter" idx="10"/>
+          </p:nvPr>
+        </p:nvSpPr>
+        <p:spPr/>
+        <p:txBody>
+          <a:bodyPr/>
+          <a:lstStyle/>
+          <a:p>
+            <a:r>
+              <a:rPr lang="en-US"/>
+              <a:t>©SoftMoore Consulting</a:t>
+            </a:r>
+          </a:p>
+        </p:txBody>
+      </p:sp>
+      <p:sp>
+        <p:nvSpPr>
+          <p:cNvPr id="5" name="Slide Number Placeholder 4">
+            <a:extLst>
+              <a:ext uri="{FF2B5EF4-FFF2-40B4-BE49-F238E27FC236}">
+                <a16:creationId xmlns:a16="http://schemas.microsoft.com/office/drawing/2014/main" id="{7C958446-C6D0-4675-ABA7-104A66E52F01}"/>
+              </a:ext>
+            </a:extLst>
+          </p:cNvPr>
+          <p:cNvSpPr>
+            <a:spLocks noGrp="1"/>
+          </p:cNvSpPr>
+          <p:nvPr>
+            <p:ph type="sldNum" sz="quarter" idx="11"/>
+          </p:nvPr>
+        </p:nvSpPr>
+        <p:spPr/>
+        <p:txBody>
+          <a:bodyPr/>
+          <a:lstStyle/>
+          <a:p>
+            <a:r>
+              <a:rPr lang="en-US"/>
+              <a:t>Slide </a:t>
+            </a:r>
+            <a:fld id="{A389BBEE-9217-4607-B20A-4E4F28539A38}" type="slidenum">
+              <a:rPr lang="en-US" smtClean="0"/>
+              <a:pPr/>
+              <a:t>10</a:t>
+            </a:fld>
+            <a:endParaRPr lang="en-US"/>
+          </a:p>
+        </p:txBody>
+      </p:sp>
+    </p:spTree>
+    <p:extLst>
+      <p:ext uri="{BB962C8B-B14F-4D97-AF65-F5344CB8AC3E}">
+        <p14:creationId xmlns:p14="http://schemas.microsoft.com/office/powerpoint/2010/main" val="1372699034"/>
+      </p:ext>
+    </p:extLst>
+  </p:cSld>
+  <p:clrMapOvr>
+    <a:masterClrMapping/>
+  </p:clrMapOvr>
+</p:sld>
+</file>
+
+<file path=ppt/slides/slide11.xml><?xml version="1.0" encoding="utf-8"?>
+<p:sld xmlns:a="http://schemas.openxmlformats.org/drawingml/2006/main" xmlns:r="http://schemas.openxmlformats.org/officeDocument/2006/relationships" xmlns:p="http://schemas.openxmlformats.org/presentationml/2006/main">
+  <p:cSld>
+    <p:spTree>
+      <p:nvGrpSpPr>
+        <p:cNvPr id="1" name=""/>
+        <p:cNvGrpSpPr/>
+        <p:nvPr/>
+      </p:nvGrpSpPr>
+      <p:grpSpPr>
+        <a:xfrm>
+          <a:off x="0" y="0"/>
+          <a:ext cx="0" cy="0"/>
+          <a:chOff x="0" y="0"/>
+          <a:chExt cx="0" cy="0"/>
+        </a:xfrm>
+      </p:grpSpPr>
+      <p:sp>
+        <p:nvSpPr>
+          <p:cNvPr id="2" name="Title 1"/>
+          <p:cNvSpPr>
+            <a:spLocks noGrp="1"/>
+          </p:cNvSpPr>
+          <p:nvPr>
+            <p:ph type="title"/>
+          </p:nvPr>
+        </p:nvSpPr>
+        <p:spPr/>
+        <p:txBody>
+          <a:bodyPr/>
+          <a:lstStyle/>
+          <a:p>
+            <a:r>
+              <a:rPr lang="en-US" dirty="0"/>
+              <a:t>Typing in CPRL</a:t>
+            </a:r>
+          </a:p>
+        </p:txBody>
+      </p:sp>
+      <p:sp>
+        <p:nvSpPr>
+          <p:cNvPr id="3" name="Content Placeholder 2"/>
+          <p:cNvSpPr>
+            <a:spLocks noGrp="1"/>
+          </p:cNvSpPr>
+          <p:nvPr>
+            <p:ph idx="1"/>
+          </p:nvPr>
+        </p:nvSpPr>
+        <p:spPr/>
+        <p:txBody>
+          <a:bodyPr/>
+          <a:lstStyle/>
+          <a:p>
+            <a:pPr marL="0" indent="0">
+              <a:buNone/>
+            </a:pPr>
+            <a:r>
+              <a:rPr lang="en-US" dirty="0"/>
+              <a:t>CPRL is a statically typed language.</a:t>
+            </a:r>
+          </a:p>
+          <a:p>
+            <a:pPr lvl="0"/>
+            <a:r>
+              <a:rPr lang="en-US" dirty="0"/>
+              <a:t>Every variable or constant in the language belongs to exactly one type.</a:t>
+            </a:r>
+          </a:p>
+          <a:p>
+            <a:pPr lvl="0"/>
+            <a:r>
+              <a:rPr lang="en-US" dirty="0"/>
+              <a:t>Type is a static property and can be determined by the compiler.  (Allows error detection at compile time.)</a:t>
+            </a:r>
+          </a:p>
+        </p:txBody>
+      </p:sp>
+      <p:sp>
+        <p:nvSpPr>
+          <p:cNvPr id="4" name="Footer Placeholder 3"/>
+          <p:cNvSpPr>
+            <a:spLocks noGrp="1"/>
+          </p:cNvSpPr>
+          <p:nvPr>
+            <p:ph type="ftr" sz="quarter" idx="10"/>
+          </p:nvPr>
+        </p:nvSpPr>
+        <p:spPr/>
+        <p:txBody>
+          <a:bodyPr/>
+          <a:lstStyle/>
+          <a:p>
+            <a:r>
+              <a:rPr lang="en-US"/>
+              <a:t>©SoftMoore Consulting</a:t>
+            </a:r>
+          </a:p>
+        </p:txBody>
+      </p:sp>
+      <p:sp>
+        <p:nvSpPr>
+          <p:cNvPr id="5" name="Slide Number Placeholder 4"/>
+          <p:cNvSpPr>
+            <a:spLocks noGrp="1"/>
+          </p:cNvSpPr>
+          <p:nvPr>
+            <p:ph type="sldNum" sz="quarter" idx="11"/>
+          </p:nvPr>
+        </p:nvSpPr>
+        <p:spPr/>
+        <p:txBody>
+          <a:bodyPr/>
+          <a:lstStyle/>
+          <a:p>
+            <a:r>
+              <a:rPr lang="en-US"/>
+              <a:t>Slide </a:t>
+            </a:r>
+            <a:fld id="{A389BBEE-9217-4607-B20A-4E4F28539A38}" type="slidenum">
+              <a:rPr lang="en-US" smtClean="0"/>
+              <a:pPr/>
+              <a:t>11</a:t>
+            </a:fld>
+            <a:endParaRPr lang="en-US"/>
+          </a:p>
+        </p:txBody>
+      </p:sp>
+    </p:spTree>
+    <p:extLst>
+      <p:ext uri="{BB962C8B-B14F-4D97-AF65-F5344CB8AC3E}">
+        <p14:creationId xmlns:p14="http://schemas.microsoft.com/office/powerpoint/2010/main" val="2050551328"/>
+      </p:ext>
+    </p:extLst>
+  </p:cSld>
+  <p:clrMapOvr>
+    <a:masterClrMapping/>
+  </p:clrMapOvr>
+</p:sld>
+</file>
+
+<file path=ppt/slides/slide12.xml><?xml version="1.0" encoding="utf-8"?>
+<p:sld xmlns:a="http://schemas.openxmlformats.org/drawingml/2006/main" xmlns:r="http://schemas.openxmlformats.org/officeDocument/2006/relationships" xmlns:p="http://schemas.openxmlformats.org/presentationml/2006/main">
+  <p:cSld>
+    <p:spTree>
+      <p:nvGrpSpPr>
+        <p:cNvPr id="1" name=""/>
+        <p:cNvGrpSpPr/>
+        <p:nvPr/>
+      </p:nvGrpSpPr>
+      <p:grpSpPr>
+        <a:xfrm>
+          <a:off x="0" y="0"/>
+          <a:ext cx="0" cy="0"/>
+          <a:chOff x="0" y="0"/>
+          <a:chExt cx="0" cy="0"/>
+        </a:xfrm>
+      </p:grpSpPr>
+      <p:sp>
+        <p:nvSpPr>
+          <p:cNvPr id="2" name="Title 1"/>
+          <p:cNvSpPr>
+            <a:spLocks noGrp="1"/>
+          </p:cNvSpPr>
+          <p:nvPr>
+            <p:ph type="title"/>
+          </p:nvPr>
+        </p:nvSpPr>
+        <p:spPr/>
+        <p:txBody>
+          <a:bodyPr/>
+          <a:lstStyle/>
+          <a:p>
+            <a:r>
+              <a:rPr lang="en-US" dirty="0"/>
+              <a:t>Types</a:t>
+            </a:r>
+          </a:p>
+        </p:txBody>
+      </p:sp>
+      <p:sp>
+        <p:nvSpPr>
+          <p:cNvPr id="3" name="Content Placeholder 2"/>
+          <p:cNvSpPr>
+            <a:spLocks noGrp="1"/>
+          </p:cNvSpPr>
+          <p:nvPr>
+            <p:ph idx="1"/>
+          </p:nvPr>
+        </p:nvSpPr>
+        <p:spPr/>
+        <p:txBody>
+          <a:bodyPr/>
+          <a:lstStyle/>
+          <a:p>
+            <a:r>
+              <a:rPr lang="en-US" dirty="0"/>
+              <a:t>Standard (predefined) Scalar Types</a:t>
+            </a:r>
+          </a:p>
+          <a:p>
+            <a:pPr lvl="1"/>
+            <a:r>
+              <a:rPr lang="en-US" dirty="0">
+                <a:latin typeface="Consolas" panose="020B0609020204030204" pitchFamily="49" charset="0"/>
+              </a:rPr>
+              <a:t>Boolean</a:t>
+            </a:r>
+          </a:p>
+          <a:p>
+            <a:pPr lvl="1"/>
+            <a:r>
+              <a:rPr lang="en-US" dirty="0">
+                <a:latin typeface="Consolas" panose="020B0609020204030204" pitchFamily="49" charset="0"/>
+              </a:rPr>
+              <a:t>Integer</a:t>
+            </a:r>
+          </a:p>
+          <a:p>
+            <a:pPr lvl="1"/>
+            <a:r>
+              <a:rPr lang="en-US" dirty="0">
+                <a:latin typeface="Consolas" panose="020B0609020204030204" pitchFamily="49" charset="0"/>
+              </a:rPr>
+              <a:t>Char</a:t>
+            </a:r>
+          </a:p>
+          <a:p>
+            <a:r>
+              <a:rPr lang="en-US" dirty="0"/>
+              <a:t>Array Types</a:t>
+            </a:r>
+          </a:p>
+          <a:p>
+            <a:pPr lvl="1"/>
+            <a:r>
+              <a:rPr lang="en-US" dirty="0"/>
+              <a:t>one dimensional arrays (but arrays of arrays can be declared)</a:t>
+            </a:r>
+          </a:p>
+          <a:p>
+            <a:pPr lvl="1"/>
+            <a:r>
+              <a:rPr lang="en-US" dirty="0"/>
+              <a:t>defined by number of elements in the array and component type</a:t>
+            </a:r>
+          </a:p>
+          <a:p>
+            <a:pPr lvl="1"/>
+            <a:r>
+              <a:rPr lang="en-US" dirty="0"/>
+              <a:t>examples:</a:t>
+            </a:r>
+          </a:p>
+          <a:p>
+            <a:pPr marL="914400" lvl="2" indent="0">
+              <a:buNone/>
+            </a:pPr>
+            <a:r>
+              <a:rPr lang="en-US" dirty="0">
+                <a:latin typeface="Consolas" panose="020B0609020204030204" pitchFamily="49" charset="0"/>
+              </a:rPr>
+              <a:t>type T1 = array[10] of Boolean;</a:t>
+            </a:r>
+          </a:p>
+          <a:p>
+            <a:pPr marL="914400" lvl="2" indent="0">
+              <a:buNone/>
+            </a:pPr>
+            <a:r>
+              <a:rPr lang="en-US" dirty="0">
+                <a:latin typeface="Consolas" panose="020B0609020204030204" pitchFamily="49" charset="0"/>
+              </a:rPr>
+              <a:t>type T2 = array[10] of Integer;</a:t>
+            </a:r>
+          </a:p>
+          <a:p>
+            <a:pPr marL="914400" lvl="2" indent="0">
+              <a:buNone/>
+            </a:pPr>
+            <a:r>
+              <a:rPr lang="en-US" dirty="0">
+                <a:latin typeface="Consolas" panose="020B0609020204030204" pitchFamily="49" charset="0"/>
+              </a:rPr>
+              <a:t>type T3 = array[10] of T2;</a:t>
+            </a:r>
+          </a:p>
+          <a:p>
+            <a:pPr lvl="1"/>
+            <a:r>
+              <a:rPr lang="en-US" dirty="0"/>
+              <a:t>indices are integers ranging from </a:t>
+            </a:r>
+            <a:r>
+              <a:rPr lang="en-US" dirty="0">
+                <a:latin typeface="Consolas" panose="020B0609020204030204" pitchFamily="49" charset="0"/>
+              </a:rPr>
+              <a:t>0</a:t>
+            </a:r>
+            <a:r>
+              <a:rPr lang="en-US" dirty="0"/>
+              <a:t> to </a:t>
+            </a:r>
+            <a:r>
+              <a:rPr lang="en-US" dirty="0">
+                <a:latin typeface="Consolas" panose="020B0609020204030204" pitchFamily="49" charset="0"/>
+              </a:rPr>
+              <a:t>n-1</a:t>
+            </a:r>
+            <a:r>
+              <a:rPr lang="en-US" dirty="0"/>
+              <a:t>, where </a:t>
+            </a:r>
+            <a:r>
+              <a:rPr lang="en-US" dirty="0">
+                <a:latin typeface="Consolas" panose="020B0609020204030204" pitchFamily="49" charset="0"/>
+              </a:rPr>
+              <a:t>n</a:t>
+            </a:r>
+            <a:r>
+              <a:rPr lang="en-US" dirty="0"/>
+              <a:t> is the number of elements in the array</a:t>
+            </a:r>
+          </a:p>
+        </p:txBody>
+      </p:sp>
+      <p:sp>
+        <p:nvSpPr>
+          <p:cNvPr id="4" name="Footer Placeholder 3"/>
+          <p:cNvSpPr>
+            <a:spLocks noGrp="1"/>
+          </p:cNvSpPr>
+          <p:nvPr>
+            <p:ph type="ftr" sz="quarter" idx="10"/>
+          </p:nvPr>
+        </p:nvSpPr>
+        <p:spPr/>
+        <p:txBody>
+          <a:bodyPr/>
+          <a:lstStyle/>
+          <a:p>
+            <a:r>
+              <a:rPr lang="en-US"/>
+              <a:t>©SoftMoore Consulting</a:t>
+            </a:r>
+          </a:p>
+        </p:txBody>
+      </p:sp>
+      <p:sp>
+        <p:nvSpPr>
+          <p:cNvPr id="5" name="Slide Number Placeholder 4"/>
+          <p:cNvSpPr>
+            <a:spLocks noGrp="1"/>
+          </p:cNvSpPr>
+          <p:nvPr>
+            <p:ph type="sldNum" sz="quarter" idx="11"/>
+          </p:nvPr>
+        </p:nvSpPr>
+        <p:spPr/>
+        <p:txBody>
+          <a:bodyPr/>
+          <a:lstStyle/>
+          <a:p>
+            <a:r>
+              <a:rPr lang="en-US"/>
+              <a:t>Slide </a:t>
+            </a:r>
+            <a:fld id="{A389BBEE-9217-4607-B20A-4E4F28539A38}" type="slidenum">
+              <a:rPr lang="en-US" smtClean="0"/>
+              <a:pPr/>
+              <a:t>12</a:t>
+            </a:fld>
+            <a:endParaRPr lang="en-US"/>
+          </a:p>
+        </p:txBody>
+      </p:sp>
+    </p:spTree>
+    <p:extLst>
+      <p:ext uri="{BB962C8B-B14F-4D97-AF65-F5344CB8AC3E}">
+        <p14:creationId xmlns:p14="http://schemas.microsoft.com/office/powerpoint/2010/main" val="2148242311"/>
+      </p:ext>
+    </p:extLst>
+  </p:cSld>
+  <p:clrMapOvr>
+    <a:masterClrMapping/>
+  </p:clrMapOvr>
+</p:sld>
+</file>
+
+<file path=ppt/slides/slide13.xml><?xml version="1.0" encoding="utf-8"?>
+<p:sld xmlns:a="http://schemas.openxmlformats.org/drawingml/2006/main" xmlns:r="http://schemas.openxmlformats.org/officeDocument/2006/relationships" xmlns:p="http://schemas.openxmlformats.org/presentationml/2006/main">
+  <p:cSld>
+    <p:spTree>
+      <p:nvGrpSpPr>
+        <p:cNvPr id="1" name=""/>
+        <p:cNvGrpSpPr/>
+        <p:nvPr/>
+      </p:nvGrpSpPr>
+      <p:grpSpPr>
+        <a:xfrm>
+          <a:off x="0" y="0"/>
+          <a:ext cx="0" cy="0"/>
+          <a:chOff x="0" y="0"/>
+          <a:chExt cx="0" cy="0"/>
+        </a:xfrm>
+      </p:grpSpPr>
+      <p:sp>
+        <p:nvSpPr>
           <p:cNvPr id="2" name="Title 1"/>
           <p:cNvSpPr>
             <a:spLocks noGrp="1"/>
@@ -2788,7 +3376,7 @@
             <a:fld id="{A389BBEE-9217-4607-B20A-4E4F28539A38}" type="slidenum">
               <a:rPr lang="en-US" smtClean="0"/>
               <a:pPr/>
-              <a:t>10</a:t>
+              <a:t>13</a:t>
             </a:fld>
             <a:endParaRPr lang="en-US"/>
           </a:p>
@@ -2932,590 +3520,6 @@
 </p:sld>
 </file>
 
-<file path=ppt/slides/slide11.xml><?xml version="1.0" encoding="utf-8"?>
-<p:sld xmlns:a="http://schemas.openxmlformats.org/drawingml/2006/main" xmlns:r="http://schemas.openxmlformats.org/officeDocument/2006/relationships" xmlns:p="http://schemas.openxmlformats.org/presentationml/2006/main">
-  <p:cSld>
-    <p:spTree>
-      <p:nvGrpSpPr>
-        <p:cNvPr id="1" name=""/>
-        <p:cNvGrpSpPr/>
-        <p:nvPr/>
-      </p:nvGrpSpPr>
-      <p:grpSpPr>
-        <a:xfrm>
-          <a:off x="0" y="0"/>
-          <a:ext cx="0" cy="0"/>
-          <a:chOff x="0" y="0"/>
-          <a:chExt cx="0" cy="0"/>
-        </a:xfrm>
-      </p:grpSpPr>
-      <p:sp>
-        <p:nvSpPr>
-          <p:cNvPr id="2" name="Title 1"/>
-          <p:cNvSpPr>
-            <a:spLocks noGrp="1"/>
-          </p:cNvSpPr>
-          <p:nvPr>
-            <p:ph type="title"/>
-          </p:nvPr>
-        </p:nvSpPr>
-        <p:spPr/>
-        <p:txBody>
-          <a:bodyPr/>
-          <a:lstStyle/>
-          <a:p>
-            <a:r>
-              <a:rPr lang="en-US" dirty="0"/>
-              <a:t>Operators</a:t>
-            </a:r>
-          </a:p>
-        </p:txBody>
-      </p:sp>
-      <p:sp>
-        <p:nvSpPr>
-          <p:cNvPr id="3" name="Content Placeholder 2"/>
-          <p:cNvSpPr>
-            <a:spLocks noGrp="1"/>
-          </p:cNvSpPr>
-          <p:nvPr>
-            <p:ph idx="1"/>
-          </p:nvPr>
-        </p:nvSpPr>
-        <p:spPr/>
-        <p:txBody>
-          <a:bodyPr/>
-          <a:lstStyle/>
-          <a:p>
-            <a:pPr marL="0" indent="0">
-              <a:buNone/>
-            </a:pPr>
-            <a:r>
-              <a:rPr lang="en-US" dirty="0"/>
-              <a:t>The operators, in order of precedence, are as follows:</a:t>
-            </a:r>
-          </a:p>
-          <a:p>
-            <a:pPr marL="0" indent="0">
-              <a:buNone/>
-            </a:pPr>
-            <a:r>
-              <a:rPr lang="en-US" dirty="0"/>
-              <a:t>1.  Boolean negation	  </a:t>
-            </a:r>
-            <a:r>
-              <a:rPr lang="en-US" dirty="0">
-                <a:latin typeface="Consolas" panose="020B0609020204030204" pitchFamily="49" charset="0"/>
-              </a:rPr>
-              <a:t>not</a:t>
-            </a:r>
-          </a:p>
-          <a:p>
-            <a:pPr marL="0" indent="0">
-              <a:buNone/>
-            </a:pPr>
-            <a:r>
-              <a:rPr lang="en-US" dirty="0"/>
-              <a:t>2.  Multiplying operators	  </a:t>
-            </a:r>
-            <a:r>
-              <a:rPr lang="en-US" dirty="0">
-                <a:latin typeface="Consolas" panose="020B0609020204030204" pitchFamily="49" charset="0"/>
-              </a:rPr>
-              <a:t>*  /  mod</a:t>
-            </a:r>
-          </a:p>
-          <a:p>
-            <a:pPr marL="0" indent="0">
-              <a:buNone/>
-            </a:pPr>
-            <a:r>
-              <a:rPr lang="en-US" dirty="0"/>
-              <a:t>3.  Unary adding operators	  </a:t>
-            </a:r>
-            <a:r>
-              <a:rPr lang="en-US" dirty="0">
-                <a:latin typeface="Consolas" panose="020B0609020204030204" pitchFamily="49" charset="0"/>
-              </a:rPr>
-              <a:t>+  ‑</a:t>
-            </a:r>
-          </a:p>
-          <a:p>
-            <a:pPr marL="0" indent="0">
-              <a:buNone/>
-            </a:pPr>
-            <a:r>
-              <a:rPr lang="en-US" dirty="0"/>
-              <a:t>4.  Binary adding operators  </a:t>
-            </a:r>
-            <a:r>
-              <a:rPr lang="en-US" dirty="0">
-                <a:latin typeface="Consolas" panose="020B0609020204030204" pitchFamily="49" charset="0"/>
-              </a:rPr>
-              <a:t>+  ‑</a:t>
-            </a:r>
-          </a:p>
-          <a:p>
-            <a:pPr marL="0" indent="0">
-              <a:buNone/>
-            </a:pPr>
-            <a:r>
-              <a:rPr lang="en-US" dirty="0"/>
-              <a:t>5.  Relational operators	  </a:t>
-            </a:r>
-            <a:r>
-              <a:rPr lang="en-US" dirty="0">
-                <a:latin typeface="Consolas" panose="020B0609020204030204" pitchFamily="49" charset="0"/>
-              </a:rPr>
-              <a:t>=  !=  &lt;  &lt;=  &gt;  &gt;=</a:t>
-            </a:r>
-          </a:p>
-          <a:p>
-            <a:pPr marL="0" indent="0">
-              <a:buNone/>
-            </a:pPr>
-            <a:r>
-              <a:rPr lang="en-US" dirty="0"/>
-              <a:t>6.  Logical operators	  </a:t>
-            </a:r>
-            <a:r>
-              <a:rPr lang="en-US" dirty="0">
-                <a:latin typeface="Consolas" panose="020B0609020204030204" pitchFamily="49" charset="0"/>
-              </a:rPr>
-              <a:t>and  or</a:t>
-            </a:r>
-          </a:p>
-          <a:p>
-            <a:endParaRPr lang="en-US" dirty="0"/>
-          </a:p>
-        </p:txBody>
-      </p:sp>
-      <p:sp>
-        <p:nvSpPr>
-          <p:cNvPr id="4" name="Footer Placeholder 3"/>
-          <p:cNvSpPr>
-            <a:spLocks noGrp="1"/>
-          </p:cNvSpPr>
-          <p:nvPr>
-            <p:ph type="ftr" sz="quarter" idx="10"/>
-          </p:nvPr>
-        </p:nvSpPr>
-        <p:spPr/>
-        <p:txBody>
-          <a:bodyPr/>
-          <a:lstStyle/>
-          <a:p>
-            <a:r>
-              <a:rPr lang="en-US"/>
-              <a:t>©SoftMoore Consulting</a:t>
-            </a:r>
-          </a:p>
-        </p:txBody>
-      </p:sp>
-      <p:sp>
-        <p:nvSpPr>
-          <p:cNvPr id="5" name="Slide Number Placeholder 4"/>
-          <p:cNvSpPr>
-            <a:spLocks noGrp="1"/>
-          </p:cNvSpPr>
-          <p:nvPr>
-            <p:ph type="sldNum" sz="quarter" idx="11"/>
-          </p:nvPr>
-        </p:nvSpPr>
-        <p:spPr/>
-        <p:txBody>
-          <a:bodyPr/>
-          <a:lstStyle/>
-          <a:p>
-            <a:r>
-              <a:rPr lang="en-US"/>
-              <a:t>Slide </a:t>
-            </a:r>
-            <a:fld id="{A389BBEE-9217-4607-B20A-4E4F28539A38}" type="slidenum">
-              <a:rPr lang="en-US" smtClean="0"/>
-              <a:pPr/>
-              <a:t>11</a:t>
-            </a:fld>
-            <a:endParaRPr lang="en-US"/>
-          </a:p>
-        </p:txBody>
-      </p:sp>
-    </p:spTree>
-    <p:extLst>
-      <p:ext uri="{BB962C8B-B14F-4D97-AF65-F5344CB8AC3E}">
-        <p14:creationId xmlns:p14="http://schemas.microsoft.com/office/powerpoint/2010/main" val="474190593"/>
-      </p:ext>
-    </p:extLst>
-  </p:cSld>
-  <p:clrMapOvr>
-    <a:masterClrMapping/>
-  </p:clrMapOvr>
-</p:sld>
-</file>
-
-<file path=ppt/slides/slide12.xml><?xml version="1.0" encoding="utf-8"?>
-<p:sld xmlns:a="http://schemas.openxmlformats.org/drawingml/2006/main" xmlns:r="http://schemas.openxmlformats.org/officeDocument/2006/relationships" xmlns:p="http://schemas.openxmlformats.org/presentationml/2006/main">
-  <p:cSld>
-    <p:spTree>
-      <p:nvGrpSpPr>
-        <p:cNvPr id="1" name=""/>
-        <p:cNvGrpSpPr/>
-        <p:nvPr/>
-      </p:nvGrpSpPr>
-      <p:grpSpPr>
-        <a:xfrm>
-          <a:off x="0" y="0"/>
-          <a:ext cx="0" cy="0"/>
-          <a:chOff x="0" y="0"/>
-          <a:chExt cx="0" cy="0"/>
-        </a:xfrm>
-      </p:grpSpPr>
-      <p:sp>
-        <p:nvSpPr>
-          <p:cNvPr id="2" name="Title 1"/>
-          <p:cNvSpPr>
-            <a:spLocks noGrp="1"/>
-          </p:cNvSpPr>
-          <p:nvPr>
-            <p:ph type="title"/>
-          </p:nvPr>
-        </p:nvSpPr>
-        <p:spPr/>
-        <p:txBody>
-          <a:bodyPr/>
-          <a:lstStyle/>
-          <a:p>
-            <a:r>
-              <a:rPr lang="en-US" dirty="0"/>
-              <a:t>Expressions</a:t>
-            </a:r>
-          </a:p>
-        </p:txBody>
-      </p:sp>
-      <p:sp>
-        <p:nvSpPr>
-          <p:cNvPr id="3" name="Content Placeholder 2"/>
-          <p:cNvSpPr>
-            <a:spLocks noGrp="1"/>
-          </p:cNvSpPr>
-          <p:nvPr>
-            <p:ph idx="1"/>
-          </p:nvPr>
-        </p:nvSpPr>
-        <p:spPr/>
-        <p:txBody>
-          <a:bodyPr/>
-          <a:lstStyle/>
-          <a:p>
-            <a:r>
-              <a:rPr lang="en-US" dirty="0"/>
-              <a:t>For binary operators, both operands must be of the same type.</a:t>
-            </a:r>
-          </a:p>
-          <a:p>
-            <a:r>
-              <a:rPr lang="en-US" dirty="0"/>
-              <a:t>Similarly, for assignment compatibility, both the left and right sides must have the same type.</a:t>
-            </a:r>
-          </a:p>
-          <a:p>
-            <a:r>
-              <a:rPr lang="en-US" dirty="0"/>
-              <a:t>Logical expressions (expressions involving logical operators and or or) use short-circuit evaluation.</a:t>
-            </a:r>
-          </a:p>
-        </p:txBody>
-      </p:sp>
-      <p:sp>
-        <p:nvSpPr>
-          <p:cNvPr id="4" name="Footer Placeholder 3"/>
-          <p:cNvSpPr>
-            <a:spLocks noGrp="1"/>
-          </p:cNvSpPr>
-          <p:nvPr>
-            <p:ph type="ftr" sz="quarter" idx="10"/>
-          </p:nvPr>
-        </p:nvSpPr>
-        <p:spPr/>
-        <p:txBody>
-          <a:bodyPr/>
-          <a:lstStyle/>
-          <a:p>
-            <a:r>
-              <a:rPr lang="en-US"/>
-              <a:t>©SoftMoore Consulting</a:t>
-            </a:r>
-          </a:p>
-        </p:txBody>
-      </p:sp>
-      <p:sp>
-        <p:nvSpPr>
-          <p:cNvPr id="5" name="Slide Number Placeholder 4"/>
-          <p:cNvSpPr>
-            <a:spLocks noGrp="1"/>
-          </p:cNvSpPr>
-          <p:nvPr>
-            <p:ph type="sldNum" sz="quarter" idx="11"/>
-          </p:nvPr>
-        </p:nvSpPr>
-        <p:spPr/>
-        <p:txBody>
-          <a:bodyPr/>
-          <a:lstStyle/>
-          <a:p>
-            <a:r>
-              <a:rPr lang="en-US"/>
-              <a:t>Slide </a:t>
-            </a:r>
-            <a:fld id="{A389BBEE-9217-4607-B20A-4E4F28539A38}" type="slidenum">
-              <a:rPr lang="en-US" smtClean="0"/>
-              <a:pPr/>
-              <a:t>12</a:t>
-            </a:fld>
-            <a:endParaRPr lang="en-US"/>
-          </a:p>
-        </p:txBody>
-      </p:sp>
-    </p:spTree>
-    <p:extLst>
-      <p:ext uri="{BB962C8B-B14F-4D97-AF65-F5344CB8AC3E}">
-        <p14:creationId xmlns:p14="http://schemas.microsoft.com/office/powerpoint/2010/main" val="2835835931"/>
-      </p:ext>
-    </p:extLst>
-  </p:cSld>
-  <p:clrMapOvr>
-    <a:masterClrMapping/>
-  </p:clrMapOvr>
-</p:sld>
-</file>
-
-<file path=ppt/slides/slide13.xml><?xml version="1.0" encoding="utf-8"?>
-<p:sld xmlns:a="http://schemas.openxmlformats.org/drawingml/2006/main" xmlns:r="http://schemas.openxmlformats.org/officeDocument/2006/relationships" xmlns:p="http://schemas.openxmlformats.org/presentationml/2006/main">
-  <p:cSld>
-    <p:spTree>
-      <p:nvGrpSpPr>
-        <p:cNvPr id="1" name=""/>
-        <p:cNvGrpSpPr/>
-        <p:nvPr/>
-      </p:nvGrpSpPr>
-      <p:grpSpPr>
-        <a:xfrm>
-          <a:off x="0" y="0"/>
-          <a:ext cx="0" cy="0"/>
-          <a:chOff x="0" y="0"/>
-          <a:chExt cx="0" cy="0"/>
-        </a:xfrm>
-      </p:grpSpPr>
-      <p:sp>
-        <p:nvSpPr>
-          <p:cNvPr id="2" name="Title 1"/>
-          <p:cNvSpPr>
-            <a:spLocks noGrp="1"/>
-          </p:cNvSpPr>
-          <p:nvPr>
-            <p:ph type="title"/>
-          </p:nvPr>
-        </p:nvSpPr>
-        <p:spPr/>
-        <p:txBody>
-          <a:bodyPr/>
-          <a:lstStyle/>
-          <a:p>
-            <a:r>
-              <a:rPr lang="en-US" dirty="0"/>
-              <a:t>Type Equivalence</a:t>
-            </a:r>
-          </a:p>
-        </p:txBody>
-      </p:sp>
-      <p:sp>
-        <p:nvSpPr>
-          <p:cNvPr id="3" name="Content Placeholder 2"/>
-          <p:cNvSpPr>
-            <a:spLocks noGrp="1"/>
-          </p:cNvSpPr>
-          <p:nvPr>
-            <p:ph idx="1"/>
-          </p:nvPr>
-        </p:nvSpPr>
-        <p:spPr/>
-        <p:txBody>
-          <a:bodyPr/>
-          <a:lstStyle/>
-          <a:p>
-            <a:r>
-              <a:rPr lang="en-US" dirty="0"/>
-              <a:t>Objects are considered to have the same type only if they have the same type name.</a:t>
-            </a:r>
-          </a:p>
-          <a:p>
-            <a:pPr lvl="1"/>
-            <a:r>
-              <a:rPr lang="en-US" dirty="0"/>
-              <a:t>“name equivalence” of types</a:t>
-            </a:r>
-          </a:p>
-          <a:p>
-            <a:r>
-              <a:rPr lang="en-US" dirty="0"/>
-              <a:t>Example:</a:t>
-            </a:r>
-          </a:p>
-          <a:p>
-            <a:pPr marL="457200" lvl="1" indent="0">
-              <a:buNone/>
-            </a:pPr>
-            <a:r>
-              <a:rPr lang="en-US" sz="1800" dirty="0">
-                <a:latin typeface="Consolas" panose="020B0609020204030204" pitchFamily="49" charset="0"/>
-              </a:rPr>
-              <a:t>type T1 = array[10] of Integer;</a:t>
-            </a:r>
-          </a:p>
-          <a:p>
-            <a:pPr marL="457200" lvl="1" indent="0">
-              <a:spcBef>
-                <a:spcPts val="300"/>
-              </a:spcBef>
-              <a:buNone/>
-            </a:pPr>
-            <a:r>
-              <a:rPr lang="en-US" sz="1800" dirty="0">
-                <a:latin typeface="Consolas" panose="020B0609020204030204" pitchFamily="49" charset="0"/>
-              </a:rPr>
-              <a:t>type T2 = array[10] of Integer;</a:t>
-            </a:r>
-          </a:p>
-          <a:p>
-            <a:pPr marL="457200" lvl="1" indent="0">
-              <a:spcBef>
-                <a:spcPts val="300"/>
-              </a:spcBef>
-              <a:buNone/>
-            </a:pPr>
-            <a:r>
-              <a:rPr lang="en-US" sz="1800" dirty="0" err="1">
-                <a:latin typeface="Consolas" panose="020B0609020204030204" pitchFamily="49" charset="0"/>
-              </a:rPr>
-              <a:t>var</a:t>
-            </a:r>
-            <a:r>
-              <a:rPr lang="en-US" sz="1800" dirty="0">
-                <a:latin typeface="Consolas" panose="020B0609020204030204" pitchFamily="49" charset="0"/>
-              </a:rPr>
-              <a:t> x : T1;</a:t>
-            </a:r>
-          </a:p>
-          <a:p>
-            <a:pPr marL="457200" lvl="1" indent="0">
-              <a:spcBef>
-                <a:spcPts val="300"/>
-              </a:spcBef>
-              <a:buNone/>
-            </a:pPr>
-            <a:r>
-              <a:rPr lang="en-US" sz="1800" dirty="0" err="1">
-                <a:latin typeface="Consolas" panose="020B0609020204030204" pitchFamily="49" charset="0"/>
-              </a:rPr>
-              <a:t>var</a:t>
-            </a:r>
-            <a:r>
-              <a:rPr lang="en-US" sz="1800" dirty="0">
-                <a:latin typeface="Consolas" panose="020B0609020204030204" pitchFamily="49" charset="0"/>
-              </a:rPr>
-              <a:t> y : T1;</a:t>
-            </a:r>
-          </a:p>
-          <a:p>
-            <a:pPr marL="457200" lvl="1" indent="0">
-              <a:spcBef>
-                <a:spcPts val="300"/>
-              </a:spcBef>
-              <a:buNone/>
-            </a:pPr>
-            <a:r>
-              <a:rPr lang="en-US" sz="1800" dirty="0" err="1">
-                <a:latin typeface="Consolas" panose="020B0609020204030204" pitchFamily="49" charset="0"/>
-              </a:rPr>
-              <a:t>var</a:t>
-            </a:r>
-            <a:r>
-              <a:rPr lang="en-US" sz="1800" dirty="0">
-                <a:latin typeface="Consolas" panose="020B0609020204030204" pitchFamily="49" charset="0"/>
-              </a:rPr>
-              <a:t> z : T2;</a:t>
-            </a:r>
-          </a:p>
-          <a:p>
-            <a:r>
-              <a:rPr lang="en-US" dirty="0"/>
-              <a:t>In the above example, x and y have the same type, but x and z do not.</a:t>
-            </a:r>
-          </a:p>
-        </p:txBody>
-      </p:sp>
-      <p:sp>
-        <p:nvSpPr>
-          <p:cNvPr id="4" name="Footer Placeholder 3"/>
-          <p:cNvSpPr>
-            <a:spLocks noGrp="1"/>
-          </p:cNvSpPr>
-          <p:nvPr>
-            <p:ph type="ftr" sz="quarter" idx="10"/>
-          </p:nvPr>
-        </p:nvSpPr>
-        <p:spPr/>
-        <p:txBody>
-          <a:bodyPr/>
-          <a:lstStyle/>
-          <a:p>
-            <a:r>
-              <a:rPr lang="en-US"/>
-              <a:t>©SoftMoore Consulting</a:t>
-            </a:r>
-          </a:p>
-        </p:txBody>
-      </p:sp>
-      <p:sp>
-        <p:nvSpPr>
-          <p:cNvPr id="5" name="Slide Number Placeholder 4"/>
-          <p:cNvSpPr>
-            <a:spLocks noGrp="1"/>
-          </p:cNvSpPr>
-          <p:nvPr>
-            <p:ph type="sldNum" sz="quarter" idx="11"/>
-          </p:nvPr>
-        </p:nvSpPr>
-        <p:spPr/>
-        <p:txBody>
-          <a:bodyPr/>
-          <a:lstStyle/>
-          <a:p>
-            <a:r>
-              <a:rPr lang="en-US"/>
-              <a:t>Slide </a:t>
-            </a:r>
-            <a:fld id="{A389BBEE-9217-4607-B20A-4E4F28539A38}" type="slidenum">
-              <a:rPr lang="en-US" smtClean="0"/>
-              <a:pPr/>
-              <a:t>13</a:t>
-            </a:fld>
-            <a:endParaRPr lang="en-US"/>
-          </a:p>
-        </p:txBody>
-      </p:sp>
-    </p:spTree>
-    <p:extLst>
-      <p:ext uri="{BB962C8B-B14F-4D97-AF65-F5344CB8AC3E}">
-        <p14:creationId xmlns:p14="http://schemas.microsoft.com/office/powerpoint/2010/main" val="2227280769"/>
-      </p:ext>
-    </p:extLst>
-  </p:cSld>
-  <p:clrMapOvr>
-    <a:masterClrMapping/>
-  </p:clrMapOvr>
-</p:sld>
-</file>
-
 <file path=ppt/slides/slide14.xml><?xml version="1.0" encoding="utf-8"?>
 <p:sld xmlns:a="http://schemas.openxmlformats.org/drawingml/2006/main" xmlns:r="http://schemas.openxmlformats.org/officeDocument/2006/relationships" xmlns:p="http://schemas.openxmlformats.org/presentationml/2006/main">
   <p:cSld>
@@ -3550,7 +3554,7 @@
           <a:p>
             <a:r>
               <a:rPr lang="en-US" dirty="0"/>
-              <a:t>Assignment Statement</a:t>
+              <a:t>Operators</a:t>
             </a:r>
           </a:p>
         </p:txBody>
@@ -3570,43 +3574,102 @@
           <a:bodyPr/>
           <a:lstStyle/>
           <a:p>
-            <a:r>
-              <a:rPr lang="en-US" dirty="0"/>
-              <a:t> The assignment operator is “:=”.</a:t>
-            </a:r>
-          </a:p>
-          <a:p>
-            <a:r>
-              <a:rPr lang="en-US" dirty="0"/>
-              <a:t>An assignment statement has the form</a:t>
-            </a:r>
-          </a:p>
-          <a:p>
-            <a:pPr marL="457200" lvl="1" indent="0">
+            <a:pPr marL="0" indent="0">
               <a:buNone/>
             </a:pPr>
             <a:r>
-              <a:rPr lang="en-US" dirty="0">
-                <a:latin typeface="Consolas" panose="020B0609020204030204" pitchFamily="49" charset="0"/>
-              </a:rPr>
-              <a:t>variable := expression;</a:t>
-            </a:r>
-          </a:p>
-          <a:p>
-            <a:r>
-              <a:rPr lang="en-US" dirty="0"/>
-              <a:t>Example:</a:t>
-            </a:r>
-          </a:p>
-          <a:p>
-            <a:pPr marL="457200" lvl="1" indent="0">
+              <a:rPr lang="en-US" dirty="0"/>
+              <a:t>The operators, in order of precedence, are as follows:</a:t>
+            </a:r>
+          </a:p>
+          <a:p>
+            <a:pPr marL="0" indent="0">
               <a:buNone/>
             </a:pPr>
             <a:r>
+              <a:rPr lang="en-US" dirty="0"/>
+              <a:t>1.  Boolean negation	  </a:t>
+            </a:r>
+            <a:r>
               <a:rPr lang="en-US" dirty="0">
                 <a:latin typeface="Consolas" panose="020B0609020204030204" pitchFamily="49" charset="0"/>
               </a:rPr>
-              <a:t>i := 2*i + 5;</a:t>
+              <a:t>not</a:t>
+            </a:r>
+          </a:p>
+          <a:p>
+            <a:pPr marL="0" indent="0">
+              <a:buNone/>
+            </a:pPr>
+            <a:r>
+              <a:rPr lang="en-US" dirty="0"/>
+              <a:t>2.  Multiplying operators	  </a:t>
+            </a:r>
+            <a:r>
+              <a:rPr lang="en-US" dirty="0">
+                <a:latin typeface="Consolas" panose="020B0609020204030204" pitchFamily="49" charset="0"/>
+              </a:rPr>
+              <a:t>*  /  mod</a:t>
+            </a:r>
+          </a:p>
+          <a:p>
+            <a:pPr marL="0" indent="0">
+              <a:buNone/>
+            </a:pPr>
+            <a:r>
+              <a:rPr lang="en-US" dirty="0"/>
+              <a:t>3.  Unary adding operators	  </a:t>
+            </a:r>
+            <a:r>
+              <a:rPr lang="en-US" dirty="0">
+                <a:latin typeface="Consolas" panose="020B0609020204030204" pitchFamily="49" charset="0"/>
+              </a:rPr>
+              <a:t>+  ‑</a:t>
+            </a:r>
+          </a:p>
+          <a:p>
+            <a:pPr marL="0" indent="0">
+              <a:buNone/>
+            </a:pPr>
+            <a:r>
+              <a:rPr lang="en-US" dirty="0"/>
+              <a:t>4.  Binary adding operators  </a:t>
+            </a:r>
+            <a:r>
+              <a:rPr lang="en-US" dirty="0">
+                <a:latin typeface="Consolas" panose="020B0609020204030204" pitchFamily="49" charset="0"/>
+              </a:rPr>
+              <a:t>+  ‑</a:t>
+            </a:r>
+          </a:p>
+          <a:p>
+            <a:pPr marL="0" indent="0">
+              <a:buNone/>
+            </a:pPr>
+            <a:r>
+              <a:rPr lang="en-US" dirty="0"/>
+              <a:t>5.  Relational operators	  </a:t>
+            </a:r>
+            <a:r>
+              <a:rPr lang="en-US" dirty="0">
+                <a:latin typeface="Consolas" panose="020B0609020204030204" pitchFamily="49" charset="0"/>
+              </a:rPr>
+              <a:t>=  !=  &lt;  &lt;=  &gt;  &gt;=</a:t>
+            </a:r>
+          </a:p>
+          <a:p>
+            <a:pPr marL="0" indent="0">
+              <a:buNone/>
+            </a:pPr>
+            <a:r>
+              <a:rPr lang="en-US" dirty="0"/>
+              <a:t>6.  Logical operators	  </a:t>
+            </a:r>
+            <a:r>
+              <a:rPr lang="en-US" dirty="0">
+                <a:latin typeface="Consolas" panose="020B0609020204030204" pitchFamily="49" charset="0"/>
+              </a:rPr>
+              <a:t>and  or</a:t>
             </a:r>
           </a:p>
           <a:p>
@@ -3667,7 +3730,7 @@
     </p:spTree>
     <p:extLst>
       <p:ext uri="{BB962C8B-B14F-4D97-AF65-F5344CB8AC3E}">
-        <p14:creationId xmlns:p14="http://schemas.microsoft.com/office/powerpoint/2010/main" val="4072854290"/>
+        <p14:creationId xmlns:p14="http://schemas.microsoft.com/office/powerpoint/2010/main" val="474190593"/>
       </p:ext>
     </p:extLst>
   </p:cSld>
@@ -3711,7 +3774,7 @@
           <a:p>
             <a:r>
               <a:rPr lang="en-US" dirty="0"/>
-              <a:t>If Statement</a:t>
+              <a:t>Expressions</a:t>
             </a:r>
           </a:p>
         </p:txBody>
@@ -3733,164 +3796,19 @@
           <a:p>
             <a:r>
               <a:rPr lang="en-US" dirty="0"/>
-              <a:t>Starts with the keyword “</a:t>
-            </a:r>
-            <a:r>
-              <a:rPr lang="en-US" dirty="0">
-                <a:latin typeface="Consolas" panose="020B0609020204030204" pitchFamily="49" charset="0"/>
-              </a:rPr>
-              <a:t>if</a:t>
-            </a:r>
-            <a:r>
-              <a:rPr lang="en-US" dirty="0"/>
-              <a:t>” and ends with the keywords “</a:t>
-            </a:r>
-            <a:r>
-              <a:rPr lang="en-US" dirty="0">
-                <a:latin typeface="Consolas" panose="020B0609020204030204" pitchFamily="49" charset="0"/>
-              </a:rPr>
-              <a:t>end if</a:t>
-            </a:r>
-            <a:r>
-              <a:rPr lang="en-US" dirty="0"/>
-              <a:t>”.</a:t>
-            </a:r>
-          </a:p>
-          <a:p>
-            <a:r>
-              <a:rPr lang="en-US" dirty="0"/>
-              <a:t>May contain zero or more </a:t>
-            </a:r>
-            <a:r>
-              <a:rPr lang="en-US" dirty="0">
-                <a:latin typeface="Consolas" panose="020B0609020204030204" pitchFamily="49" charset="0"/>
-              </a:rPr>
-              <a:t>elsif</a:t>
-            </a:r>
-            <a:r>
-              <a:rPr lang="en-US" dirty="0"/>
-              <a:t> clauses (note spelling of “</a:t>
-            </a:r>
-            <a:r>
-              <a:rPr lang="en-US" dirty="0">
-                <a:latin typeface="Consolas" panose="020B0609020204030204" pitchFamily="49" charset="0"/>
-              </a:rPr>
-              <a:t>elsif</a:t>
-            </a:r>
-            <a:r>
-              <a:rPr lang="en-US" dirty="0"/>
-              <a:t>”) and an optional </a:t>
-            </a:r>
-            <a:r>
-              <a:rPr lang="en-US" dirty="0">
-                <a:latin typeface="Consolas" panose="020B0609020204030204" pitchFamily="49" charset="0"/>
-              </a:rPr>
-              <a:t>else</a:t>
-            </a:r>
-            <a:r>
-              <a:rPr lang="en-US" dirty="0"/>
-              <a:t> clause.</a:t>
-            </a:r>
-          </a:p>
-          <a:p>
-            <a:r>
-              <a:rPr lang="en-US" dirty="0"/>
-              <a:t>Examples:</a:t>
-            </a:r>
-          </a:p>
-          <a:p>
-            <a:pPr marL="457200" lvl="1" indent="0">
-              <a:buNone/>
-            </a:pPr>
-            <a:r>
-              <a:rPr lang="en-US" sz="1800" dirty="0">
-                <a:latin typeface="Consolas" panose="020B0609020204030204" pitchFamily="49" charset="0"/>
-              </a:rPr>
-              <a:t>if x &gt; 0 then        </a:t>
-            </a:r>
-          </a:p>
-          <a:p>
-            <a:pPr marL="457200" lvl="1" indent="0">
-              <a:spcBef>
-                <a:spcPts val="200"/>
-              </a:spcBef>
-              <a:buNone/>
-            </a:pPr>
-            <a:r>
-              <a:rPr lang="en-US" sz="1800" dirty="0">
-                <a:latin typeface="Consolas" panose="020B0609020204030204" pitchFamily="49" charset="0"/>
-              </a:rPr>
-              <a:t>   sign := 1;</a:t>
-            </a:r>
-          </a:p>
-          <a:p>
-            <a:pPr marL="457200" lvl="1" indent="0">
-              <a:spcBef>
-                <a:spcPts val="200"/>
-              </a:spcBef>
-              <a:buNone/>
-            </a:pPr>
-            <a:r>
-              <a:rPr lang="en-US" sz="1800" dirty="0">
-                <a:latin typeface="Consolas" panose="020B0609020204030204" pitchFamily="49" charset="0"/>
-              </a:rPr>
-              <a:t>elsif x &lt; 0 then</a:t>
-            </a:r>
-          </a:p>
-          <a:p>
-            <a:pPr marL="457200" lvl="1" indent="0">
-              <a:spcBef>
-                <a:spcPts val="200"/>
-              </a:spcBef>
-              <a:buNone/>
-            </a:pPr>
-            <a:r>
-              <a:rPr lang="en-US" sz="1800" dirty="0">
-                <a:latin typeface="Consolas" panose="020B0609020204030204" pitchFamily="49" charset="0"/>
-              </a:rPr>
-              <a:t>   sign := -1;</a:t>
-            </a:r>
-          </a:p>
-          <a:p>
-            <a:pPr marL="457200" lvl="1" indent="0">
-              <a:spcBef>
-                <a:spcPts val="200"/>
-              </a:spcBef>
-              <a:buNone/>
-            </a:pPr>
-            <a:r>
-              <a:rPr lang="en-US" sz="1800" dirty="0">
-                <a:latin typeface="Consolas" panose="020B0609020204030204" pitchFamily="49" charset="0"/>
-              </a:rPr>
-              <a:t>else</a:t>
-            </a:r>
-          </a:p>
-          <a:p>
-            <a:pPr marL="457200" lvl="1" indent="0">
-              <a:spcBef>
-                <a:spcPts val="200"/>
-              </a:spcBef>
-              <a:buNone/>
-            </a:pPr>
-            <a:r>
-              <a:rPr lang="en-US" sz="1800" dirty="0">
-                <a:latin typeface="Consolas" panose="020B0609020204030204" pitchFamily="49" charset="0"/>
-              </a:rPr>
-              <a:t>   sign := 0;</a:t>
-            </a:r>
-          </a:p>
-          <a:p>
-            <a:pPr marL="457200" lvl="1" indent="0">
-              <a:spcBef>
-                <a:spcPts val="200"/>
-              </a:spcBef>
-              <a:buNone/>
-            </a:pPr>
-            <a:r>
-              <a:rPr lang="en-US" sz="1800" dirty="0">
-                <a:latin typeface="Consolas" panose="020B0609020204030204" pitchFamily="49" charset="0"/>
-              </a:rPr>
-              <a:t>end if;</a:t>
+              <a:t>For binary operators, both operands must be of the same type.</a:t>
+            </a:r>
+          </a:p>
+          <a:p>
+            <a:r>
+              <a:rPr lang="en-US" dirty="0"/>
+              <a:t>Similarly, for assignment compatibility, both the left and right sides must have the same type.</a:t>
+            </a:r>
+          </a:p>
+          <a:p>
+            <a:r>
+              <a:rPr lang="en-US" dirty="0"/>
+              <a:t>Logical expressions (expressions involving logical operators and or or) use short-circuit evaluation.</a:t>
             </a:r>
           </a:p>
         </p:txBody>
@@ -3945,84 +3863,10 @@
           </a:p>
         </p:txBody>
       </p:sp>
-      <p:sp>
-        <p:nvSpPr>
-          <p:cNvPr id="6" name="TextBox 5"/>
-          <p:cNvSpPr txBox="1"/>
-          <p:nvPr/>
-        </p:nvSpPr>
-        <p:spPr>
-          <a:xfrm>
-            <a:off x="4191000" y="3621124"/>
-            <a:ext cx="3477234" cy="974626"/>
-          </a:xfrm>
-          <a:prstGeom prst="rect">
-            <a:avLst/>
-          </a:prstGeom>
-          <a:noFill/>
-        </p:spPr>
-        <p:txBody>
-          <a:bodyPr wrap="none" rtlCol="0">
-            <a:spAutoFit/>
-          </a:bodyPr>
-          <a:lstStyle/>
-          <a:p>
-            <a:pPr marL="0" lvl="1" algn="l">
-              <a:spcBef>
-                <a:spcPts val="200"/>
-              </a:spcBef>
-            </a:pPr>
-            <a:r>
-              <a:rPr lang="en-US" sz="1800" dirty="0">
-                <a:latin typeface="Consolas" panose="020B0609020204030204" pitchFamily="49" charset="0"/>
-              </a:rPr>
-              <a:t>if a[i] = </a:t>
-            </a:r>
-            <a:r>
-              <a:rPr lang="en-US" sz="1800" dirty="0" err="1">
-                <a:latin typeface="Consolas" panose="020B0609020204030204" pitchFamily="49" charset="0"/>
-              </a:rPr>
-              <a:t>searchValue</a:t>
-            </a:r>
-            <a:r>
-              <a:rPr lang="en-US" sz="1800" dirty="0">
-                <a:latin typeface="Consolas" panose="020B0609020204030204" pitchFamily="49" charset="0"/>
-              </a:rPr>
-              <a:t> then</a:t>
-            </a:r>
-          </a:p>
-          <a:p>
-            <a:pPr marL="0" lvl="1" algn="l">
-              <a:spcBef>
-                <a:spcPts val="200"/>
-              </a:spcBef>
-            </a:pPr>
-            <a:r>
-              <a:rPr lang="en-US" sz="1800" dirty="0">
-                <a:latin typeface="Consolas" panose="020B0609020204030204" pitchFamily="49" charset="0"/>
-              </a:rPr>
-              <a:t>   found := true;</a:t>
-            </a:r>
-          </a:p>
-          <a:p>
-            <a:pPr marL="0" lvl="1" algn="l">
-              <a:spcBef>
-                <a:spcPts val="200"/>
-              </a:spcBef>
-            </a:pPr>
-            <a:r>
-              <a:rPr lang="en-US" sz="1800" dirty="0">
-                <a:latin typeface="Consolas" panose="020B0609020204030204" pitchFamily="49" charset="0"/>
-              </a:rPr>
-              <a:t>end if;</a:t>
-            </a:r>
-          </a:p>
-        </p:txBody>
-      </p:sp>
     </p:spTree>
     <p:extLst>
       <p:ext uri="{BB962C8B-B14F-4D97-AF65-F5344CB8AC3E}">
-        <p14:creationId xmlns:p14="http://schemas.microsoft.com/office/powerpoint/2010/main" val="4110015230"/>
+        <p14:creationId xmlns:p14="http://schemas.microsoft.com/office/powerpoint/2010/main" val="2835835931"/>
       </p:ext>
     </p:extLst>
   </p:cSld>
@@ -4066,7 +3910,7 @@
           <a:p>
             <a:r>
               <a:rPr lang="en-US" dirty="0"/>
-              <a:t>Loop and Exit Statements</a:t>
+              <a:t>Type Equivalence</a:t>
             </a:r>
           </a:p>
         </p:txBody>
@@ -4088,59 +3932,20 @@
           <a:p>
             <a:r>
               <a:rPr lang="en-US" dirty="0"/>
-              <a:t>A loop statement may be preceded by an optional “</a:t>
-            </a:r>
-            <a:r>
-              <a:rPr lang="en-US" dirty="0">
-                <a:latin typeface="Consolas" panose="020B0609020204030204" pitchFamily="49" charset="0"/>
-              </a:rPr>
-              <a:t>while</a:t>
-            </a:r>
-            <a:r>
-              <a:rPr lang="en-US" dirty="0"/>
-              <a:t>” clause, but the body of the loop statement is bracketed by the keywords “</a:t>
-            </a:r>
-            <a:r>
-              <a:rPr lang="en-US" dirty="0">
-                <a:latin typeface="Consolas" panose="020B0609020204030204" pitchFamily="49" charset="0"/>
-              </a:rPr>
-              <a:t>loop</a:t>
-            </a:r>
-            <a:r>
-              <a:rPr lang="en-US" dirty="0"/>
-              <a:t>” and “</a:t>
-            </a:r>
-            <a:r>
-              <a:rPr lang="en-US" dirty="0">
-                <a:latin typeface="Consolas" panose="020B0609020204030204" pitchFamily="49" charset="0"/>
-              </a:rPr>
-              <a:t>end loop</a:t>
-            </a:r>
-            <a:r>
-              <a:rPr lang="en-US" dirty="0"/>
-              <a:t>”.</a:t>
-            </a:r>
-          </a:p>
-          <a:p>
-            <a:r>
-              <a:rPr lang="en-US" dirty="0"/>
-              <a:t>An </a:t>
-            </a:r>
-            <a:r>
-              <a:rPr lang="en-US" dirty="0">
-                <a:latin typeface="Consolas" panose="020B0609020204030204" pitchFamily="49" charset="0"/>
-              </a:rPr>
-              <a:t>exit</a:t>
-            </a:r>
-            <a:r>
-              <a:rPr lang="en-US" dirty="0"/>
-              <a:t> statement can be used to exit the inner most loop that contains it.</a:t>
-            </a:r>
-          </a:p>
-          <a:p>
-            <a:r>
-              <a:rPr lang="en-US" dirty="0"/>
-              <a:t>Examples:</a:t>
+              <a:t>Objects are considered to have the same type only if they have the same type name.</a:t>
+            </a:r>
+          </a:p>
+          <a:p>
+            <a:pPr lvl="1"/>
+            <a:r>
+              <a:rPr lang="en-US" dirty="0"/>
+              <a:t>“name equivalence” of types</a:t>
+            </a:r>
+          </a:p>
+          <a:p>
+            <a:r>
+              <a:rPr lang="en-US" dirty="0"/>
+              <a:t>Example:</a:t>
             </a:r>
           </a:p>
           <a:p>
@@ -4151,13 +3956,13 @@
               <a:rPr lang="en-US" sz="1800" dirty="0">
                 <a:latin typeface="Consolas" panose="020B0609020204030204" pitchFamily="49" charset="0"/>
               </a:rPr>
-              <a:t>while i &lt; n loop</a:t>
+              <a:t>type T1 = array[10] of Integer;</a:t>
             </a:r>
           </a:p>
           <a:p>
             <a:pPr marL="457200" lvl="1" indent="0">
               <a:spcBef>
-                <a:spcPts val="200"/>
+                <a:spcPts val="300"/>
               </a:spcBef>
               <a:buNone/>
             </a:pPr>
@@ -4165,35 +3970,73 @@
               <a:rPr lang="en-US" sz="1800" dirty="0">
                 <a:latin typeface="Consolas" panose="020B0609020204030204" pitchFamily="49" charset="0"/>
               </a:rPr>
-              <a:t>   sum := sum + a[i];</a:t>
+              <a:t>type T2 = array[10] of Integer;</a:t>
             </a:r>
           </a:p>
           <a:p>
             <a:pPr marL="457200" lvl="1" indent="0">
               <a:spcBef>
-                <a:spcPts val="200"/>
+                <a:spcPts val="300"/>
               </a:spcBef>
               <a:buNone/>
             </a:pPr>
             <a:r>
+              <a:rPr lang="en-US" sz="1800" dirty="0" err="1">
+                <a:latin typeface="Consolas" panose="020B0609020204030204" pitchFamily="49" charset="0"/>
+              </a:rPr>
+              <a:t>var</a:t>
+            </a:r>
+            <a:r>
               <a:rPr lang="en-US" sz="1800" dirty="0">
                 <a:latin typeface="Consolas" panose="020B0609020204030204" pitchFamily="49" charset="0"/>
               </a:rPr>
-              <a:t>   i := i + 1;</a:t>
+              <a:t> x : T1;</a:t>
             </a:r>
           </a:p>
           <a:p>
             <a:pPr marL="457200" lvl="1" indent="0">
               <a:spcBef>
-                <a:spcPts val="200"/>
+                <a:spcPts val="300"/>
               </a:spcBef>
               <a:buNone/>
             </a:pPr>
             <a:r>
+              <a:rPr lang="en-US" sz="1800" dirty="0" err="1">
+                <a:latin typeface="Consolas" panose="020B0609020204030204" pitchFamily="49" charset="0"/>
+              </a:rPr>
+              <a:t>var</a:t>
+            </a:r>
+            <a:r>
               <a:rPr lang="en-US" sz="1800" dirty="0">
                 <a:latin typeface="Consolas" panose="020B0609020204030204" pitchFamily="49" charset="0"/>
               </a:rPr>
-              <a:t>end loop;</a:t>
+              <a:t> y : T1;</a:t>
+            </a:r>
+          </a:p>
+          <a:p>
+            <a:pPr marL="457200" lvl="1" indent="0">
+              <a:spcBef>
+                <a:spcPts val="300"/>
+              </a:spcBef>
+              <a:buNone/>
+            </a:pPr>
+            <a:r>
+              <a:rPr lang="en-US" sz="1800" dirty="0" err="1">
+                <a:latin typeface="Consolas" panose="020B0609020204030204" pitchFamily="49" charset="0"/>
+              </a:rPr>
+              <a:t>var</a:t>
+            </a:r>
+            <a:r>
+              <a:rPr lang="en-US" sz="1800" dirty="0">
+                <a:latin typeface="Consolas" panose="020B0609020204030204" pitchFamily="49" charset="0"/>
+              </a:rPr>
+              <a:t> z : T2;</a:t>
+            </a:r>
+          </a:p>
+          <a:p>
+            <a:r>
+              <a:rPr lang="en-US" dirty="0"/>
+              <a:t>In the above example, x and y have the same type, but x and z do not.</a:t>
             </a:r>
           </a:p>
         </p:txBody>
@@ -4248,98 +4091,10 @@
           </a:p>
         </p:txBody>
       </p:sp>
-      <p:sp>
-        <p:nvSpPr>
-          <p:cNvPr id="6" name="TextBox 5"/>
-          <p:cNvSpPr txBox="1"/>
-          <p:nvPr/>
-        </p:nvSpPr>
-        <p:spPr>
-          <a:xfrm>
-            <a:off x="4472241" y="3974275"/>
-            <a:ext cx="3223959" cy="1579920"/>
-          </a:xfrm>
-          <a:prstGeom prst="rect">
-            <a:avLst/>
-          </a:prstGeom>
-          <a:noFill/>
-        </p:spPr>
-        <p:txBody>
-          <a:bodyPr wrap="none" rtlCol="0">
-            <a:spAutoFit/>
-          </a:bodyPr>
-          <a:lstStyle/>
-          <a:p>
-            <a:pPr marL="0" lvl="1" algn="l">
-              <a:spcBef>
-                <a:spcPts val="200"/>
-              </a:spcBef>
-            </a:pPr>
-            <a:r>
-              <a:rPr lang="en-US" sz="1800" dirty="0">
-                <a:latin typeface="Consolas" panose="020B0609020204030204" pitchFamily="49" charset="0"/>
-              </a:rPr>
-              <a:t>loop</a:t>
-            </a:r>
-          </a:p>
-          <a:p>
-            <a:pPr marL="0" lvl="1" algn="l">
-              <a:spcBef>
-                <a:spcPts val="200"/>
-              </a:spcBef>
-            </a:pPr>
-            <a:r>
-              <a:rPr lang="en-US" sz="1800" dirty="0">
-                <a:latin typeface="Consolas" panose="020B0609020204030204" pitchFamily="49" charset="0"/>
-              </a:rPr>
-              <a:t>   read x;</a:t>
-            </a:r>
-          </a:p>
-          <a:p>
-            <a:pPr marL="0" lvl="1" algn="l">
-              <a:spcBef>
-                <a:spcPts val="200"/>
-              </a:spcBef>
-            </a:pPr>
-            <a:r>
-              <a:rPr lang="en-US" sz="1800" dirty="0">
-                <a:latin typeface="Consolas" panose="020B0609020204030204" pitchFamily="49" charset="0"/>
-              </a:rPr>
-              <a:t>   exit when x = SIGNAL;</a:t>
-            </a:r>
-          </a:p>
-          <a:p>
-            <a:pPr marL="0" lvl="1" algn="l">
-              <a:spcBef>
-                <a:spcPts val="200"/>
-              </a:spcBef>
-            </a:pPr>
-            <a:r>
-              <a:rPr lang="en-US" sz="1800" dirty="0">
-                <a:latin typeface="Consolas" panose="020B0609020204030204" pitchFamily="49" charset="0"/>
-              </a:rPr>
-              <a:t>   process(x);</a:t>
-            </a:r>
-          </a:p>
-          <a:p>
-            <a:pPr marL="0" lvl="1" algn="l">
-              <a:spcBef>
-                <a:spcPts val="200"/>
-              </a:spcBef>
-            </a:pPr>
-            <a:r>
-              <a:rPr lang="en-US" sz="1800" dirty="0">
-                <a:latin typeface="Consolas" panose="020B0609020204030204" pitchFamily="49" charset="0"/>
-              </a:rPr>
-              <a:t>end loop;</a:t>
-            </a:r>
-          </a:p>
-        </p:txBody>
-      </p:sp>
     </p:spTree>
     <p:extLst>
       <p:ext uri="{BB962C8B-B14F-4D97-AF65-F5344CB8AC3E}">
-        <p14:creationId xmlns:p14="http://schemas.microsoft.com/office/powerpoint/2010/main" val="181688456"/>
+        <p14:creationId xmlns:p14="http://schemas.microsoft.com/office/powerpoint/2010/main" val="2227280769"/>
       </p:ext>
     </p:extLst>
   </p:cSld>
@@ -4382,12 +4137,8 @@
           <a:lstStyle/>
           <a:p>
             <a:r>
-              <a:rPr lang="en-US" dirty="0" err="1"/>
-              <a:t>Input/Output</a:t>
-            </a:r>
-            <a:r>
-              <a:rPr lang="en-US" dirty="0"/>
-              <a:t> Statements</a:t>
+              <a:rPr lang="en-US" dirty="0"/>
+              <a:t>Assignment Statement</a:t>
             </a:r>
           </a:p>
         </p:txBody>
@@ -4409,45 +4160,13 @@
           <a:p>
             <a:r>
               <a:rPr lang="en-US" dirty="0"/>
-              <a:t>CPRL defines only sequential text I/O for two basic character streams, standard input and standard output.</a:t>
-            </a:r>
-          </a:p>
-          <a:p>
-            <a:r>
-              <a:rPr lang="en-US" dirty="0"/>
-              <a:t>The </a:t>
-            </a:r>
-            <a:r>
-              <a:rPr lang="en-US" dirty="0">
-                <a:latin typeface="Consolas" panose="020B0609020204030204" pitchFamily="49" charset="0"/>
-              </a:rPr>
-              <a:t>write</a:t>
-            </a:r>
-            <a:r>
-              <a:rPr lang="en-US" dirty="0"/>
-              <a:t> and </a:t>
-            </a:r>
-            <a:r>
-              <a:rPr lang="en-US" dirty="0">
-                <a:latin typeface="Consolas" panose="020B0609020204030204" pitchFamily="49" charset="0"/>
-              </a:rPr>
-              <a:t>writeln</a:t>
-            </a:r>
-            <a:r>
-              <a:rPr lang="en-US" dirty="0"/>
-              <a:t> statements can have multiple expressions separated by commas.</a:t>
-            </a:r>
-          </a:p>
-          <a:p>
-            <a:r>
-              <a:rPr lang="en-US" dirty="0"/>
-              <a:t>Input is supported only for integers and characters.</a:t>
-            </a:r>
-          </a:p>
-          <a:p>
-            <a:r>
-              <a:rPr lang="en-US" dirty="0"/>
-              <a:t>Examples:</a:t>
+              <a:t> The assignment operator is “:=”.</a:t>
+            </a:r>
+          </a:p>
+          <a:p>
+            <a:r>
+              <a:rPr lang="en-US" dirty="0"/>
+              <a:t>An assignment statement has the form</a:t>
             </a:r>
           </a:p>
           <a:p>
@@ -4455,25 +4174,31 @@
               <a:buNone/>
             </a:pPr>
             <a:r>
-              <a:rPr lang="en-US" sz="1800" dirty="0">
-                <a:latin typeface="Consolas" panose="020B0609020204030204" pitchFamily="49" charset="0"/>
-              </a:rPr>
-              <a:t>read x;</a:t>
+              <a:rPr lang="en-US" dirty="0">
+                <a:latin typeface="Consolas" panose="020B0609020204030204" pitchFamily="49" charset="0"/>
+              </a:rPr>
+              <a:t>variable := expression;</a:t>
+            </a:r>
+          </a:p>
+          <a:p>
+            <a:r>
+              <a:rPr lang="en-US" dirty="0"/>
+              <a:t>Example:</a:t>
             </a:r>
           </a:p>
           <a:p>
             <a:pPr marL="457200" lvl="1" indent="0">
-              <a:spcBef>
-                <a:spcPts val="300"/>
-              </a:spcBef>
               <a:buNone/>
             </a:pPr>
             <a:r>
-              <a:rPr lang="en-US" sz="1800" dirty="0">
-                <a:latin typeface="Consolas" panose="020B0609020204030204" pitchFamily="49" charset="0"/>
-              </a:rPr>
-              <a:t>writeln "The answer is ", 2*x + 1;</a:t>
-            </a:r>
+              <a:rPr lang="en-US" dirty="0">
+                <a:latin typeface="Consolas" panose="020B0609020204030204" pitchFamily="49" charset="0"/>
+              </a:rPr>
+              <a:t>i := 2*i + 5;</a:t>
+            </a:r>
+          </a:p>
+          <a:p>
+            <a:endParaRPr lang="en-US" dirty="0"/>
           </a:p>
         </p:txBody>
       </p:sp>
@@ -4530,7 +4255,7 @@
     </p:spTree>
     <p:extLst>
       <p:ext uri="{BB962C8B-B14F-4D97-AF65-F5344CB8AC3E}">
-        <p14:creationId xmlns:p14="http://schemas.microsoft.com/office/powerpoint/2010/main" val="2753836161"/>
+        <p14:creationId xmlns:p14="http://schemas.microsoft.com/office/powerpoint/2010/main" val="4072854290"/>
       </p:ext>
     </p:extLst>
   </p:cSld>
@@ -4574,7 +4299,7 @@
           <a:p>
             <a:r>
               <a:rPr lang="en-US" dirty="0"/>
-              <a:t>Programs</a:t>
+              <a:t>If Statement</a:t>
             </a:r>
           </a:p>
         </p:txBody>
@@ -4596,58 +4321,63 @@
           <a:p>
             <a:r>
               <a:rPr lang="en-US" dirty="0"/>
-              <a:t>A program has a declarative part followed by a statement part.</a:t>
-            </a:r>
-          </a:p>
-          <a:p>
-            <a:pPr lvl="1"/>
-            <a:r>
-              <a:rPr lang="en-US" dirty="0"/>
-              <a:t>declarative part consists of (possibly empty) list of initial declarations followed by (possibly empty) list of subprogram declarations.</a:t>
-            </a:r>
-          </a:p>
-          <a:p>
-            <a:pPr lvl="1"/>
-            <a:r>
-              <a:rPr lang="en-US" dirty="0"/>
-              <a:t>statement part is bracketed by reserved words “</a:t>
+              <a:t>Starts with the keyword “</a:t>
             </a:r>
             <a:r>
               <a:rPr lang="en-US" dirty="0">
                 <a:latin typeface="Consolas" panose="020B0609020204030204" pitchFamily="49" charset="0"/>
               </a:rPr>
-              <a:t>begin</a:t>
-            </a:r>
-            <a:r>
-              <a:rPr lang="en-US" dirty="0"/>
-              <a:t>” and “</a:t>
+              <a:t>if</a:t>
+            </a:r>
+            <a:r>
+              <a:rPr lang="en-US" dirty="0"/>
+              <a:t>” and ends with the keywords “</a:t>
             </a:r>
             <a:r>
               <a:rPr lang="en-US" dirty="0">
                 <a:latin typeface="Consolas" panose="020B0609020204030204" pitchFamily="49" charset="0"/>
               </a:rPr>
-              <a:t>end</a:t>
-            </a:r>
-            <a:r>
-              <a:rPr lang="en-US" dirty="0"/>
-              <a:t>”</a:t>
-            </a:r>
-          </a:p>
-          <a:p>
-            <a:pPr lvl="1"/>
-            <a:r>
-              <a:rPr lang="en-US" dirty="0"/>
-              <a:t>period (“</a:t>
+              <a:t>end if</a:t>
+            </a:r>
+            <a:r>
+              <a:rPr lang="en-US" dirty="0"/>
+              <a:t>”.</a:t>
+            </a:r>
+          </a:p>
+          <a:p>
+            <a:r>
+              <a:rPr lang="en-US" dirty="0"/>
+              <a:t>May contain zero or more </a:t>
             </a:r>
             <a:r>
               <a:rPr lang="en-US" dirty="0">
                 <a:latin typeface="Consolas" panose="020B0609020204030204" pitchFamily="49" charset="0"/>
               </a:rPr>
-              <a:t>.</a:t>
-            </a:r>
-            <a:r>
-              <a:rPr lang="en-US" dirty="0"/>
-              <a:t>”) terminates the program</a:t>
+              <a:t>elsif</a:t>
+            </a:r>
+            <a:r>
+              <a:rPr lang="en-US" dirty="0"/>
+              <a:t> clauses (note spelling of “</a:t>
+            </a:r>
+            <a:r>
+              <a:rPr lang="en-US" dirty="0">
+                <a:latin typeface="Consolas" panose="020B0609020204030204" pitchFamily="49" charset="0"/>
+              </a:rPr>
+              <a:t>elsif</a:t>
+            </a:r>
+            <a:r>
+              <a:rPr lang="en-US" dirty="0"/>
+              <a:t>”) and an optional </a:t>
+            </a:r>
+            <a:r>
+              <a:rPr lang="en-US" dirty="0">
+                <a:latin typeface="Consolas" panose="020B0609020204030204" pitchFamily="49" charset="0"/>
+              </a:rPr>
+              <a:t>else</a:t>
+            </a:r>
+            <a:r>
+              <a:rPr lang="en-US" dirty="0"/>
+              <a:t> clause.</a:t>
             </a:r>
           </a:p>
           <a:p>
@@ -4664,7 +4394,7 @@
               <a:rPr lang="en-US" sz="1800" dirty="0">
                 <a:latin typeface="Consolas" panose="020B0609020204030204" pitchFamily="49" charset="0"/>
               </a:rPr>
-              <a:t>begin</a:t>
+              <a:t>if x &gt; 0 then        </a:t>
             </a:r>
           </a:p>
           <a:p>
@@ -4678,19 +4408,7 @@
               <a:rPr lang="en-US" sz="1800" dirty="0">
                 <a:latin typeface="Consolas" panose="020B0609020204030204" pitchFamily="49" charset="0"/>
               </a:rPr>
-              <a:t>   </a:t>
-            </a:r>
-            <a:r>
-              <a:rPr lang="en-US" sz="1800" dirty="0" err="1">
-                <a:latin typeface="Consolas" panose="020B0609020204030204" pitchFamily="49" charset="0"/>
-              </a:rPr>
-              <a:t>writeln</a:t>
-            </a:r>
-            <a:r>
-              <a:rPr lang="en-US" sz="1800" dirty="0">
-                <a:latin typeface="Consolas" panose="020B0609020204030204" pitchFamily="49" charset="0"/>
-              </a:rPr>
-              <a:t> "Hello, world.";</a:t>
+              <a:t>   sign := 1;</a:t>
             </a:r>
           </a:p>
           <a:p>
@@ -4704,7 +4422,63 @@
               <a:rPr lang="en-US" sz="1800" dirty="0">
                 <a:latin typeface="Consolas" panose="020B0609020204030204" pitchFamily="49" charset="0"/>
               </a:rPr>
-              <a:t>end.</a:t>
+              <a:t>elsif x &lt; 0 then</a:t>
+            </a:r>
+          </a:p>
+          <a:p>
+            <a:pPr marL="457200" lvl="1" indent="0">
+              <a:spcBef>
+                <a:spcPts val="200"/>
+              </a:spcBef>
+              <a:buNone/>
+            </a:pPr>
+            <a:r>
+              <a:rPr lang="en-US" sz="1800" dirty="0">
+                <a:latin typeface="Consolas" panose="020B0609020204030204" pitchFamily="49" charset="0"/>
+              </a:rPr>
+              <a:t>   sign := -1;</a:t>
+            </a:r>
+          </a:p>
+          <a:p>
+            <a:pPr marL="457200" lvl="1" indent="0">
+              <a:spcBef>
+                <a:spcPts val="200"/>
+              </a:spcBef>
+              <a:buNone/>
+            </a:pPr>
+            <a:r>
+              <a:rPr lang="en-US" sz="1800" dirty="0">
+                <a:latin typeface="Consolas" panose="020B0609020204030204" pitchFamily="49" charset="0"/>
+              </a:rPr>
+              <a:t>else</a:t>
+            </a:r>
+          </a:p>
+          <a:p>
+            <a:pPr marL="457200" lvl="1" indent="0">
+              <a:spcBef>
+                <a:spcPts val="200"/>
+              </a:spcBef>
+              <a:buNone/>
+            </a:pPr>
+            <a:r>
+              <a:rPr lang="en-US" sz="1800" dirty="0">
+                <a:latin typeface="Consolas" panose="020B0609020204030204" pitchFamily="49" charset="0"/>
+              </a:rPr>
+              <a:t>   sign := 0;</a:t>
+            </a:r>
+          </a:p>
+          <a:p>
+            <a:pPr marL="457200" lvl="1" indent="0">
+              <a:spcBef>
+                <a:spcPts val="200"/>
+              </a:spcBef>
+              <a:buNone/>
+            </a:pPr>
+            <a:r>
+              <a:rPr lang="en-US" sz="1800" dirty="0">
+                <a:latin typeface="Consolas" panose="020B0609020204030204" pitchFamily="49" charset="0"/>
+              </a:rPr>
+              <a:t>end if;</a:t>
             </a:r>
           </a:p>
         </p:txBody>
@@ -4767,8 +4541,8 @@
         </p:nvSpPr>
         <p:spPr>
           <a:xfrm>
-            <a:off x="5080752" y="4410063"/>
-            <a:ext cx="2844048" cy="1579920"/>
+            <a:off x="4191000" y="3621124"/>
+            <a:ext cx="3477234" cy="974626"/>
           </a:xfrm>
           <a:prstGeom prst="rect">
             <a:avLst/>
@@ -4790,7 +4564,19 @@
               <a:rPr lang="en-US" sz="1800" dirty="0">
                 <a:latin typeface="Consolas" panose="020B0609020204030204" pitchFamily="49" charset="0"/>
               </a:rPr>
-              <a:t>var x : Integer;</a:t>
+              <a:t>if a[i] = </a:t>
+            </a:r>
+            <a:r>
+              <a:rPr lang="en-US" sz="1800" dirty="0" err="1">
+                <a:latin typeface="Consolas" panose="020B0609020204030204" pitchFamily="49" charset="0"/>
+              </a:rPr>
+              <a:t>searchValue</a:t>
+            </a:r>
+            <a:r>
+              <a:rPr lang="en-US" sz="1800" dirty="0">
+                <a:latin typeface="Consolas" panose="020B0609020204030204" pitchFamily="49" charset="0"/>
+              </a:rPr>
+              <a:t> then</a:t>
             </a:r>
           </a:p>
           <a:p>
@@ -4803,7 +4589,7 @@
               <a:rPr lang="en-US" sz="1800" dirty="0">
                 <a:latin typeface="Consolas" panose="020B0609020204030204" pitchFamily="49" charset="0"/>
               </a:rPr>
-              <a:t>begin</a:t>
+              <a:t>   found := true;</a:t>
             </a:r>
           </a:p>
           <a:p>
@@ -4816,45 +4602,7 @@
               <a:rPr lang="en-US" sz="1800" dirty="0">
                 <a:latin typeface="Consolas" panose="020B0609020204030204" pitchFamily="49" charset="0"/>
               </a:rPr>
-              <a:t>   read x;</a:t>
-            </a:r>
-          </a:p>
-          <a:p>
-            <a:pPr marL="0" lvl="1" algn="l">
-              <a:spcBef>
-                <a:spcPts val="200"/>
-              </a:spcBef>
-            </a:pPr>
-            <a:r>
-              <a:rPr lang="en-US" sz="1800" dirty="0">
-                <a:latin typeface="Consolas" panose="020B0609020204030204" pitchFamily="49" charset="0"/>
-              </a:rPr>
-              <a:t>   </a:t>
-            </a:r>
-            <a:r>
-              <a:rPr lang="en-US" sz="1800" dirty="0" err="1">
-                <a:latin typeface="Consolas" panose="020B0609020204030204" pitchFamily="49" charset="0"/>
-              </a:rPr>
-              <a:t>writeln</a:t>
-            </a:r>
-            <a:r>
-              <a:rPr lang="en-US" sz="1800" dirty="0">
-                <a:latin typeface="Consolas" panose="020B0609020204030204" pitchFamily="49" charset="0"/>
-              </a:rPr>
-              <a:t> "x = ", x;</a:t>
-            </a:r>
-          </a:p>
-          <a:p>
-            <a:pPr marL="0" lvl="1" algn="l">
-              <a:spcBef>
-                <a:spcPts val="200"/>
-              </a:spcBef>
-            </a:pPr>
-            <a:r>
-              <a:rPr lang="en-US" sz="1800" dirty="0">
-                <a:latin typeface="Consolas" panose="020B0609020204030204" pitchFamily="49" charset="0"/>
-              </a:rPr>
-              <a:t>end.</a:t>
+              <a:t>end if;</a:t>
             </a:r>
           </a:p>
         </p:txBody>
@@ -4862,7 +4610,7 @@
     </p:spTree>
     <p:extLst>
       <p:ext uri="{BB962C8B-B14F-4D97-AF65-F5344CB8AC3E}">
-        <p14:creationId xmlns:p14="http://schemas.microsoft.com/office/powerpoint/2010/main" val="3281758093"/>
+        <p14:creationId xmlns:p14="http://schemas.microsoft.com/office/powerpoint/2010/main" val="4110015230"/>
       </p:ext>
     </p:extLst>
   </p:cSld>
@@ -4906,7 +4654,7 @@
           <a:p>
             <a:r>
               <a:rPr lang="en-US" dirty="0"/>
-              <a:t>Subprograms</a:t>
+              <a:t>Loop and Exit Statements</a:t>
             </a:r>
           </a:p>
         </p:txBody>
@@ -4928,64 +4676,113 @@
           <a:p>
             <a:r>
               <a:rPr lang="en-US" dirty="0"/>
-              <a:t>CPRL provides two separate forms of subprograms – procedures and functions</a:t>
-            </a:r>
-          </a:p>
-          <a:p>
-            <a:r>
-              <a:rPr lang="en-US" dirty="0"/>
-              <a:t>Procedure</a:t>
-            </a:r>
-          </a:p>
-          <a:p>
-            <a:pPr lvl="1"/>
-            <a:r>
-              <a:rPr lang="en-US" dirty="0"/>
-              <a:t>similar to a void function in C or C++</a:t>
-            </a:r>
-          </a:p>
-          <a:p>
-            <a:pPr lvl="1"/>
-            <a:r>
-              <a:rPr lang="en-US" dirty="0"/>
-              <a:t>does not return a value</a:t>
-            </a:r>
-          </a:p>
-          <a:p>
-            <a:pPr lvl="1"/>
-            <a:r>
-              <a:rPr lang="en-US" dirty="0"/>
-              <a:t>invoked through a procedure call statement</a:t>
-            </a:r>
-          </a:p>
-          <a:p>
-            <a:r>
-              <a:rPr lang="en-US" dirty="0"/>
-              <a:t>Function</a:t>
-            </a:r>
-          </a:p>
-          <a:p>
-            <a:pPr lvl="1"/>
-            <a:r>
-              <a:rPr lang="en-US" dirty="0"/>
-              <a:t>must return a value</a:t>
-            </a:r>
-          </a:p>
-          <a:p>
-            <a:pPr lvl="1"/>
-            <a:r>
-              <a:rPr lang="en-US" dirty="0"/>
-              <a:t>invoked as part of an expression</a:t>
-            </a:r>
-          </a:p>
-          <a:p>
-            <a:r>
-              <a:rPr lang="en-US" dirty="0"/>
-              <a:t>Recursive invocations of subprograms are allowed.</a:t>
-            </a:r>
-          </a:p>
-          <a:p>
-            <a:endParaRPr lang="en-US" dirty="0"/>
+              <a:t>A loop statement may be preceded by an optional “</a:t>
+            </a:r>
+            <a:r>
+              <a:rPr lang="en-US" dirty="0">
+                <a:latin typeface="Consolas" panose="020B0609020204030204" pitchFamily="49" charset="0"/>
+              </a:rPr>
+              <a:t>while</a:t>
+            </a:r>
+            <a:r>
+              <a:rPr lang="en-US" dirty="0"/>
+              <a:t>” clause, but the body of the loop statement is bracketed by the keywords “</a:t>
+            </a:r>
+            <a:r>
+              <a:rPr lang="en-US" dirty="0">
+                <a:latin typeface="Consolas" panose="020B0609020204030204" pitchFamily="49" charset="0"/>
+              </a:rPr>
+              <a:t>loop</a:t>
+            </a:r>
+            <a:r>
+              <a:rPr lang="en-US" dirty="0"/>
+              <a:t>” and “</a:t>
+            </a:r>
+            <a:r>
+              <a:rPr lang="en-US" dirty="0">
+                <a:latin typeface="Consolas" panose="020B0609020204030204" pitchFamily="49" charset="0"/>
+              </a:rPr>
+              <a:t>end loop</a:t>
+            </a:r>
+            <a:r>
+              <a:rPr lang="en-US" dirty="0"/>
+              <a:t>”.</a:t>
+            </a:r>
+          </a:p>
+          <a:p>
+            <a:r>
+              <a:rPr lang="en-US" dirty="0"/>
+              <a:t>An </a:t>
+            </a:r>
+            <a:r>
+              <a:rPr lang="en-US" dirty="0">
+                <a:latin typeface="Consolas" panose="020B0609020204030204" pitchFamily="49" charset="0"/>
+              </a:rPr>
+              <a:t>exit</a:t>
+            </a:r>
+            <a:r>
+              <a:rPr lang="en-US" dirty="0"/>
+              <a:t> statement can be used to exit the inner most loop that contains it.</a:t>
+            </a:r>
+          </a:p>
+          <a:p>
+            <a:r>
+              <a:rPr lang="en-US" dirty="0"/>
+              <a:t>Examples:</a:t>
+            </a:r>
+          </a:p>
+          <a:p>
+            <a:pPr marL="457200" lvl="1" indent="0">
+              <a:buNone/>
+            </a:pPr>
+            <a:r>
+              <a:rPr lang="en-US" sz="1800" dirty="0">
+                <a:latin typeface="Consolas" panose="020B0609020204030204" pitchFamily="49" charset="0"/>
+              </a:rPr>
+              <a:t>while i &lt; n loop</a:t>
+            </a:r>
+          </a:p>
+          <a:p>
+            <a:pPr marL="457200" lvl="1" indent="0">
+              <a:spcBef>
+                <a:spcPts val="200"/>
+              </a:spcBef>
+              <a:buNone/>
+            </a:pPr>
+            <a:r>
+              <a:rPr lang="en-US" sz="1800" dirty="0">
+                <a:latin typeface="Consolas" panose="020B0609020204030204" pitchFamily="49" charset="0"/>
+              </a:rPr>
+              <a:t>   sum := sum + a[i];</a:t>
+            </a:r>
+          </a:p>
+          <a:p>
+            <a:pPr marL="457200" lvl="1" indent="0">
+              <a:spcBef>
+                <a:spcPts val="200"/>
+              </a:spcBef>
+              <a:buNone/>
+            </a:pPr>
+            <a:r>
+              <a:rPr lang="en-US" sz="1800" dirty="0">
+                <a:latin typeface="Consolas" panose="020B0609020204030204" pitchFamily="49" charset="0"/>
+              </a:rPr>
+              <a:t>   i := i + 1;</a:t>
+            </a:r>
+          </a:p>
+          <a:p>
+            <a:pPr marL="457200" lvl="1" indent="0">
+              <a:spcBef>
+                <a:spcPts val="200"/>
+              </a:spcBef>
+              <a:buNone/>
+            </a:pPr>
+            <a:r>
+              <a:rPr lang="en-US" sz="1800" dirty="0">
+                <a:latin typeface="Consolas" panose="020B0609020204030204" pitchFamily="49" charset="0"/>
+              </a:rPr>
+              <a:t>end loop;</a:t>
+            </a:r>
           </a:p>
         </p:txBody>
       </p:sp>
@@ -5039,10 +4836,98 @@
           </a:p>
         </p:txBody>
       </p:sp>
+      <p:sp>
+        <p:nvSpPr>
+          <p:cNvPr id="6" name="TextBox 5"/>
+          <p:cNvSpPr txBox="1"/>
+          <p:nvPr/>
+        </p:nvSpPr>
+        <p:spPr>
+          <a:xfrm>
+            <a:off x="4472241" y="3974275"/>
+            <a:ext cx="3223959" cy="1579920"/>
+          </a:xfrm>
+          <a:prstGeom prst="rect">
+            <a:avLst/>
+          </a:prstGeom>
+          <a:noFill/>
+        </p:spPr>
+        <p:txBody>
+          <a:bodyPr wrap="none" rtlCol="0">
+            <a:spAutoFit/>
+          </a:bodyPr>
+          <a:lstStyle/>
+          <a:p>
+            <a:pPr marL="0" lvl="1" algn="l">
+              <a:spcBef>
+                <a:spcPts val="200"/>
+              </a:spcBef>
+            </a:pPr>
+            <a:r>
+              <a:rPr lang="en-US" sz="1800" dirty="0">
+                <a:latin typeface="Consolas" panose="020B0609020204030204" pitchFamily="49" charset="0"/>
+              </a:rPr>
+              <a:t>loop</a:t>
+            </a:r>
+          </a:p>
+          <a:p>
+            <a:pPr marL="0" lvl="1" algn="l">
+              <a:spcBef>
+                <a:spcPts val="200"/>
+              </a:spcBef>
+            </a:pPr>
+            <a:r>
+              <a:rPr lang="en-US" sz="1800" dirty="0">
+                <a:latin typeface="Consolas" panose="020B0609020204030204" pitchFamily="49" charset="0"/>
+              </a:rPr>
+              <a:t>   read x;</a:t>
+            </a:r>
+          </a:p>
+          <a:p>
+            <a:pPr marL="0" lvl="1" algn="l">
+              <a:spcBef>
+                <a:spcPts val="200"/>
+              </a:spcBef>
+            </a:pPr>
+            <a:r>
+              <a:rPr lang="en-US" sz="1800" dirty="0">
+                <a:latin typeface="Consolas" panose="020B0609020204030204" pitchFamily="49" charset="0"/>
+              </a:rPr>
+              <a:t>   exit when x = SIGNAL;</a:t>
+            </a:r>
+          </a:p>
+          <a:p>
+            <a:pPr marL="0" lvl="1" algn="l">
+              <a:spcBef>
+                <a:spcPts val="200"/>
+              </a:spcBef>
+            </a:pPr>
+            <a:r>
+              <a:rPr lang="en-US" sz="1800" dirty="0">
+                <a:latin typeface="Consolas" panose="020B0609020204030204" pitchFamily="49" charset="0"/>
+              </a:rPr>
+              <a:t>   process(x);</a:t>
+            </a:r>
+          </a:p>
+          <a:p>
+            <a:pPr marL="0" lvl="1" algn="l">
+              <a:spcBef>
+                <a:spcPts val="200"/>
+              </a:spcBef>
+            </a:pPr>
+            <a:r>
+              <a:rPr lang="en-US" sz="1800" dirty="0">
+                <a:latin typeface="Consolas" panose="020B0609020204030204" pitchFamily="49" charset="0"/>
+              </a:rPr>
+              <a:t>end loop;</a:t>
+            </a:r>
+          </a:p>
+        </p:txBody>
+      </p:sp>
     </p:spTree>
     <p:extLst>
       <p:ext uri="{BB962C8B-B14F-4D97-AF65-F5344CB8AC3E}">
-        <p14:creationId xmlns:p14="http://schemas.microsoft.com/office/powerpoint/2010/main" val="735142830"/>
+        <p14:creationId xmlns:p14="http://schemas.microsoft.com/office/powerpoint/2010/main" val="181688456"/>
       </p:ext>
     </p:extLst>
   </p:cSld>
@@ -5259,15 +5144,12 @@
           <a:lstStyle/>
           <a:p>
             <a:r>
-              <a:rPr lang="en-US" dirty="0"/>
-              <a:t>Subprograms</a:t>
-            </a:r>
-            <a:br>
-              <a:rPr lang="en-US" dirty="0"/>
-            </a:br>
-            <a:r>
-              <a:rPr lang="en-US" sz="2400" dirty="0"/>
-              <a:t>(continued)</a:t>
+              <a:rPr lang="en-US" dirty="0" err="1"/>
+              <a:t>Input/Output</a:t>
+            </a:r>
+            <a:r>
+              <a:rPr lang="en-US" dirty="0"/>
+              <a:t> Statements</a:t>
             </a:r>
           </a:p>
         </p:txBody>
@@ -5289,29 +5171,70 @@
           <a:p>
             <a:r>
               <a:rPr lang="en-US" dirty="0"/>
-              <a:t>All subprograms must be declared before they are called.</a:t>
-            </a:r>
-          </a:p>
-          <a:p>
-            <a:r>
-              <a:rPr lang="en-US" dirty="0"/>
-              <a:t>All subprogram names must be distinct.</a:t>
-            </a:r>
-          </a:p>
-          <a:p>
-            <a:r>
-              <a:rPr lang="en-US" dirty="0"/>
-              <a:t>The name of a subprogram must be repeated at the closing “</a:t>
+              <a:t>CPRL defines only sequential text I/O for two basic character streams, standard input and standard output.</a:t>
+            </a:r>
+          </a:p>
+          <a:p>
+            <a:r>
+              <a:rPr lang="en-US" dirty="0"/>
+              <a:t>The </a:t>
             </a:r>
             <a:r>
               <a:rPr lang="en-US" dirty="0">
                 <a:latin typeface="Consolas" panose="020B0609020204030204" pitchFamily="49" charset="0"/>
               </a:rPr>
-              <a:t>end</a:t>
-            </a:r>
-            <a:r>
-              <a:rPr lang="en-US" dirty="0"/>
-              <a:t>” of the subprogram declaration.</a:t>
+              <a:t>write</a:t>
+            </a:r>
+            <a:r>
+              <a:rPr lang="en-US" dirty="0"/>
+              <a:t> and </a:t>
+            </a:r>
+            <a:r>
+              <a:rPr lang="en-US" dirty="0">
+                <a:latin typeface="Consolas" panose="020B0609020204030204" pitchFamily="49" charset="0"/>
+              </a:rPr>
+              <a:t>writeln</a:t>
+            </a:r>
+            <a:r>
+              <a:rPr lang="en-US" dirty="0"/>
+              <a:t> statements can have multiple expressions separated by commas.</a:t>
+            </a:r>
+          </a:p>
+          <a:p>
+            <a:r>
+              <a:rPr lang="en-US" dirty="0"/>
+              <a:t>Input is supported only for integers and characters.</a:t>
+            </a:r>
+          </a:p>
+          <a:p>
+            <a:r>
+              <a:rPr lang="en-US" dirty="0"/>
+              <a:t>Examples:</a:t>
+            </a:r>
+          </a:p>
+          <a:p>
+            <a:pPr marL="457200" lvl="1" indent="0">
+              <a:buNone/>
+            </a:pPr>
+            <a:r>
+              <a:rPr lang="en-US" sz="1800" dirty="0">
+                <a:latin typeface="Consolas" panose="020B0609020204030204" pitchFamily="49" charset="0"/>
+              </a:rPr>
+              <a:t>read x;</a:t>
+            </a:r>
+          </a:p>
+          <a:p>
+            <a:pPr marL="457200" lvl="1" indent="0">
+              <a:spcBef>
+                <a:spcPts val="300"/>
+              </a:spcBef>
+              <a:buNone/>
+            </a:pPr>
+            <a:r>
+              <a:rPr lang="en-US" sz="1800" dirty="0">
+                <a:latin typeface="Consolas" panose="020B0609020204030204" pitchFamily="49" charset="0"/>
+              </a:rPr>
+              <a:t>writeln "The answer is ", 2*x + 1;</a:t>
             </a:r>
           </a:p>
         </p:txBody>
@@ -5369,7 +5292,7 @@
     </p:spTree>
     <p:extLst>
       <p:ext uri="{BB962C8B-B14F-4D97-AF65-F5344CB8AC3E}">
-        <p14:creationId xmlns:p14="http://schemas.microsoft.com/office/powerpoint/2010/main" val="3219957814"/>
+        <p14:creationId xmlns:p14="http://schemas.microsoft.com/office/powerpoint/2010/main" val="2753836161"/>
       </p:ext>
     </p:extLst>
   </p:cSld>
@@ -5413,7 +5336,7 @@
           <a:p>
             <a:r>
               <a:rPr lang="en-US" dirty="0"/>
-              <a:t>Procedures</a:t>
+              <a:t>Programs</a:t>
             </a:r>
           </a:p>
         </p:txBody>
@@ -5428,19 +5351,71 @@
             <p:ph idx="1"/>
           </p:nvPr>
         </p:nvSpPr>
-        <p:spPr>
-          <a:xfrm>
-            <a:off x="458787" y="1363663"/>
-            <a:ext cx="8321040" cy="4935537"/>
-          </a:xfrm>
-        </p:spPr>
-        <p:txBody>
-          <a:bodyPr/>
-          <a:lstStyle/>
-          <a:p>
-            <a:r>
-              <a:rPr lang="en-US" dirty="0"/>
-              <a:t>Similar to those in Pascal except that explicit “return” statements are allowed within the statement part</a:t>
+        <p:spPr/>
+        <p:txBody>
+          <a:bodyPr/>
+          <a:lstStyle/>
+          <a:p>
+            <a:r>
+              <a:rPr lang="en-US" dirty="0"/>
+              <a:t>A program has a declarative part followed by a statement part.</a:t>
+            </a:r>
+          </a:p>
+          <a:p>
+            <a:pPr lvl="1"/>
+            <a:r>
+              <a:rPr lang="en-US" dirty="0"/>
+              <a:t>declarative part consists of (possibly empty) list of initial declarations followed by (possibly empty) list of subprogram declarations.</a:t>
+            </a:r>
+          </a:p>
+          <a:p>
+            <a:pPr lvl="1"/>
+            <a:r>
+              <a:rPr lang="en-US" dirty="0"/>
+              <a:t>statement part is bracketed by reserved words “</a:t>
+            </a:r>
+            <a:r>
+              <a:rPr lang="en-US" dirty="0">
+                <a:latin typeface="Consolas" panose="020B0609020204030204" pitchFamily="49" charset="0"/>
+              </a:rPr>
+              <a:t>begin</a:t>
+            </a:r>
+            <a:r>
+              <a:rPr lang="en-US" dirty="0"/>
+              <a:t>” and “</a:t>
+            </a:r>
+            <a:r>
+              <a:rPr lang="en-US" dirty="0">
+                <a:latin typeface="Consolas" panose="020B0609020204030204" pitchFamily="49" charset="0"/>
+              </a:rPr>
+              <a:t>end</a:t>
+            </a:r>
+            <a:r>
+              <a:rPr lang="en-US" dirty="0"/>
+              <a:t>”</a:t>
+            </a:r>
+          </a:p>
+          <a:p>
+            <a:pPr lvl="1"/>
+            <a:r>
+              <a:rPr lang="en-US" dirty="0"/>
+              <a:t>period (“</a:t>
+            </a:r>
+            <a:r>
+              <a:rPr lang="en-US" dirty="0">
+                <a:latin typeface="Consolas" panose="020B0609020204030204" pitchFamily="49" charset="0"/>
+              </a:rPr>
+              <a:t>.</a:t>
+            </a:r>
+            <a:r>
+              <a:rPr lang="en-US" dirty="0"/>
+              <a:t>”) terminates the program</a:t>
+            </a:r>
+          </a:p>
+          <a:p>
+            <a:r>
+              <a:rPr lang="en-US" dirty="0"/>
+              <a:t>Examples:</a:t>
             </a:r>
           </a:p>
           <a:p>
@@ -5448,96 +5423,50 @@
               <a:buNone/>
             </a:pPr>
             <a:r>
-              <a:rPr lang="en-US" dirty="0"/>
-              <a:t>(</a:t>
-            </a:r>
-            <a:r>
-              <a:rPr lang="en-US" dirty="0">
-                <a:latin typeface="Consolas" panose="020B0609020204030204" pitchFamily="49" charset="0"/>
-              </a:rPr>
-              <a:t>return</a:t>
-            </a:r>
-            <a:r>
-              <a:rPr lang="en-US" dirty="0"/>
-              <a:t> must not be followed by an expression)</a:t>
-            </a:r>
-          </a:p>
-          <a:p>
-            <a:r>
-              <a:rPr lang="en-US" dirty="0"/>
-              <a:t>Procedures are called by simply giving their name followed by a comma-separated list of actual parameters enclosed in parentheses followed by a semicolon.</a:t>
-            </a:r>
-          </a:p>
-          <a:p>
-            <a:pPr lvl="1"/>
-            <a:r>
-              <a:rPr lang="en-US" dirty="0"/>
-              <a:t>if no parameters, only procedure name is required</a:t>
-            </a:r>
-            <a:br>
-              <a:rPr lang="en-US" dirty="0"/>
-            </a:br>
-            <a:r>
-              <a:rPr lang="en-US" dirty="0"/>
-              <a:t>(no parentheses)</a:t>
-            </a:r>
-          </a:p>
-          <a:p>
-            <a:r>
-              <a:rPr lang="en-US" dirty="0"/>
-              <a:t>Procedure calls are statements.</a:t>
+              <a:rPr lang="en-US" sz="1800" dirty="0">
+                <a:latin typeface="Consolas" panose="020B0609020204030204" pitchFamily="49" charset="0"/>
+              </a:rPr>
+              <a:t>begin</a:t>
             </a:r>
           </a:p>
           <a:p>
             <a:pPr marL="457200" lvl="1" indent="0">
+              <a:spcBef>
+                <a:spcPts val="200"/>
+              </a:spcBef>
               <a:buNone/>
             </a:pPr>
             <a:r>
-              <a:rPr lang="en-US" sz="1850" dirty="0" err="1">
-                <a:latin typeface="Consolas" panose="020B0609020204030204" pitchFamily="49" charset="0"/>
-              </a:rPr>
-              <a:t>procedureCallStmt</a:t>
-            </a:r>
-            <a:r>
-              <a:rPr lang="en-US" sz="1850" dirty="0">
-                <a:latin typeface="Consolas" panose="020B0609020204030204" pitchFamily="49" charset="0"/>
-              </a:rPr>
-              <a:t> = </a:t>
-            </a:r>
-            <a:r>
-              <a:rPr lang="en-US" sz="1850" dirty="0" err="1">
-                <a:latin typeface="Consolas" panose="020B0609020204030204" pitchFamily="49" charset="0"/>
-              </a:rPr>
-              <a:t>procId</a:t>
-            </a:r>
-            <a:r>
-              <a:rPr lang="en-US" sz="1850" dirty="0">
-                <a:latin typeface="Consolas" panose="020B0609020204030204" pitchFamily="49" charset="0"/>
-              </a:rPr>
-              <a:t> ( </a:t>
-            </a:r>
-            <a:r>
-              <a:rPr lang="en-US" sz="1850" dirty="0" err="1">
-                <a:latin typeface="Consolas" panose="020B0609020204030204" pitchFamily="49" charset="0"/>
-              </a:rPr>
-              <a:t>actualParameters</a:t>
-            </a:r>
-            <a:r>
-              <a:rPr lang="en-US" sz="1850" dirty="0">
-                <a:latin typeface="Consolas" panose="020B0609020204030204" pitchFamily="49" charset="0"/>
-              </a:rPr>
-              <a:t> )? ";" </a:t>
+              <a:rPr lang="en-US" sz="1800" dirty="0">
+                <a:latin typeface="Consolas" panose="020B0609020204030204" pitchFamily="49" charset="0"/>
+              </a:rPr>
+              <a:t>   </a:t>
+            </a:r>
+            <a:r>
+              <a:rPr lang="en-US" sz="1800" dirty="0" err="1">
+                <a:latin typeface="Consolas" panose="020B0609020204030204" pitchFamily="49" charset="0"/>
+              </a:rPr>
+              <a:t>writeln</a:t>
+            </a:r>
+            <a:r>
+              <a:rPr lang="en-US" sz="1800" dirty="0">
+                <a:latin typeface="Consolas" panose="020B0609020204030204" pitchFamily="49" charset="0"/>
+              </a:rPr>
+              <a:t> "Hello, world.";</a:t>
             </a:r>
           </a:p>
           <a:p>
             <a:pPr marL="457200" lvl="1" indent="0">
+              <a:spcBef>
+                <a:spcPts val="200"/>
+              </a:spcBef>
               <a:buNone/>
             </a:pPr>
             <a:r>
-              <a:rPr lang="en-US" sz="1850" dirty="0">
-                <a:latin typeface="Consolas" panose="020B0609020204030204" pitchFamily="49" charset="0"/>
-              </a:rPr>
-              <a:t>actualParameters = "(" expressions ")" .</a:t>
+              <a:rPr lang="en-US" sz="1800" dirty="0">
+                <a:latin typeface="Consolas" panose="020B0609020204030204" pitchFamily="49" charset="0"/>
+              </a:rPr>
+              <a:t>end.</a:t>
             </a:r>
           </a:p>
         </p:txBody>
@@ -5592,10 +5521,110 @@
           </a:p>
         </p:txBody>
       </p:sp>
+      <p:sp>
+        <p:nvSpPr>
+          <p:cNvPr id="6" name="TextBox 5"/>
+          <p:cNvSpPr txBox="1"/>
+          <p:nvPr/>
+        </p:nvSpPr>
+        <p:spPr>
+          <a:xfrm>
+            <a:off x="5080752" y="4410063"/>
+            <a:ext cx="2844048" cy="1579920"/>
+          </a:xfrm>
+          <a:prstGeom prst="rect">
+            <a:avLst/>
+          </a:prstGeom>
+          <a:noFill/>
+        </p:spPr>
+        <p:txBody>
+          <a:bodyPr wrap="none" rtlCol="0">
+            <a:spAutoFit/>
+          </a:bodyPr>
+          <a:lstStyle/>
+          <a:p>
+            <a:pPr marL="0" lvl="1" algn="l">
+              <a:spcBef>
+                <a:spcPts val="200"/>
+              </a:spcBef>
+            </a:pPr>
+            <a:r>
+              <a:rPr lang="en-US" sz="1800" dirty="0">
+                <a:latin typeface="Consolas" panose="020B0609020204030204" pitchFamily="49" charset="0"/>
+              </a:rPr>
+              <a:t>var x : Integer;</a:t>
+            </a:r>
+          </a:p>
+          <a:p>
+            <a:pPr marL="0" lvl="1" algn="l">
+              <a:spcBef>
+                <a:spcPts val="200"/>
+              </a:spcBef>
+            </a:pPr>
+            <a:r>
+              <a:rPr lang="en-US" sz="1800" dirty="0">
+                <a:latin typeface="Consolas" panose="020B0609020204030204" pitchFamily="49" charset="0"/>
+              </a:rPr>
+              <a:t>begin</a:t>
+            </a:r>
+          </a:p>
+          <a:p>
+            <a:pPr marL="0" lvl="1" algn="l">
+              <a:spcBef>
+                <a:spcPts val="200"/>
+              </a:spcBef>
+            </a:pPr>
+            <a:r>
+              <a:rPr lang="en-US" sz="1800" dirty="0">
+                <a:latin typeface="Consolas" panose="020B0609020204030204" pitchFamily="49" charset="0"/>
+              </a:rPr>
+              <a:t>   read x;</a:t>
+            </a:r>
+          </a:p>
+          <a:p>
+            <a:pPr marL="0" lvl="1" algn="l">
+              <a:spcBef>
+                <a:spcPts val="200"/>
+              </a:spcBef>
+            </a:pPr>
+            <a:r>
+              <a:rPr lang="en-US" sz="1800" dirty="0">
+                <a:latin typeface="Consolas" panose="020B0609020204030204" pitchFamily="49" charset="0"/>
+              </a:rPr>
+              <a:t>   </a:t>
+            </a:r>
+            <a:r>
+              <a:rPr lang="en-US" sz="1800" dirty="0" err="1">
+                <a:latin typeface="Consolas" panose="020B0609020204030204" pitchFamily="49" charset="0"/>
+              </a:rPr>
+              <a:t>writeln</a:t>
+            </a:r>
+            <a:r>
+              <a:rPr lang="en-US" sz="1800" dirty="0">
+                <a:latin typeface="Consolas" panose="020B0609020204030204" pitchFamily="49" charset="0"/>
+              </a:rPr>
+              <a:t> "x = ", x;</a:t>
+            </a:r>
+          </a:p>
+          <a:p>
+            <a:pPr marL="0" lvl="1" algn="l">
+              <a:spcBef>
+                <a:spcPts val="200"/>
+              </a:spcBef>
+            </a:pPr>
+            <a:r>
+              <a:rPr lang="en-US" sz="1800" dirty="0">
+                <a:latin typeface="Consolas" panose="020B0609020204030204" pitchFamily="49" charset="0"/>
+              </a:rPr>
+              <a:t>end.</a:t>
+            </a:r>
+          </a:p>
+        </p:txBody>
+      </p:sp>
     </p:spTree>
     <p:extLst>
       <p:ext uri="{BB962C8B-B14F-4D97-AF65-F5344CB8AC3E}">
-        <p14:creationId xmlns:p14="http://schemas.microsoft.com/office/powerpoint/2010/main" val="1416561005"/>
+        <p14:creationId xmlns:p14="http://schemas.microsoft.com/office/powerpoint/2010/main" val="3281758093"/>
       </p:ext>
     </p:extLst>
   </p:cSld>
@@ -5639,7 +5668,7 @@
           <a:p>
             <a:r>
               <a:rPr lang="en-US" dirty="0"/>
-              <a:t>Procedure Example</a:t>
+              <a:t>Subprograms</a:t>
             </a:r>
           </a:p>
         </p:txBody>
@@ -5659,272 +5688,66 @@
           <a:bodyPr/>
           <a:lstStyle/>
           <a:p>
-            <a:pPr marL="274320" lvl="1" indent="0">
-              <a:spcBef>
-                <a:spcPts val="100"/>
-              </a:spcBef>
-              <a:buNone/>
-            </a:pPr>
-            <a:r>
-              <a:rPr lang="en-US" sz="1800" dirty="0">
-                <a:latin typeface="Consolas" panose="020B0609020204030204" pitchFamily="49" charset="0"/>
-              </a:rPr>
-              <a:t>procedure sort(</a:t>
-            </a:r>
-            <a:r>
-              <a:rPr lang="en-US" sz="1800" dirty="0" err="1">
-                <a:latin typeface="Consolas" panose="020B0609020204030204" pitchFamily="49" charset="0"/>
-              </a:rPr>
-              <a:t>var</a:t>
-            </a:r>
-            <a:r>
-              <a:rPr lang="en-US" sz="1800" dirty="0">
-                <a:latin typeface="Consolas" panose="020B0609020204030204" pitchFamily="49" charset="0"/>
-              </a:rPr>
-              <a:t> a : A) is</a:t>
-            </a:r>
-          </a:p>
-          <a:p>
-            <a:pPr marL="274320" lvl="1" indent="0">
-              <a:spcBef>
-                <a:spcPts val="100"/>
-              </a:spcBef>
-              <a:buNone/>
-            </a:pPr>
-            <a:r>
-              <a:rPr lang="en-US" sz="1800" dirty="0">
-                <a:latin typeface="Consolas" panose="020B0609020204030204" pitchFamily="49" charset="0"/>
-              </a:rPr>
-              <a:t>   </a:t>
-            </a:r>
-            <a:r>
-              <a:rPr lang="en-US" sz="1800" dirty="0" err="1">
-                <a:latin typeface="Consolas" panose="020B0609020204030204" pitchFamily="49" charset="0"/>
-              </a:rPr>
-              <a:t>var</a:t>
-            </a:r>
-            <a:r>
-              <a:rPr lang="en-US" sz="1800" dirty="0">
-                <a:latin typeface="Consolas" panose="020B0609020204030204" pitchFamily="49" charset="0"/>
-              </a:rPr>
-              <a:t> i, j, save : Integer;</a:t>
-            </a:r>
-          </a:p>
-          <a:p>
-            <a:pPr marL="274320" lvl="1" indent="0">
-              <a:spcBef>
-                <a:spcPts val="100"/>
-              </a:spcBef>
-              <a:buNone/>
-            </a:pPr>
-            <a:r>
-              <a:rPr lang="en-US" sz="1800" dirty="0">
-                <a:latin typeface="Consolas" panose="020B0609020204030204" pitchFamily="49" charset="0"/>
-              </a:rPr>
-              <a:t>begin</a:t>
-            </a:r>
-          </a:p>
-          <a:p>
-            <a:pPr marL="274320" lvl="1" indent="0">
-              <a:spcBef>
-                <a:spcPts val="100"/>
-              </a:spcBef>
-              <a:buNone/>
-            </a:pPr>
-            <a:r>
-              <a:rPr lang="en-US" sz="1800" dirty="0">
-                <a:latin typeface="Consolas" panose="020B0609020204030204" pitchFamily="49" charset="0"/>
-              </a:rPr>
-              <a:t>   i := 1;</a:t>
-            </a:r>
-          </a:p>
-          <a:p>
-            <a:pPr marL="274320" lvl="1" indent="0">
-              <a:spcBef>
-                <a:spcPts val="100"/>
-              </a:spcBef>
-              <a:buNone/>
-            </a:pPr>
-            <a:r>
-              <a:rPr lang="en-US" sz="1800" dirty="0">
-                <a:latin typeface="Consolas" panose="020B0609020204030204" pitchFamily="49" charset="0"/>
-              </a:rPr>
-              <a:t>   while i &lt; </a:t>
-            </a:r>
-            <a:r>
-              <a:rPr lang="en-US" sz="1800" dirty="0" err="1">
-                <a:latin typeface="Consolas" panose="020B0609020204030204" pitchFamily="49" charset="0"/>
-              </a:rPr>
-              <a:t>arraySize</a:t>
-            </a:r>
-            <a:r>
-              <a:rPr lang="en-US" sz="1800" dirty="0">
-                <a:latin typeface="Consolas" panose="020B0609020204030204" pitchFamily="49" charset="0"/>
-              </a:rPr>
-              <a:t> loop</a:t>
-            </a:r>
-          </a:p>
-          <a:p>
-            <a:pPr marL="274320" lvl="1" indent="0">
-              <a:spcBef>
-                <a:spcPts val="100"/>
-              </a:spcBef>
-              <a:buNone/>
-            </a:pPr>
-            <a:r>
-              <a:rPr lang="en-US" sz="1800" dirty="0">
-                <a:latin typeface="Consolas" panose="020B0609020204030204" pitchFamily="49" charset="0"/>
-              </a:rPr>
-              <a:t>      save := a[i];</a:t>
-            </a:r>
-          </a:p>
-          <a:p>
-            <a:pPr marL="274320" lvl="1" indent="0">
-              <a:spcBef>
-                <a:spcPts val="100"/>
-              </a:spcBef>
-              <a:buNone/>
-            </a:pPr>
-            <a:r>
-              <a:rPr lang="en-US" sz="1800" dirty="0">
-                <a:latin typeface="Consolas" panose="020B0609020204030204" pitchFamily="49" charset="0"/>
-              </a:rPr>
-              <a:t>      j := i - 1;</a:t>
-            </a:r>
-          </a:p>
-          <a:p>
-            <a:pPr marL="274320" lvl="1" indent="0">
-              <a:spcBef>
-                <a:spcPts val="100"/>
-              </a:spcBef>
-              <a:buNone/>
-            </a:pPr>
-            <a:endParaRPr lang="en-US" sz="1800" dirty="0">
-              <a:latin typeface="Consolas" panose="020B0609020204030204" pitchFamily="49" charset="0"/>
-            </a:endParaRPr>
-          </a:p>
-          <a:p>
-            <a:pPr marL="274320" lvl="1" indent="0">
-              <a:spcBef>
-                <a:spcPts val="100"/>
-              </a:spcBef>
-              <a:buNone/>
-            </a:pPr>
-            <a:r>
-              <a:rPr lang="en-US" sz="1800" dirty="0">
-                <a:latin typeface="Consolas" panose="020B0609020204030204" pitchFamily="49" charset="0"/>
-              </a:rPr>
-              <a:t>      while j &gt;= 0 and save &lt; a[j] loop</a:t>
-            </a:r>
-          </a:p>
-          <a:p>
-            <a:pPr marL="274320" lvl="1" indent="0">
-              <a:spcBef>
-                <a:spcPts val="100"/>
-              </a:spcBef>
-              <a:buNone/>
-            </a:pPr>
-            <a:r>
-              <a:rPr lang="en-US" sz="1800" dirty="0">
-                <a:latin typeface="Consolas" panose="020B0609020204030204" pitchFamily="49" charset="0"/>
-              </a:rPr>
-              <a:t>         a[j + 1] := a[j];</a:t>
-            </a:r>
-          </a:p>
-          <a:p>
-            <a:pPr marL="274320" lvl="1" indent="0">
-              <a:spcBef>
-                <a:spcPts val="100"/>
-              </a:spcBef>
-              <a:buNone/>
-            </a:pPr>
-            <a:r>
-              <a:rPr lang="en-US" sz="1800" dirty="0">
-                <a:latin typeface="Consolas" panose="020B0609020204030204" pitchFamily="49" charset="0"/>
-              </a:rPr>
-              <a:t>         j := j - 1;</a:t>
-            </a:r>
-          </a:p>
-          <a:p>
-            <a:pPr marL="274320" lvl="1" indent="0">
-              <a:spcBef>
-                <a:spcPts val="100"/>
-              </a:spcBef>
-              <a:buNone/>
-            </a:pPr>
-            <a:r>
-              <a:rPr lang="en-US" sz="1800" dirty="0">
-                <a:latin typeface="Consolas" panose="020B0609020204030204" pitchFamily="49" charset="0"/>
-              </a:rPr>
-              <a:t>      end loop;</a:t>
-            </a:r>
-          </a:p>
-          <a:p>
-            <a:pPr marL="274320" lvl="1" indent="0">
-              <a:spcBef>
-                <a:spcPts val="100"/>
-              </a:spcBef>
-              <a:buNone/>
-            </a:pPr>
-            <a:endParaRPr lang="en-US" sz="1800" dirty="0">
-              <a:latin typeface="Consolas" panose="020B0609020204030204" pitchFamily="49" charset="0"/>
-            </a:endParaRPr>
-          </a:p>
-          <a:p>
-            <a:pPr marL="274320" lvl="1" indent="0">
-              <a:spcBef>
-                <a:spcPts val="100"/>
-              </a:spcBef>
-              <a:buNone/>
-            </a:pPr>
-            <a:r>
-              <a:rPr lang="en-US" sz="1800" dirty="0">
-                <a:latin typeface="Consolas" panose="020B0609020204030204" pitchFamily="49" charset="0"/>
-              </a:rPr>
-              <a:t>      a[j + 1] := save;  // insert saved A[i]</a:t>
-            </a:r>
-          </a:p>
-          <a:p>
-            <a:pPr marL="274320" lvl="1" indent="0">
-              <a:spcBef>
-                <a:spcPts val="100"/>
-              </a:spcBef>
-              <a:buNone/>
-            </a:pPr>
-            <a:r>
-              <a:rPr lang="en-US" sz="1800" dirty="0">
-                <a:latin typeface="Consolas" panose="020B0609020204030204" pitchFamily="49" charset="0"/>
-              </a:rPr>
-              <a:t>      i := i + 1;</a:t>
-            </a:r>
-          </a:p>
-          <a:p>
-            <a:pPr marL="274320" lvl="1" indent="0">
-              <a:spcBef>
-                <a:spcPts val="100"/>
-              </a:spcBef>
-              <a:buNone/>
-            </a:pPr>
-            <a:r>
-              <a:rPr lang="en-US" sz="1800" dirty="0">
-                <a:latin typeface="Consolas" panose="020B0609020204030204" pitchFamily="49" charset="0"/>
-              </a:rPr>
-              <a:t>   end loop;</a:t>
-            </a:r>
-          </a:p>
-          <a:p>
-            <a:pPr marL="274320" lvl="1" indent="0">
-              <a:spcBef>
-                <a:spcPts val="100"/>
-              </a:spcBef>
-              <a:buNone/>
-            </a:pPr>
-            <a:r>
-              <a:rPr lang="en-US" sz="1800" dirty="0">
-                <a:latin typeface="Consolas" panose="020B0609020204030204" pitchFamily="49" charset="0"/>
-              </a:rPr>
-              <a:t>end sort;</a:t>
-            </a:r>
+            <a:r>
+              <a:rPr lang="en-US" dirty="0"/>
+              <a:t>CPRL provides two separate forms of subprograms – procedures and functions</a:t>
+            </a:r>
+          </a:p>
+          <a:p>
+            <a:r>
+              <a:rPr lang="en-US" dirty="0"/>
+              <a:t>Procedure</a:t>
+            </a:r>
+          </a:p>
+          <a:p>
+            <a:pPr lvl="1"/>
+            <a:r>
+              <a:rPr lang="en-US" dirty="0"/>
+              <a:t>similar to a void function in C or C++</a:t>
+            </a:r>
+          </a:p>
+          <a:p>
+            <a:pPr lvl="1"/>
+            <a:r>
+              <a:rPr lang="en-US" dirty="0"/>
+              <a:t>does not return a value</a:t>
+            </a:r>
+          </a:p>
+          <a:p>
+            <a:pPr lvl="1"/>
+            <a:r>
+              <a:rPr lang="en-US" dirty="0"/>
+              <a:t>invoked through a procedure call statement</a:t>
+            </a:r>
+          </a:p>
+          <a:p>
+            <a:r>
+              <a:rPr lang="en-US" dirty="0"/>
+              <a:t>Function</a:t>
+            </a:r>
+          </a:p>
+          <a:p>
+            <a:pPr lvl="1"/>
+            <a:r>
+              <a:rPr lang="en-US" dirty="0"/>
+              <a:t>must return a value</a:t>
+            </a:r>
+          </a:p>
+          <a:p>
+            <a:pPr lvl="1"/>
+            <a:r>
+              <a:rPr lang="en-US" dirty="0"/>
+              <a:t>invoked as part of an expression</a:t>
+            </a:r>
+          </a:p>
+          <a:p>
+            <a:r>
+              <a:rPr lang="en-US" dirty="0"/>
+              <a:t>Recursive invocations of subprograms are allowed.</a:t>
+            </a:r>
+          </a:p>
+          <a:p>
+            <a:endParaRPr lang="en-US" dirty="0"/>
           </a:p>
         </p:txBody>
       </p:sp>
@@ -5978,85 +5801,10 @@
           </a:p>
         </p:txBody>
       </p:sp>
-      <p:sp>
-        <p:nvSpPr>
-          <p:cNvPr id="6" name="TextBox 5">
-            <a:extLst>
-              <a:ext uri="{FF2B5EF4-FFF2-40B4-BE49-F238E27FC236}">
-                <a16:creationId xmlns:a16="http://schemas.microsoft.com/office/drawing/2014/main" id="{8F11AE7A-C823-4944-84C7-53E522C9B76D}"/>
-              </a:ext>
-            </a:extLst>
-          </p:cNvPr>
-          <p:cNvSpPr txBox="1"/>
-          <p:nvPr/>
-        </p:nvSpPr>
-        <p:spPr>
-          <a:xfrm>
-            <a:off x="5056803" y="1799272"/>
-            <a:ext cx="3350597" cy="1477328"/>
-          </a:xfrm>
-          <a:prstGeom prst="rect">
-            <a:avLst/>
-          </a:prstGeom>
-          <a:noFill/>
-          <a:ln>
-            <a:solidFill>
-              <a:schemeClr val="tx1"/>
-            </a:solidFill>
-          </a:ln>
-        </p:spPr>
-        <p:txBody>
-          <a:bodyPr wrap="none" rtlCol="0">
-            <a:spAutoFit/>
-          </a:bodyPr>
-          <a:lstStyle/>
-          <a:p>
-            <a:pPr algn="l"/>
-            <a:r>
-              <a:rPr lang="en-US" sz="1800" dirty="0"/>
-              <a:t>Assume the following</a:t>
-            </a:r>
-            <a:br>
-              <a:rPr lang="en-US" sz="1800" dirty="0"/>
-            </a:br>
-            <a:r>
-              <a:rPr lang="en-US" sz="1800" dirty="0"/>
-              <a:t>global declarations:</a:t>
-            </a:r>
-          </a:p>
-          <a:p>
-            <a:pPr algn="l"/>
-            <a:r>
-              <a:rPr lang="en-US" sz="1800" dirty="0">
-                <a:latin typeface="Consolas" panose="020B0609020204030204" pitchFamily="49" charset="0"/>
-              </a:rPr>
-              <a:t>const arraySize := 10;</a:t>
-            </a:r>
-          </a:p>
-          <a:p>
-            <a:pPr algn="l"/>
-            <a:r>
-              <a:rPr lang="en-US" sz="1800" dirty="0">
-                <a:latin typeface="Consolas" panose="020B0609020204030204" pitchFamily="49" charset="0"/>
-              </a:rPr>
-              <a:t>type A = array[arraySize]</a:t>
-            </a:r>
-          </a:p>
-          <a:p>
-            <a:pPr algn="l"/>
-            <a:r>
-              <a:rPr lang="en-US" sz="1800" dirty="0">
-                <a:latin typeface="Consolas" panose="020B0609020204030204" pitchFamily="49" charset="0"/>
-              </a:rPr>
-              <a:t>    of Integer;</a:t>
-            </a:r>
-          </a:p>
-        </p:txBody>
-      </p:sp>
     </p:spTree>
     <p:extLst>
       <p:ext uri="{BB962C8B-B14F-4D97-AF65-F5344CB8AC3E}">
-        <p14:creationId xmlns:p14="http://schemas.microsoft.com/office/powerpoint/2010/main" val="3425479958"/>
+        <p14:creationId xmlns:p14="http://schemas.microsoft.com/office/powerpoint/2010/main" val="735142830"/>
       </p:ext>
     </p:extLst>
   </p:cSld>
@@ -6100,7 +5848,14 @@
           <a:p>
             <a:r>
               <a:rPr lang="en-US" dirty="0"/>
-              <a:t>Functions</a:t>
+              <a:t>Subprograms</a:t>
+            </a:r>
+            <a:br>
+              <a:rPr lang="en-US" dirty="0"/>
+            </a:br>
+            <a:r>
+              <a:rPr lang="en-US" sz="2400" dirty="0"/>
+              <a:t>(continued)</a:t>
             </a:r>
           </a:p>
         </p:txBody>
@@ -6122,48 +5877,29 @@
           <a:p>
             <a:r>
               <a:rPr lang="en-US" dirty="0"/>
-              <a:t>Similar to procedures except that </a:t>
-            </a:r>
-            <a:r>
-              <a:rPr lang="en-US"/>
-              <a:t>functions return </a:t>
-            </a:r>
-            <a:r>
-              <a:rPr lang="en-US" dirty="0"/>
-              <a:t>values.</a:t>
-            </a:r>
-          </a:p>
-          <a:p>
-            <a:r>
-              <a:rPr lang="en-US" dirty="0"/>
-              <a:t>Function calls are expressions.</a:t>
-            </a:r>
-          </a:p>
-          <a:p>
-            <a:r>
-              <a:rPr lang="en-US" dirty="0"/>
-              <a:t>A function returns a value by executing a “</a:t>
+              <a:t>All subprograms must be declared before they are called.</a:t>
+            </a:r>
+          </a:p>
+          <a:p>
+            <a:r>
+              <a:rPr lang="en-US" dirty="0"/>
+              <a:t>All subprogram names must be distinct.</a:t>
+            </a:r>
+          </a:p>
+          <a:p>
+            <a:r>
+              <a:rPr lang="en-US" dirty="0"/>
+              <a:t>The name of a subprogram must be repeated at the closing “</a:t>
             </a:r>
             <a:r>
               <a:rPr lang="en-US" dirty="0">
                 <a:latin typeface="Consolas" panose="020B0609020204030204" pitchFamily="49" charset="0"/>
               </a:rPr>
-              <a:t>return</a:t>
-            </a:r>
-            <a:r>
-              <a:rPr lang="en-US" dirty="0"/>
-              <a:t>” statement of the form</a:t>
-            </a:r>
-          </a:p>
-          <a:p>
-            <a:pPr marL="457200" lvl="1" indent="0">
-              <a:buNone/>
-            </a:pPr>
-            <a:r>
-              <a:rPr lang="en-US" dirty="0">
-                <a:latin typeface="Consolas" panose="020B0609020204030204" pitchFamily="49" charset="0"/>
-              </a:rPr>
-              <a:t>return &lt;expression&gt;;</a:t>
+              <a:t>end</a:t>
+            </a:r>
+            <a:r>
+              <a:rPr lang="en-US" dirty="0"/>
+              <a:t>” of the subprogram declaration.</a:t>
             </a:r>
           </a:p>
         </p:txBody>
@@ -6221,7 +5957,7 @@
     </p:spTree>
     <p:extLst>
       <p:ext uri="{BB962C8B-B14F-4D97-AF65-F5344CB8AC3E}">
-        <p14:creationId xmlns:p14="http://schemas.microsoft.com/office/powerpoint/2010/main" val="3194764682"/>
+        <p14:creationId xmlns:p14="http://schemas.microsoft.com/office/powerpoint/2010/main" val="3219957814"/>
       </p:ext>
     </p:extLst>
   </p:cSld>
@@ -6265,7 +6001,7 @@
           <a:p>
             <a:r>
               <a:rPr lang="en-US" dirty="0"/>
-              <a:t>Function Example</a:t>
+              <a:t>Procedures</a:t>
             </a:r>
           </a:p>
         </p:txBody>
@@ -6280,120 +6016,116 @@
             <p:ph idx="1"/>
           </p:nvPr>
         </p:nvSpPr>
-        <p:spPr/>
-        <p:txBody>
-          <a:bodyPr/>
-          <a:lstStyle/>
-          <a:p>
-            <a:pPr marL="274320" lvl="1" indent="0">
-              <a:spcBef>
-                <a:spcPts val="200"/>
-              </a:spcBef>
+        <p:spPr>
+          <a:xfrm>
+            <a:off x="458787" y="1363663"/>
+            <a:ext cx="8321040" cy="4935537"/>
+          </a:xfrm>
+        </p:spPr>
+        <p:txBody>
+          <a:bodyPr/>
+          <a:lstStyle/>
+          <a:p>
+            <a:r>
+              <a:rPr lang="en-US" dirty="0"/>
+              <a:t>Similar to those in Pascal except that explicit “return” statements are allowed within the statement part</a:t>
+            </a:r>
+          </a:p>
+          <a:p>
+            <a:pPr marL="457200" lvl="1" indent="0">
               <a:buNone/>
             </a:pPr>
             <a:r>
-              <a:rPr lang="en-US" sz="1800" dirty="0">
-                <a:latin typeface="Consolas" panose="020B0609020204030204" pitchFamily="49" charset="0"/>
-              </a:rPr>
-              <a:t>function max(x, y : Integer) return Integer is</a:t>
-            </a:r>
-          </a:p>
-          <a:p>
-            <a:pPr marL="274320" lvl="1" indent="0">
-              <a:spcBef>
-                <a:spcPts val="200"/>
-              </a:spcBef>
+              <a:rPr lang="en-US" dirty="0"/>
+              <a:t>(</a:t>
+            </a:r>
+            <a:r>
+              <a:rPr lang="en-US" dirty="0">
+                <a:latin typeface="Consolas" panose="020B0609020204030204" pitchFamily="49" charset="0"/>
+              </a:rPr>
+              <a:t>return</a:t>
+            </a:r>
+            <a:r>
+              <a:rPr lang="en-US" dirty="0"/>
+              <a:t> must not be followed by an expression)</a:t>
+            </a:r>
+          </a:p>
+          <a:p>
+            <a:r>
+              <a:rPr lang="en-US" dirty="0"/>
+              <a:t>Procedures are called by simply giving their name followed by a comma-separated list of actual parameters enclosed in parentheses followed by a semicolon.</a:t>
+            </a:r>
+          </a:p>
+          <a:p>
+            <a:pPr lvl="1"/>
+            <a:r>
+              <a:rPr lang="en-US" dirty="0"/>
+              <a:t>if no parameters, only procedure name is required</a:t>
+            </a:r>
+            <a:br>
+              <a:rPr lang="en-US" dirty="0"/>
+            </a:br>
+            <a:r>
+              <a:rPr lang="en-US" dirty="0"/>
+              <a:t>(no parentheses)</a:t>
+            </a:r>
+          </a:p>
+          <a:p>
+            <a:r>
+              <a:rPr lang="en-US" dirty="0"/>
+              <a:t>Procedure calls are statements.</a:t>
+            </a:r>
+          </a:p>
+          <a:p>
+            <a:pPr marL="457200" lvl="1" indent="0">
               <a:buNone/>
             </a:pPr>
             <a:r>
-              <a:rPr lang="en-US" sz="1800" dirty="0">
-                <a:latin typeface="Consolas" panose="020B0609020204030204" pitchFamily="49" charset="0"/>
-              </a:rPr>
-              <a:t>begin</a:t>
-            </a:r>
-          </a:p>
-          <a:p>
-            <a:pPr marL="274320" lvl="1" indent="0">
-              <a:spcBef>
-                <a:spcPts val="200"/>
-              </a:spcBef>
+              <a:rPr lang="en-US" sz="1850" dirty="0" err="1">
+                <a:latin typeface="Consolas" panose="020B0609020204030204" pitchFamily="49" charset="0"/>
+              </a:rPr>
+              <a:t>procedureCallStmt</a:t>
+            </a:r>
+            <a:r>
+              <a:rPr lang="en-US" sz="1850" dirty="0">
+                <a:latin typeface="Consolas" panose="020B0609020204030204" pitchFamily="49" charset="0"/>
+              </a:rPr>
+              <a:t> = </a:t>
+            </a:r>
+            <a:r>
+              <a:rPr lang="en-US" sz="1850" dirty="0" err="1">
+                <a:latin typeface="Consolas" panose="020B0609020204030204" pitchFamily="49" charset="0"/>
+              </a:rPr>
+              <a:t>procId</a:t>
+            </a:r>
+            <a:r>
+              <a:rPr lang="en-US" sz="1850" dirty="0">
+                <a:latin typeface="Consolas" panose="020B0609020204030204" pitchFamily="49" charset="0"/>
+              </a:rPr>
+              <a:t> ( </a:t>
+            </a:r>
+            <a:r>
+              <a:rPr lang="en-US" sz="1850" dirty="0" err="1">
+                <a:latin typeface="Consolas" panose="020B0609020204030204" pitchFamily="49" charset="0"/>
+              </a:rPr>
+              <a:t>actualParameters</a:t>
+            </a:r>
+            <a:r>
+              <a:rPr lang="en-US" sz="1850" dirty="0">
+                <a:latin typeface="Consolas" panose="020B0609020204030204" pitchFamily="49" charset="0"/>
+              </a:rPr>
+              <a:t> )? ";" </a:t>
+            </a:r>
+          </a:p>
+          <a:p>
+            <a:pPr marL="457200" lvl="1" indent="0">
               <a:buNone/>
             </a:pPr>
             <a:r>
-              <a:rPr lang="en-US" sz="1800" dirty="0">
-                <a:latin typeface="Consolas" panose="020B0609020204030204" pitchFamily="49" charset="0"/>
-              </a:rPr>
-              <a:t>   if x &gt;= y then</a:t>
-            </a:r>
-          </a:p>
-          <a:p>
-            <a:pPr marL="274320" lvl="1" indent="0">
-              <a:spcBef>
-                <a:spcPts val="200"/>
-              </a:spcBef>
-              <a:buNone/>
-            </a:pPr>
-            <a:r>
-              <a:rPr lang="en-US" sz="1800" dirty="0">
-                <a:latin typeface="Consolas" panose="020B0609020204030204" pitchFamily="49" charset="0"/>
-              </a:rPr>
-              <a:t>      return x;</a:t>
-            </a:r>
-          </a:p>
-          <a:p>
-            <a:pPr marL="274320" lvl="1" indent="0">
-              <a:spcBef>
-                <a:spcPts val="200"/>
-              </a:spcBef>
-              <a:buNone/>
-            </a:pPr>
-            <a:r>
-              <a:rPr lang="en-US" sz="1800" dirty="0">
-                <a:latin typeface="Consolas" panose="020B0609020204030204" pitchFamily="49" charset="0"/>
-              </a:rPr>
-              <a:t>   else</a:t>
-            </a:r>
-          </a:p>
-          <a:p>
-            <a:pPr marL="274320" lvl="1" indent="0">
-              <a:spcBef>
-                <a:spcPts val="200"/>
-              </a:spcBef>
-              <a:buNone/>
-            </a:pPr>
-            <a:r>
-              <a:rPr lang="en-US" sz="1800" dirty="0">
-                <a:latin typeface="Consolas" panose="020B0609020204030204" pitchFamily="49" charset="0"/>
-              </a:rPr>
-              <a:t>      return y;</a:t>
-            </a:r>
-          </a:p>
-          <a:p>
-            <a:pPr marL="274320" lvl="1" indent="0">
-              <a:spcBef>
-                <a:spcPts val="200"/>
-              </a:spcBef>
-              <a:buNone/>
-            </a:pPr>
-            <a:r>
-              <a:rPr lang="en-US" sz="1800" dirty="0">
-                <a:latin typeface="Consolas" panose="020B0609020204030204" pitchFamily="49" charset="0"/>
-              </a:rPr>
-              <a:t>   end if;</a:t>
-            </a:r>
-          </a:p>
-          <a:p>
-            <a:pPr marL="274320" lvl="1" indent="0">
-              <a:spcBef>
-                <a:spcPts val="200"/>
-              </a:spcBef>
-              <a:buNone/>
-            </a:pPr>
-            <a:r>
-              <a:rPr lang="en-US" sz="1800" dirty="0">
-                <a:latin typeface="Consolas" panose="020B0609020204030204" pitchFamily="49" charset="0"/>
-              </a:rPr>
-              <a:t>end max;</a:t>
+              <a:rPr lang="en-US" sz="1850" dirty="0">
+                <a:latin typeface="Consolas" panose="020B0609020204030204" pitchFamily="49" charset="0"/>
+              </a:rPr>
+              <a:t>actualParameters = "(" expressions ")" .</a:t>
             </a:r>
           </a:p>
         </p:txBody>
@@ -6451,7 +6183,7 @@
     </p:spTree>
     <p:extLst>
       <p:ext uri="{BB962C8B-B14F-4D97-AF65-F5344CB8AC3E}">
-        <p14:creationId xmlns:p14="http://schemas.microsoft.com/office/powerpoint/2010/main" val="3811016819"/>
+        <p14:creationId xmlns:p14="http://schemas.microsoft.com/office/powerpoint/2010/main" val="1416561005"/>
       </p:ext>
     </p:extLst>
   </p:cSld>
@@ -6495,7 +6227,7 @@
           <a:p>
             <a:r>
               <a:rPr lang="en-US" dirty="0"/>
-              <a:t>Parameters</a:t>
+              <a:t>Procedure Example</a:t>
             </a:r>
           </a:p>
         </p:txBody>
@@ -6515,60 +6247,9 @@
           <a:bodyPr/>
           <a:lstStyle/>
           <a:p>
-            <a:r>
-              <a:rPr lang="en-US" dirty="0"/>
-              <a:t>There are two parameter modes in CPRL, value parameters and variable parameters.</a:t>
-            </a:r>
-          </a:p>
-          <a:p>
-            <a:r>
-              <a:rPr lang="en-US" dirty="0"/>
-              <a:t>Value parameters are passed by value (a.k.a. copy-in) and are the default.</a:t>
-            </a:r>
-          </a:p>
-          <a:p>
-            <a:r>
-              <a:rPr lang="en-US" dirty="0"/>
-              <a:t>Variable parameters are passed by reference and must be explicitly declared using the “</a:t>
-            </a:r>
-            <a:r>
-              <a:rPr lang="en-US" dirty="0">
-                <a:latin typeface="Consolas" panose="020B0609020204030204" pitchFamily="49" charset="0"/>
-              </a:rPr>
-              <a:t>var</a:t>
-            </a:r>
-            <a:r>
-              <a:rPr lang="en-US" dirty="0"/>
-              <a:t>” keyword as in</a:t>
-            </a:r>
-          </a:p>
-          <a:p>
-            <a:pPr marL="457200" lvl="1" indent="0">
-              <a:buNone/>
-            </a:pPr>
-            <a:r>
-              <a:rPr lang="en-US" sz="1800" dirty="0">
-                <a:latin typeface="Consolas" panose="020B0609020204030204" pitchFamily="49" charset="0"/>
-              </a:rPr>
-              <a:t>procedure </a:t>
-            </a:r>
-            <a:r>
-              <a:rPr lang="en-US" sz="1800" dirty="0" err="1">
-                <a:latin typeface="Consolas" panose="020B0609020204030204" pitchFamily="49" charset="0"/>
-              </a:rPr>
-              <a:t>inc</a:t>
-            </a:r>
-            <a:r>
-              <a:rPr lang="en-US" sz="1800" dirty="0">
-                <a:latin typeface="Consolas" panose="020B0609020204030204" pitchFamily="49" charset="0"/>
-              </a:rPr>
-              <a:t>(var x : Integer) is</a:t>
-            </a:r>
-          </a:p>
-          <a:p>
-            <a:pPr marL="457200" lvl="1" indent="0">
+            <a:pPr marL="274320" lvl="1" indent="0">
               <a:spcBef>
-                <a:spcPts val="300"/>
+                <a:spcPts val="100"/>
               </a:spcBef>
               <a:buNone/>
             </a:pPr>
@@ -6576,13 +6257,25 @@
               <a:rPr lang="en-US" sz="1800" dirty="0">
                 <a:latin typeface="Consolas" panose="020B0609020204030204" pitchFamily="49" charset="0"/>
               </a:rPr>
-              <a:t>begin</a:t>
-            </a:r>
-          </a:p>
-          <a:p>
-            <a:pPr marL="457200" lvl="1" indent="0">
+              <a:t>procedure sort(</a:t>
+            </a:r>
+            <a:r>
+              <a:rPr lang="en-US" sz="1800" dirty="0" err="1">
+                <a:latin typeface="Consolas" panose="020B0609020204030204" pitchFamily="49" charset="0"/>
+              </a:rPr>
+              <a:t>var</a:t>
+            </a:r>
+            <a:r>
+              <a:rPr lang="en-US" sz="1800" dirty="0">
+                <a:latin typeface="Consolas" panose="020B0609020204030204" pitchFamily="49" charset="0"/>
+              </a:rPr>
+              <a:t> a : A) is</a:t>
+            </a:r>
+          </a:p>
+          <a:p>
+            <a:pPr marL="274320" lvl="1" indent="0">
               <a:spcBef>
-                <a:spcPts val="300"/>
+                <a:spcPts val="100"/>
               </a:spcBef>
               <a:buNone/>
             </a:pPr>
@@ -6590,13 +6283,25 @@
               <a:rPr lang="en-US" sz="1800" dirty="0">
                 <a:latin typeface="Consolas" panose="020B0609020204030204" pitchFamily="49" charset="0"/>
               </a:rPr>
-              <a:t>   x := x + 1;</a:t>
-            </a:r>
-          </a:p>
-          <a:p>
-            <a:pPr marL="457200" lvl="1" indent="0">
+              <a:t>   </a:t>
+            </a:r>
+            <a:r>
+              <a:rPr lang="en-US" sz="1800" dirty="0" err="1">
+                <a:latin typeface="Consolas" panose="020B0609020204030204" pitchFamily="49" charset="0"/>
+              </a:rPr>
+              <a:t>var</a:t>
+            </a:r>
+            <a:r>
+              <a:rPr lang="en-US" sz="1800" dirty="0">
+                <a:latin typeface="Consolas" panose="020B0609020204030204" pitchFamily="49" charset="0"/>
+              </a:rPr>
+              <a:t> i, j, save : Integer;</a:t>
+            </a:r>
+          </a:p>
+          <a:p>
+            <a:pPr marL="274320" lvl="1" indent="0">
               <a:spcBef>
-                <a:spcPts val="300"/>
+                <a:spcPts val="100"/>
               </a:spcBef>
               <a:buNone/>
             </a:pPr>
@@ -6604,25 +6309,209 @@
               <a:rPr lang="en-US" sz="1800" dirty="0">
                 <a:latin typeface="Consolas" panose="020B0609020204030204" pitchFamily="49" charset="0"/>
               </a:rPr>
-              <a:t>end </a:t>
+              <a:t>begin</a:t>
+            </a:r>
+          </a:p>
+          <a:p>
+            <a:pPr marL="274320" lvl="1" indent="0">
+              <a:spcBef>
+                <a:spcPts val="100"/>
+              </a:spcBef>
+              <a:buNone/>
+            </a:pPr>
+            <a:r>
+              <a:rPr lang="en-US" sz="1800" dirty="0">
+                <a:latin typeface="Consolas" panose="020B0609020204030204" pitchFamily="49" charset="0"/>
+              </a:rPr>
+              <a:t>   i := 1;</a:t>
+            </a:r>
+          </a:p>
+          <a:p>
+            <a:pPr marL="274320" lvl="1" indent="0">
+              <a:spcBef>
+                <a:spcPts val="100"/>
+              </a:spcBef>
+              <a:buNone/>
+            </a:pPr>
+            <a:r>
+              <a:rPr lang="en-US" sz="1800" dirty="0">
+                <a:latin typeface="Consolas" panose="020B0609020204030204" pitchFamily="49" charset="0"/>
+              </a:rPr>
+              <a:t>   while i &lt; </a:t>
             </a:r>
             <a:r>
               <a:rPr lang="en-US" sz="1800" dirty="0" err="1">
                 <a:latin typeface="Consolas" panose="020B0609020204030204" pitchFamily="49" charset="0"/>
               </a:rPr>
-              <a:t>inc</a:t>
+              <a:t>arraySize</a:t>
             </a:r>
             <a:r>
               <a:rPr lang="en-US" sz="1800" dirty="0">
                 <a:latin typeface="Consolas" panose="020B0609020204030204" pitchFamily="49" charset="0"/>
               </a:rPr>
-              <a:t>;</a:t>
-            </a:r>
-          </a:p>
-          <a:p>
-            <a:r>
-              <a:rPr lang="en-US" dirty="0"/>
-              <a:t>Functions cannot have variable parameters.</a:t>
+              <a:t> loop</a:t>
+            </a:r>
+          </a:p>
+          <a:p>
+            <a:pPr marL="274320" lvl="1" indent="0">
+              <a:spcBef>
+                <a:spcPts val="100"/>
+              </a:spcBef>
+              <a:buNone/>
+            </a:pPr>
+            <a:r>
+              <a:rPr lang="en-US" sz="1800" dirty="0">
+                <a:latin typeface="Consolas" panose="020B0609020204030204" pitchFamily="49" charset="0"/>
+              </a:rPr>
+              <a:t>      save := a[i];</a:t>
+            </a:r>
+          </a:p>
+          <a:p>
+            <a:pPr marL="274320" lvl="1" indent="0">
+              <a:spcBef>
+                <a:spcPts val="100"/>
+              </a:spcBef>
+              <a:buNone/>
+            </a:pPr>
+            <a:r>
+              <a:rPr lang="en-US" sz="1800" dirty="0">
+                <a:latin typeface="Consolas" panose="020B0609020204030204" pitchFamily="49" charset="0"/>
+              </a:rPr>
+              <a:t>      j := i - 1;</a:t>
+            </a:r>
+          </a:p>
+          <a:p>
+            <a:pPr marL="274320" lvl="1" indent="0">
+              <a:spcBef>
+                <a:spcPts val="100"/>
+              </a:spcBef>
+              <a:buNone/>
+            </a:pPr>
+            <a:endParaRPr lang="en-US" sz="1800" dirty="0">
+              <a:latin typeface="Consolas" panose="020B0609020204030204" pitchFamily="49" charset="0"/>
+            </a:endParaRPr>
+          </a:p>
+          <a:p>
+            <a:pPr marL="274320" lvl="1" indent="0">
+              <a:spcBef>
+                <a:spcPts val="100"/>
+              </a:spcBef>
+              <a:buNone/>
+            </a:pPr>
+            <a:r>
+              <a:rPr lang="en-US" sz="1800" dirty="0">
+                <a:latin typeface="Consolas" panose="020B0609020204030204" pitchFamily="49" charset="0"/>
+              </a:rPr>
+              <a:t>      while j &gt;= 0 and save &lt; a[j] loop</a:t>
+            </a:r>
+          </a:p>
+          <a:p>
+            <a:pPr marL="274320" lvl="1" indent="0">
+              <a:spcBef>
+                <a:spcPts val="100"/>
+              </a:spcBef>
+              <a:buNone/>
+            </a:pPr>
+            <a:r>
+              <a:rPr lang="en-US" sz="1800" dirty="0">
+                <a:latin typeface="Consolas" panose="020B0609020204030204" pitchFamily="49" charset="0"/>
+              </a:rPr>
+              <a:t>         a[j + 1] := a[j];</a:t>
+            </a:r>
+          </a:p>
+          <a:p>
+            <a:pPr marL="274320" lvl="1" indent="0">
+              <a:spcBef>
+                <a:spcPts val="100"/>
+              </a:spcBef>
+              <a:buNone/>
+            </a:pPr>
+            <a:r>
+              <a:rPr lang="en-US" sz="1800" dirty="0">
+                <a:latin typeface="Consolas" panose="020B0609020204030204" pitchFamily="49" charset="0"/>
+              </a:rPr>
+              <a:t>         j := j - 1;</a:t>
+            </a:r>
+          </a:p>
+          <a:p>
+            <a:pPr marL="274320" lvl="1" indent="0">
+              <a:spcBef>
+                <a:spcPts val="100"/>
+              </a:spcBef>
+              <a:buNone/>
+            </a:pPr>
+            <a:r>
+              <a:rPr lang="en-US" sz="1800" dirty="0">
+                <a:latin typeface="Consolas" panose="020B0609020204030204" pitchFamily="49" charset="0"/>
+              </a:rPr>
+              <a:t>      end loop;</a:t>
+            </a:r>
+          </a:p>
+          <a:p>
+            <a:pPr marL="274320" lvl="1" indent="0">
+              <a:spcBef>
+                <a:spcPts val="100"/>
+              </a:spcBef>
+              <a:buNone/>
+            </a:pPr>
+            <a:endParaRPr lang="en-US" sz="1800" dirty="0">
+              <a:latin typeface="Consolas" panose="020B0609020204030204" pitchFamily="49" charset="0"/>
+            </a:endParaRPr>
+          </a:p>
+          <a:p>
+            <a:pPr marL="274320" lvl="1" indent="0">
+              <a:spcBef>
+                <a:spcPts val="100"/>
+              </a:spcBef>
+              <a:buNone/>
+            </a:pPr>
+            <a:r>
+              <a:rPr lang="en-US" sz="1800" dirty="0">
+                <a:latin typeface="Consolas" panose="020B0609020204030204" pitchFamily="49" charset="0"/>
+              </a:rPr>
+              <a:t>      a[j + 1] := save;  // insert saved A[i]</a:t>
+            </a:r>
+          </a:p>
+          <a:p>
+            <a:pPr marL="274320" lvl="1" indent="0">
+              <a:spcBef>
+                <a:spcPts val="100"/>
+              </a:spcBef>
+              <a:buNone/>
+            </a:pPr>
+            <a:r>
+              <a:rPr lang="en-US" sz="1800" dirty="0">
+                <a:latin typeface="Consolas" panose="020B0609020204030204" pitchFamily="49" charset="0"/>
+              </a:rPr>
+              <a:t>      i := i + 1;</a:t>
+            </a:r>
+          </a:p>
+          <a:p>
+            <a:pPr marL="274320" lvl="1" indent="0">
+              <a:spcBef>
+                <a:spcPts val="100"/>
+              </a:spcBef>
+              <a:buNone/>
+            </a:pPr>
+            <a:r>
+              <a:rPr lang="en-US" sz="1800" dirty="0">
+                <a:latin typeface="Consolas" panose="020B0609020204030204" pitchFamily="49" charset="0"/>
+              </a:rPr>
+              <a:t>   end loop;</a:t>
+            </a:r>
+          </a:p>
+          <a:p>
+            <a:pPr marL="274320" lvl="1" indent="0">
+              <a:spcBef>
+                <a:spcPts val="100"/>
+              </a:spcBef>
+              <a:buNone/>
+            </a:pPr>
+            <a:r>
+              <a:rPr lang="en-US" sz="1800" dirty="0">
+                <a:latin typeface="Consolas" panose="020B0609020204030204" pitchFamily="49" charset="0"/>
+              </a:rPr>
+              <a:t>end sort;</a:t>
             </a:r>
           </a:p>
         </p:txBody>
@@ -6677,10 +6566,85 @@
           </a:p>
         </p:txBody>
       </p:sp>
+      <p:sp>
+        <p:nvSpPr>
+          <p:cNvPr id="6" name="TextBox 5">
+            <a:extLst>
+              <a:ext uri="{FF2B5EF4-FFF2-40B4-BE49-F238E27FC236}">
+                <a16:creationId xmlns:a16="http://schemas.microsoft.com/office/drawing/2014/main" id="{8F11AE7A-C823-4944-84C7-53E522C9B76D}"/>
+              </a:ext>
+            </a:extLst>
+          </p:cNvPr>
+          <p:cNvSpPr txBox="1"/>
+          <p:nvPr/>
+        </p:nvSpPr>
+        <p:spPr>
+          <a:xfrm>
+            <a:off x="5056803" y="1799272"/>
+            <a:ext cx="3350597" cy="1477328"/>
+          </a:xfrm>
+          <a:prstGeom prst="rect">
+            <a:avLst/>
+          </a:prstGeom>
+          <a:noFill/>
+          <a:ln>
+            <a:solidFill>
+              <a:schemeClr val="tx1"/>
+            </a:solidFill>
+          </a:ln>
+        </p:spPr>
+        <p:txBody>
+          <a:bodyPr wrap="none" rtlCol="0">
+            <a:spAutoFit/>
+          </a:bodyPr>
+          <a:lstStyle/>
+          <a:p>
+            <a:pPr algn="l"/>
+            <a:r>
+              <a:rPr lang="en-US" sz="1800" dirty="0"/>
+              <a:t>Assume the following</a:t>
+            </a:r>
+            <a:br>
+              <a:rPr lang="en-US" sz="1800" dirty="0"/>
+            </a:br>
+            <a:r>
+              <a:rPr lang="en-US" sz="1800" dirty="0"/>
+              <a:t>global declarations:</a:t>
+            </a:r>
+          </a:p>
+          <a:p>
+            <a:pPr algn="l"/>
+            <a:r>
+              <a:rPr lang="en-US" sz="1800" dirty="0">
+                <a:latin typeface="Consolas" panose="020B0609020204030204" pitchFamily="49" charset="0"/>
+              </a:rPr>
+              <a:t>const arraySize := 10;</a:t>
+            </a:r>
+          </a:p>
+          <a:p>
+            <a:pPr algn="l"/>
+            <a:r>
+              <a:rPr lang="en-US" sz="1800" dirty="0">
+                <a:latin typeface="Consolas" panose="020B0609020204030204" pitchFamily="49" charset="0"/>
+              </a:rPr>
+              <a:t>type A = array[arraySize]</a:t>
+            </a:r>
+          </a:p>
+          <a:p>
+            <a:pPr algn="l"/>
+            <a:r>
+              <a:rPr lang="en-US" sz="1800" dirty="0">
+                <a:latin typeface="Consolas" panose="020B0609020204030204" pitchFamily="49" charset="0"/>
+              </a:rPr>
+              <a:t>    of Integer;</a:t>
+            </a:r>
+          </a:p>
+        </p:txBody>
+      </p:sp>
     </p:spTree>
     <p:extLst>
       <p:ext uri="{BB962C8B-B14F-4D97-AF65-F5344CB8AC3E}">
-        <p14:creationId xmlns:p14="http://schemas.microsoft.com/office/powerpoint/2010/main" val="430160516"/>
+        <p14:creationId xmlns:p14="http://schemas.microsoft.com/office/powerpoint/2010/main" val="3425479958"/>
       </p:ext>
     </p:extLst>
   </p:cSld>
@@ -6724,7 +6688,7 @@
           <a:p>
             <a:r>
               <a:rPr lang="en-US" dirty="0"/>
-              <a:t>Return Statements</a:t>
+              <a:t>Functions</a:t>
             </a:r>
           </a:p>
         </p:txBody>
@@ -6746,26 +6710,48 @@
           <a:p>
             <a:r>
               <a:rPr lang="en-US" dirty="0"/>
-              <a:t>A return statement terminates execution of a subprogram and returns control back to the point where the subprogram was called.</a:t>
-            </a:r>
-          </a:p>
-          <a:p>
-            <a:r>
-              <a:rPr lang="en-US" dirty="0"/>
-              <a:t>A return statement within a function must be followed by an expression whose value is returned by the function.</a:t>
-            </a:r>
-          </a:p>
-          <a:p>
-            <a:pPr lvl="1"/>
-            <a:r>
-              <a:rPr lang="en-US" dirty="0"/>
-              <a:t>type of the expression must be assignment compatible with the return type of the function</a:t>
-            </a:r>
-          </a:p>
-          <a:p>
-            <a:r>
-              <a:rPr lang="en-US" dirty="0"/>
-              <a:t>A return statement within a procedure must not be followed by an expression – it simply returns control to the statement following the procedure call statement.</a:t>
+              <a:t>Similar to procedures except that </a:t>
+            </a:r>
+            <a:r>
+              <a:rPr lang="en-US"/>
+              <a:t>functions return </a:t>
+            </a:r>
+            <a:r>
+              <a:rPr lang="en-US" dirty="0"/>
+              <a:t>values.</a:t>
+            </a:r>
+          </a:p>
+          <a:p>
+            <a:r>
+              <a:rPr lang="en-US" dirty="0"/>
+              <a:t>Function calls are expressions.</a:t>
+            </a:r>
+          </a:p>
+          <a:p>
+            <a:r>
+              <a:rPr lang="en-US" dirty="0"/>
+              <a:t>A function returns a value by executing a “</a:t>
+            </a:r>
+            <a:r>
+              <a:rPr lang="en-US" dirty="0">
+                <a:latin typeface="Consolas" panose="020B0609020204030204" pitchFamily="49" charset="0"/>
+              </a:rPr>
+              <a:t>return</a:t>
+            </a:r>
+            <a:r>
+              <a:rPr lang="en-US" dirty="0"/>
+              <a:t>” statement of the form</a:t>
+            </a:r>
+          </a:p>
+          <a:p>
+            <a:pPr marL="457200" lvl="1" indent="0">
+              <a:buNone/>
+            </a:pPr>
+            <a:r>
+              <a:rPr lang="en-US" dirty="0">
+                <a:latin typeface="Consolas" panose="020B0609020204030204" pitchFamily="49" charset="0"/>
+              </a:rPr>
+              <a:t>return &lt;expression&gt;;</a:t>
             </a:r>
           </a:p>
         </p:txBody>
@@ -6823,7 +6809,7 @@
     </p:spTree>
     <p:extLst>
       <p:ext uri="{BB962C8B-B14F-4D97-AF65-F5344CB8AC3E}">
-        <p14:creationId xmlns:p14="http://schemas.microsoft.com/office/powerpoint/2010/main" val="4075712894"/>
+        <p14:creationId xmlns:p14="http://schemas.microsoft.com/office/powerpoint/2010/main" val="3194764682"/>
       </p:ext>
     </p:extLst>
   </p:cSld>
@@ -6867,14 +6853,7 @@
           <a:p>
             <a:r>
               <a:rPr lang="en-US" dirty="0"/>
-              <a:t>Return Statements</a:t>
-            </a:r>
-            <a:br>
-              <a:rPr lang="en-US" dirty="0"/>
-            </a:br>
-            <a:r>
-              <a:rPr lang="en-US" sz="2400" dirty="0"/>
-              <a:t>(continued)</a:t>
+              <a:t>Function Example</a:t>
             </a:r>
           </a:p>
         </p:txBody>
@@ -6894,15 +6873,115 @@
           <a:bodyPr/>
           <a:lstStyle/>
           <a:p>
-            <a:r>
-              <a:rPr lang="en-US" dirty="0"/>
-              <a:t>A procedure has an implied return statement as its last statement, and therefore most procedures will not have an explicit return statement.</a:t>
-            </a:r>
-          </a:p>
-          <a:p>
-            <a:r>
-              <a:rPr lang="en-US" dirty="0"/>
-              <a:t>A function requires one or more return statements to return the function value.  There is no implicit return statement at the end of a function.</a:t>
+            <a:pPr marL="274320" lvl="1" indent="0">
+              <a:spcBef>
+                <a:spcPts val="200"/>
+              </a:spcBef>
+              <a:buNone/>
+            </a:pPr>
+            <a:r>
+              <a:rPr lang="en-US" sz="1800" dirty="0">
+                <a:latin typeface="Consolas" panose="020B0609020204030204" pitchFamily="49" charset="0"/>
+              </a:rPr>
+              <a:t>function max(x, y : Integer) return Integer is</a:t>
+            </a:r>
+          </a:p>
+          <a:p>
+            <a:pPr marL="274320" lvl="1" indent="0">
+              <a:spcBef>
+                <a:spcPts val="200"/>
+              </a:spcBef>
+              <a:buNone/>
+            </a:pPr>
+            <a:r>
+              <a:rPr lang="en-US" sz="1800" dirty="0">
+                <a:latin typeface="Consolas" panose="020B0609020204030204" pitchFamily="49" charset="0"/>
+              </a:rPr>
+              <a:t>begin</a:t>
+            </a:r>
+          </a:p>
+          <a:p>
+            <a:pPr marL="274320" lvl="1" indent="0">
+              <a:spcBef>
+                <a:spcPts val="200"/>
+              </a:spcBef>
+              <a:buNone/>
+            </a:pPr>
+            <a:r>
+              <a:rPr lang="en-US" sz="1800" dirty="0">
+                <a:latin typeface="Consolas" panose="020B0609020204030204" pitchFamily="49" charset="0"/>
+              </a:rPr>
+              <a:t>   if x &gt;= y then</a:t>
+            </a:r>
+          </a:p>
+          <a:p>
+            <a:pPr marL="274320" lvl="1" indent="0">
+              <a:spcBef>
+                <a:spcPts val="200"/>
+              </a:spcBef>
+              <a:buNone/>
+            </a:pPr>
+            <a:r>
+              <a:rPr lang="en-US" sz="1800" dirty="0">
+                <a:latin typeface="Consolas" panose="020B0609020204030204" pitchFamily="49" charset="0"/>
+              </a:rPr>
+              <a:t>      return x;</a:t>
+            </a:r>
+          </a:p>
+          <a:p>
+            <a:pPr marL="274320" lvl="1" indent="0">
+              <a:spcBef>
+                <a:spcPts val="200"/>
+              </a:spcBef>
+              <a:buNone/>
+            </a:pPr>
+            <a:r>
+              <a:rPr lang="en-US" sz="1800" dirty="0">
+                <a:latin typeface="Consolas" panose="020B0609020204030204" pitchFamily="49" charset="0"/>
+              </a:rPr>
+              <a:t>   else</a:t>
+            </a:r>
+          </a:p>
+          <a:p>
+            <a:pPr marL="274320" lvl="1" indent="0">
+              <a:spcBef>
+                <a:spcPts val="200"/>
+              </a:spcBef>
+              <a:buNone/>
+            </a:pPr>
+            <a:r>
+              <a:rPr lang="en-US" sz="1800" dirty="0">
+                <a:latin typeface="Consolas" panose="020B0609020204030204" pitchFamily="49" charset="0"/>
+              </a:rPr>
+              <a:t>      return y;</a:t>
+            </a:r>
+          </a:p>
+          <a:p>
+            <a:pPr marL="274320" lvl="1" indent="0">
+              <a:spcBef>
+                <a:spcPts val="200"/>
+              </a:spcBef>
+              <a:buNone/>
+            </a:pPr>
+            <a:r>
+              <a:rPr lang="en-US" sz="1800" dirty="0">
+                <a:latin typeface="Consolas" panose="020B0609020204030204" pitchFamily="49" charset="0"/>
+              </a:rPr>
+              <a:t>   end if;</a:t>
+            </a:r>
+          </a:p>
+          <a:p>
+            <a:pPr marL="274320" lvl="1" indent="0">
+              <a:spcBef>
+                <a:spcPts val="200"/>
+              </a:spcBef>
+              <a:buNone/>
+            </a:pPr>
+            <a:r>
+              <a:rPr lang="en-US" sz="1800" dirty="0">
+                <a:latin typeface="Consolas" panose="020B0609020204030204" pitchFamily="49" charset="0"/>
+              </a:rPr>
+              <a:t>end max;</a:t>
             </a:r>
           </a:p>
         </p:txBody>
@@ -6960,7 +7039,7 @@
     </p:spTree>
     <p:extLst>
       <p:ext uri="{BB962C8B-B14F-4D97-AF65-F5344CB8AC3E}">
-        <p14:creationId xmlns:p14="http://schemas.microsoft.com/office/powerpoint/2010/main" val="1139638818"/>
+        <p14:creationId xmlns:p14="http://schemas.microsoft.com/office/powerpoint/2010/main" val="3811016819"/>
       </p:ext>
     </p:extLst>
   </p:cSld>
@@ -6989,13 +7068,7 @@
       </p:grpSpPr>
       <p:sp>
         <p:nvSpPr>
-          <p:cNvPr id="2" name="Title 1">
-            <a:extLst>
-              <a:ext uri="{FF2B5EF4-FFF2-40B4-BE49-F238E27FC236}">
-                <a16:creationId xmlns:a16="http://schemas.microsoft.com/office/drawing/2014/main" id="{1EB57800-CEF0-4750-BB6E-B52AF187C824}"/>
-              </a:ext>
-            </a:extLst>
-          </p:cNvPr>
+          <p:cNvPr id="2" name="Title 1"/>
           <p:cNvSpPr>
             <a:spLocks noGrp="1"/>
           </p:cNvSpPr>
@@ -7010,120 +7083,141 @@
           <a:p>
             <a:r>
               <a:rPr lang="en-US" dirty="0"/>
-              <a:t>The CPRL/</a:t>
+              <a:t>Parameters</a:t>
+            </a:r>
+          </a:p>
+        </p:txBody>
+      </p:sp>
+      <p:sp>
+        <p:nvSpPr>
+          <p:cNvPr id="3" name="Content Placeholder 2"/>
+          <p:cNvSpPr>
+            <a:spLocks noGrp="1"/>
+          </p:cNvSpPr>
+          <p:nvPr>
+            <p:ph idx="1"/>
+          </p:nvPr>
+        </p:nvSpPr>
+        <p:spPr/>
+        <p:txBody>
+          <a:bodyPr/>
+          <a:lstStyle/>
+          <a:p>
+            <a:r>
+              <a:rPr lang="en-US" dirty="0"/>
+              <a:t>There are two parameter modes in CPRL, value parameters and variable parameters.</a:t>
+            </a:r>
+          </a:p>
+          <a:p>
+            <a:r>
+              <a:rPr lang="en-US" dirty="0"/>
+              <a:t>Value parameters are passed by value (a.k.a. copy-in) and are the default.</a:t>
+            </a:r>
+          </a:p>
+          <a:p>
+            <a:r>
+              <a:rPr lang="en-US" dirty="0"/>
+              <a:t>Variable parameters are passed by reference and must be explicitly declared using the “</a:t>
             </a:r>
             <a:r>
               <a:rPr lang="en-US" dirty="0">
                 <a:latin typeface="Consolas" panose="020B0609020204030204" pitchFamily="49" charset="0"/>
               </a:rPr>
-              <a:t>0</a:t>
-            </a:r>
-            <a:r>
-              <a:rPr lang="en-US" dirty="0"/>
-              <a:t> Subset of CPRL</a:t>
-            </a:r>
-          </a:p>
-        </p:txBody>
-      </p:sp>
-      <p:sp>
-        <p:nvSpPr>
-          <p:cNvPr id="3" name="Content Placeholder 2">
-            <a:extLst>
-              <a:ext uri="{FF2B5EF4-FFF2-40B4-BE49-F238E27FC236}">
-                <a16:creationId xmlns:a16="http://schemas.microsoft.com/office/drawing/2014/main" id="{B04C3A60-ADE2-4587-8C44-11D9299A9D87}"/>
-              </a:ext>
-            </a:extLst>
-          </p:cNvPr>
-          <p:cNvSpPr>
-            <a:spLocks noGrp="1"/>
-          </p:cNvSpPr>
-          <p:nvPr>
-            <p:ph idx="1"/>
-          </p:nvPr>
-        </p:nvSpPr>
-        <p:spPr/>
-        <p:txBody>
-          <a:bodyPr/>
-          <a:lstStyle/>
-          <a:p>
-            <a:r>
-              <a:rPr lang="en-US" dirty="0"/>
-              <a:t>That part of the language </a:t>
-            </a:r>
-            <a:r>
-              <a:rPr lang="en-US" b="1" dirty="0"/>
-              <a:t>not</a:t>
-            </a:r>
-            <a:r>
-              <a:rPr lang="en-US" dirty="0"/>
-              <a:t> related to subprograms and arrays.</a:t>
-            </a:r>
-          </a:p>
-          <a:p>
-            <a:r>
-              <a:rPr lang="en-US" dirty="0"/>
-              <a:t>Includes</a:t>
-            </a:r>
-          </a:p>
-          <a:p>
-            <a:pPr lvl="1"/>
-            <a:r>
-              <a:rPr lang="en-US" dirty="0"/>
-              <a:t>programs			–  predefined types</a:t>
-            </a:r>
-          </a:p>
-          <a:p>
-            <a:pPr lvl="1"/>
-            <a:r>
-              <a:rPr lang="en-US" dirty="0"/>
-              <a:t>constant declarations	–  variable declarations</a:t>
-            </a:r>
-          </a:p>
-          <a:p>
-            <a:pPr lvl="1"/>
-            <a:r>
-              <a:rPr lang="en-US" dirty="0"/>
-              <a:t>most statements</a:t>
-            </a:r>
-          </a:p>
-          <a:p>
-            <a:r>
-              <a:rPr lang="en-US" dirty="0"/>
-              <a:t>Excludes</a:t>
-            </a:r>
-          </a:p>
-          <a:p>
-            <a:pPr lvl="1"/>
-            <a:r>
-              <a:rPr lang="en-US" dirty="0"/>
-              <a:t>array type declarations	–  subprogram declarations</a:t>
-            </a:r>
-          </a:p>
-          <a:p>
-            <a:pPr lvl="1"/>
-            <a:r>
-              <a:rPr lang="en-US" dirty="0"/>
-              <a:t>function call expressions	–  procedure call statements</a:t>
-            </a:r>
-          </a:p>
-          <a:p>
-            <a:pPr lvl="1"/>
-            <a:r>
-              <a:rPr lang="en-US" dirty="0"/>
-              <a:t>return statements</a:t>
-            </a:r>
-          </a:p>
-        </p:txBody>
-      </p:sp>
-      <p:sp>
-        <p:nvSpPr>
-          <p:cNvPr id="4" name="Footer Placeholder 3">
-            <a:extLst>
-              <a:ext uri="{FF2B5EF4-FFF2-40B4-BE49-F238E27FC236}">
-                <a16:creationId xmlns:a16="http://schemas.microsoft.com/office/drawing/2014/main" id="{BC68D305-497C-4BDA-88C4-C6B2514934FE}"/>
-              </a:ext>
-            </a:extLst>
-          </p:cNvPr>
+              <a:t>var</a:t>
+            </a:r>
+            <a:r>
+              <a:rPr lang="en-US" dirty="0"/>
+              <a:t>” keyword as in</a:t>
+            </a:r>
+          </a:p>
+          <a:p>
+            <a:pPr marL="457200" lvl="1" indent="0">
+              <a:buNone/>
+            </a:pPr>
+            <a:r>
+              <a:rPr lang="en-US" sz="1800" dirty="0">
+                <a:latin typeface="Consolas" panose="020B0609020204030204" pitchFamily="49" charset="0"/>
+              </a:rPr>
+              <a:t>procedure </a:t>
+            </a:r>
+            <a:r>
+              <a:rPr lang="en-US" sz="1800" dirty="0" err="1">
+                <a:latin typeface="Consolas" panose="020B0609020204030204" pitchFamily="49" charset="0"/>
+              </a:rPr>
+              <a:t>inc</a:t>
+            </a:r>
+            <a:r>
+              <a:rPr lang="en-US" sz="1800" dirty="0">
+                <a:latin typeface="Consolas" panose="020B0609020204030204" pitchFamily="49" charset="0"/>
+              </a:rPr>
+              <a:t>(var x : Integer) is</a:t>
+            </a:r>
+          </a:p>
+          <a:p>
+            <a:pPr marL="457200" lvl="1" indent="0">
+              <a:spcBef>
+                <a:spcPts val="300"/>
+              </a:spcBef>
+              <a:buNone/>
+            </a:pPr>
+            <a:r>
+              <a:rPr lang="en-US" sz="1800" dirty="0">
+                <a:latin typeface="Consolas" panose="020B0609020204030204" pitchFamily="49" charset="0"/>
+              </a:rPr>
+              <a:t>begin</a:t>
+            </a:r>
+          </a:p>
+          <a:p>
+            <a:pPr marL="457200" lvl="1" indent="0">
+              <a:spcBef>
+                <a:spcPts val="300"/>
+              </a:spcBef>
+              <a:buNone/>
+            </a:pPr>
+            <a:r>
+              <a:rPr lang="en-US" sz="1800" dirty="0">
+                <a:latin typeface="Consolas" panose="020B0609020204030204" pitchFamily="49" charset="0"/>
+              </a:rPr>
+              <a:t>   x := x + 1;</a:t>
+            </a:r>
+          </a:p>
+          <a:p>
+            <a:pPr marL="457200" lvl="1" indent="0">
+              <a:spcBef>
+                <a:spcPts val="300"/>
+              </a:spcBef>
+              <a:buNone/>
+            </a:pPr>
+            <a:r>
+              <a:rPr lang="en-US" sz="1800" dirty="0">
+                <a:latin typeface="Consolas" panose="020B0609020204030204" pitchFamily="49" charset="0"/>
+              </a:rPr>
+              <a:t>end </a:t>
+            </a:r>
+            <a:r>
+              <a:rPr lang="en-US" sz="1800" dirty="0" err="1">
+                <a:latin typeface="Consolas" panose="020B0609020204030204" pitchFamily="49" charset="0"/>
+              </a:rPr>
+              <a:t>inc</a:t>
+            </a:r>
+            <a:r>
+              <a:rPr lang="en-US" sz="1800" dirty="0">
+                <a:latin typeface="Consolas" panose="020B0609020204030204" pitchFamily="49" charset="0"/>
+              </a:rPr>
+              <a:t>;</a:t>
+            </a:r>
+          </a:p>
+          <a:p>
+            <a:r>
+              <a:rPr lang="en-US" dirty="0"/>
+              <a:t>Functions cannot have variable parameters.</a:t>
+            </a:r>
+          </a:p>
+        </p:txBody>
+      </p:sp>
+      <p:sp>
+        <p:nvSpPr>
+          <p:cNvPr id="4" name="Footer Placeholder 3"/>
           <p:cNvSpPr>
             <a:spLocks noGrp="1"/>
           </p:cNvSpPr>
@@ -7145,13 +7239,7 @@
       </p:sp>
       <p:sp>
         <p:nvSpPr>
-          <p:cNvPr id="5" name="Slide Number Placeholder 4">
-            <a:extLst>
-              <a:ext uri="{FF2B5EF4-FFF2-40B4-BE49-F238E27FC236}">
-                <a16:creationId xmlns:a16="http://schemas.microsoft.com/office/drawing/2014/main" id="{1DED21D8-C989-42DF-B407-0193F891C8C3}"/>
-              </a:ext>
-            </a:extLst>
-          </p:cNvPr>
+          <p:cNvPr id="5" name="Slide Number Placeholder 4"/>
           <p:cNvSpPr>
             <a:spLocks noGrp="1"/>
           </p:cNvSpPr>
@@ -7180,7 +7268,150 @@
     </p:spTree>
     <p:extLst>
       <p:ext uri="{BB962C8B-B14F-4D97-AF65-F5344CB8AC3E}">
-        <p14:creationId xmlns:p14="http://schemas.microsoft.com/office/powerpoint/2010/main" val="10955341"/>
+        <p14:creationId xmlns:p14="http://schemas.microsoft.com/office/powerpoint/2010/main" val="430160516"/>
+      </p:ext>
+    </p:extLst>
+  </p:cSld>
+  <p:clrMapOvr>
+    <a:masterClrMapping/>
+  </p:clrMapOvr>
+</p:sld>
+</file>
+
+<file path=ppt/slides/slide29.xml><?xml version="1.0" encoding="utf-8"?>
+<p:sld xmlns:a="http://schemas.openxmlformats.org/drawingml/2006/main" xmlns:r="http://schemas.openxmlformats.org/officeDocument/2006/relationships" xmlns:p="http://schemas.openxmlformats.org/presentationml/2006/main">
+  <p:cSld>
+    <p:spTree>
+      <p:nvGrpSpPr>
+        <p:cNvPr id="1" name=""/>
+        <p:cNvGrpSpPr/>
+        <p:nvPr/>
+      </p:nvGrpSpPr>
+      <p:grpSpPr>
+        <a:xfrm>
+          <a:off x="0" y="0"/>
+          <a:ext cx="0" cy="0"/>
+          <a:chOff x="0" y="0"/>
+          <a:chExt cx="0" cy="0"/>
+        </a:xfrm>
+      </p:grpSpPr>
+      <p:sp>
+        <p:nvSpPr>
+          <p:cNvPr id="2" name="Title 1"/>
+          <p:cNvSpPr>
+            <a:spLocks noGrp="1"/>
+          </p:cNvSpPr>
+          <p:nvPr>
+            <p:ph type="title"/>
+          </p:nvPr>
+        </p:nvSpPr>
+        <p:spPr/>
+        <p:txBody>
+          <a:bodyPr/>
+          <a:lstStyle/>
+          <a:p>
+            <a:r>
+              <a:rPr lang="en-US" dirty="0"/>
+              <a:t>Return Statements</a:t>
+            </a:r>
+          </a:p>
+        </p:txBody>
+      </p:sp>
+      <p:sp>
+        <p:nvSpPr>
+          <p:cNvPr id="3" name="Content Placeholder 2"/>
+          <p:cNvSpPr>
+            <a:spLocks noGrp="1"/>
+          </p:cNvSpPr>
+          <p:nvPr>
+            <p:ph idx="1"/>
+          </p:nvPr>
+        </p:nvSpPr>
+        <p:spPr/>
+        <p:txBody>
+          <a:bodyPr/>
+          <a:lstStyle/>
+          <a:p>
+            <a:r>
+              <a:rPr lang="en-US" dirty="0"/>
+              <a:t>A return statement terminates execution of a subprogram and returns control back to the point where the subprogram was called.</a:t>
+            </a:r>
+          </a:p>
+          <a:p>
+            <a:r>
+              <a:rPr lang="en-US" dirty="0"/>
+              <a:t>A return statement within a function must be followed by an expression whose value is returned by the function.</a:t>
+            </a:r>
+          </a:p>
+          <a:p>
+            <a:pPr lvl="1"/>
+            <a:r>
+              <a:rPr lang="en-US" dirty="0"/>
+              <a:t>type of the expression must be assignment compatible with the return type of the function</a:t>
+            </a:r>
+          </a:p>
+          <a:p>
+            <a:r>
+              <a:rPr lang="en-US" dirty="0"/>
+              <a:t>A return statement within a procedure must not be followed by an expression – it simply returns control to the statement following the procedure call statement.</a:t>
+            </a:r>
+          </a:p>
+        </p:txBody>
+      </p:sp>
+      <p:sp>
+        <p:nvSpPr>
+          <p:cNvPr id="4" name="Footer Placeholder 3"/>
+          <p:cNvSpPr>
+            <a:spLocks noGrp="1"/>
+          </p:cNvSpPr>
+          <p:nvPr>
+            <p:ph type="ftr" sz="quarter" idx="10"/>
+          </p:nvPr>
+        </p:nvSpPr>
+        <p:spPr/>
+        <p:txBody>
+          <a:bodyPr/>
+          <a:lstStyle/>
+          <a:p>
+            <a:r>
+              <a:rPr lang="en-US"/>
+              <a:t>©SoftMoore Consulting</a:t>
+            </a:r>
+          </a:p>
+        </p:txBody>
+      </p:sp>
+      <p:sp>
+        <p:nvSpPr>
+          <p:cNvPr id="5" name="Slide Number Placeholder 4"/>
+          <p:cNvSpPr>
+            <a:spLocks noGrp="1"/>
+          </p:cNvSpPr>
+          <p:nvPr>
+            <p:ph type="sldNum" sz="quarter" idx="11"/>
+          </p:nvPr>
+        </p:nvSpPr>
+        <p:spPr/>
+        <p:txBody>
+          <a:bodyPr/>
+          <a:lstStyle/>
+          <a:p>
+            <a:r>
+              <a:rPr lang="en-US"/>
+              <a:t>Slide </a:t>
+            </a:r>
+            <a:fld id="{A389BBEE-9217-4607-B20A-4E4F28539A38}" type="slidenum">
+              <a:rPr lang="en-US" smtClean="0"/>
+              <a:pPr/>
+              <a:t>29</a:t>
+            </a:fld>
+            <a:endParaRPr lang="en-US"/>
+          </a:p>
+        </p:txBody>
+      </p:sp>
+    </p:spTree>
+    <p:extLst>
+      <p:ext uri="{BB962C8B-B14F-4D97-AF65-F5344CB8AC3E}">
+        <p14:creationId xmlns:p14="http://schemas.microsoft.com/office/powerpoint/2010/main" val="4075712894"/>
       </p:ext>
     </p:extLst>
   </p:cSld>
@@ -7342,6 +7573,363 @@
     <p:extLst>
       <p:ext uri="{BB962C8B-B14F-4D97-AF65-F5344CB8AC3E}">
         <p14:creationId xmlns:p14="http://schemas.microsoft.com/office/powerpoint/2010/main" val="4129079381"/>
+      </p:ext>
+    </p:extLst>
+  </p:cSld>
+  <p:clrMapOvr>
+    <a:masterClrMapping/>
+  </p:clrMapOvr>
+</p:sld>
+</file>
+
+<file path=ppt/slides/slide30.xml><?xml version="1.0" encoding="utf-8"?>
+<p:sld xmlns:a="http://schemas.openxmlformats.org/drawingml/2006/main" xmlns:r="http://schemas.openxmlformats.org/officeDocument/2006/relationships" xmlns:p="http://schemas.openxmlformats.org/presentationml/2006/main">
+  <p:cSld>
+    <p:spTree>
+      <p:nvGrpSpPr>
+        <p:cNvPr id="1" name=""/>
+        <p:cNvGrpSpPr/>
+        <p:nvPr/>
+      </p:nvGrpSpPr>
+      <p:grpSpPr>
+        <a:xfrm>
+          <a:off x="0" y="0"/>
+          <a:ext cx="0" cy="0"/>
+          <a:chOff x="0" y="0"/>
+          <a:chExt cx="0" cy="0"/>
+        </a:xfrm>
+      </p:grpSpPr>
+      <p:sp>
+        <p:nvSpPr>
+          <p:cNvPr id="2" name="Title 1"/>
+          <p:cNvSpPr>
+            <a:spLocks noGrp="1"/>
+          </p:cNvSpPr>
+          <p:nvPr>
+            <p:ph type="title"/>
+          </p:nvPr>
+        </p:nvSpPr>
+        <p:spPr/>
+        <p:txBody>
+          <a:bodyPr/>
+          <a:lstStyle/>
+          <a:p>
+            <a:r>
+              <a:rPr lang="en-US" dirty="0"/>
+              <a:t>Return Statements</a:t>
+            </a:r>
+            <a:br>
+              <a:rPr lang="en-US" dirty="0"/>
+            </a:br>
+            <a:r>
+              <a:rPr lang="en-US" sz="2400" dirty="0"/>
+              <a:t>(continued)</a:t>
+            </a:r>
+          </a:p>
+        </p:txBody>
+      </p:sp>
+      <p:sp>
+        <p:nvSpPr>
+          <p:cNvPr id="3" name="Content Placeholder 2"/>
+          <p:cNvSpPr>
+            <a:spLocks noGrp="1"/>
+          </p:cNvSpPr>
+          <p:nvPr>
+            <p:ph idx="1"/>
+          </p:nvPr>
+        </p:nvSpPr>
+        <p:spPr/>
+        <p:txBody>
+          <a:bodyPr/>
+          <a:lstStyle/>
+          <a:p>
+            <a:r>
+              <a:rPr lang="en-US" dirty="0"/>
+              <a:t>A procedure has an implied return statement as its last statement, and therefore most procedures will not have an explicit return statement.</a:t>
+            </a:r>
+          </a:p>
+          <a:p>
+            <a:r>
+              <a:rPr lang="en-US" dirty="0"/>
+              <a:t>A function requires one or more return statements to return the function value.  There is no implicit return statement at the end of a function.</a:t>
+            </a:r>
+          </a:p>
+        </p:txBody>
+      </p:sp>
+      <p:sp>
+        <p:nvSpPr>
+          <p:cNvPr id="4" name="Footer Placeholder 3"/>
+          <p:cNvSpPr>
+            <a:spLocks noGrp="1"/>
+          </p:cNvSpPr>
+          <p:nvPr>
+            <p:ph type="ftr" sz="quarter" idx="10"/>
+          </p:nvPr>
+        </p:nvSpPr>
+        <p:spPr/>
+        <p:txBody>
+          <a:bodyPr/>
+          <a:lstStyle/>
+          <a:p>
+            <a:r>
+              <a:rPr lang="en-US"/>
+              <a:t>©SoftMoore Consulting</a:t>
+            </a:r>
+          </a:p>
+        </p:txBody>
+      </p:sp>
+      <p:sp>
+        <p:nvSpPr>
+          <p:cNvPr id="5" name="Slide Number Placeholder 4"/>
+          <p:cNvSpPr>
+            <a:spLocks noGrp="1"/>
+          </p:cNvSpPr>
+          <p:nvPr>
+            <p:ph type="sldNum" sz="quarter" idx="11"/>
+          </p:nvPr>
+        </p:nvSpPr>
+        <p:spPr/>
+        <p:txBody>
+          <a:bodyPr/>
+          <a:lstStyle/>
+          <a:p>
+            <a:r>
+              <a:rPr lang="en-US"/>
+              <a:t>Slide </a:t>
+            </a:r>
+            <a:fld id="{A389BBEE-9217-4607-B20A-4E4F28539A38}" type="slidenum">
+              <a:rPr lang="en-US" smtClean="0"/>
+              <a:pPr/>
+              <a:t>30</a:t>
+            </a:fld>
+            <a:endParaRPr lang="en-US"/>
+          </a:p>
+        </p:txBody>
+      </p:sp>
+    </p:spTree>
+    <p:extLst>
+      <p:ext uri="{BB962C8B-B14F-4D97-AF65-F5344CB8AC3E}">
+        <p14:creationId xmlns:p14="http://schemas.microsoft.com/office/powerpoint/2010/main" val="1139638818"/>
+      </p:ext>
+    </p:extLst>
+  </p:cSld>
+  <p:clrMapOvr>
+    <a:masterClrMapping/>
+  </p:clrMapOvr>
+</p:sld>
+</file>
+
+<file path=ppt/slides/slide31.xml><?xml version="1.0" encoding="utf-8"?>
+<p:sld xmlns:a="http://schemas.openxmlformats.org/drawingml/2006/main" xmlns:r="http://schemas.openxmlformats.org/officeDocument/2006/relationships" xmlns:p="http://schemas.openxmlformats.org/presentationml/2006/main">
+  <p:cSld>
+    <p:spTree>
+      <p:nvGrpSpPr>
+        <p:cNvPr id="1" name=""/>
+        <p:cNvGrpSpPr/>
+        <p:nvPr/>
+      </p:nvGrpSpPr>
+      <p:grpSpPr>
+        <a:xfrm>
+          <a:off x="0" y="0"/>
+          <a:ext cx="0" cy="0"/>
+          <a:chOff x="0" y="0"/>
+          <a:chExt cx="0" cy="0"/>
+        </a:xfrm>
+      </p:grpSpPr>
+      <p:sp>
+        <p:nvSpPr>
+          <p:cNvPr id="2" name="Title 1">
+            <a:extLst>
+              <a:ext uri="{FF2B5EF4-FFF2-40B4-BE49-F238E27FC236}">
+                <a16:creationId xmlns:a16="http://schemas.microsoft.com/office/drawing/2014/main" id="{1EB57800-CEF0-4750-BB6E-B52AF187C824}"/>
+              </a:ext>
+            </a:extLst>
+          </p:cNvPr>
+          <p:cNvSpPr>
+            <a:spLocks noGrp="1"/>
+          </p:cNvSpPr>
+          <p:nvPr>
+            <p:ph type="title"/>
+          </p:nvPr>
+        </p:nvSpPr>
+        <p:spPr/>
+        <p:txBody>
+          <a:bodyPr/>
+          <a:lstStyle/>
+          <a:p>
+            <a:r>
+              <a:rPr lang="en-US" dirty="0"/>
+              <a:t>The CPRL/</a:t>
+            </a:r>
+            <a:r>
+              <a:rPr lang="en-US" dirty="0">
+                <a:latin typeface="Consolas" panose="020B0609020204030204" pitchFamily="49" charset="0"/>
+              </a:rPr>
+              <a:t>0</a:t>
+            </a:r>
+            <a:r>
+              <a:rPr lang="en-US" dirty="0"/>
+              <a:t> Subset of CPRL</a:t>
+            </a:r>
+          </a:p>
+        </p:txBody>
+      </p:sp>
+      <p:sp>
+        <p:nvSpPr>
+          <p:cNvPr id="3" name="Content Placeholder 2">
+            <a:extLst>
+              <a:ext uri="{FF2B5EF4-FFF2-40B4-BE49-F238E27FC236}">
+                <a16:creationId xmlns:a16="http://schemas.microsoft.com/office/drawing/2014/main" id="{B04C3A60-ADE2-4587-8C44-11D9299A9D87}"/>
+              </a:ext>
+            </a:extLst>
+          </p:cNvPr>
+          <p:cNvSpPr>
+            <a:spLocks noGrp="1"/>
+          </p:cNvSpPr>
+          <p:nvPr>
+            <p:ph idx="1"/>
+          </p:nvPr>
+        </p:nvSpPr>
+        <p:spPr/>
+        <p:txBody>
+          <a:bodyPr/>
+          <a:lstStyle/>
+          <a:p>
+            <a:r>
+              <a:rPr lang="en-US" dirty="0"/>
+              <a:t>That part of the language </a:t>
+            </a:r>
+            <a:r>
+              <a:rPr lang="en-US" b="1" dirty="0"/>
+              <a:t>not</a:t>
+            </a:r>
+            <a:r>
+              <a:rPr lang="en-US" dirty="0"/>
+              <a:t> related to subprograms and arrays.</a:t>
+            </a:r>
+          </a:p>
+          <a:p>
+            <a:r>
+              <a:rPr lang="en-US" dirty="0"/>
+              <a:t>Includes</a:t>
+            </a:r>
+          </a:p>
+          <a:p>
+            <a:pPr lvl="1"/>
+            <a:r>
+              <a:rPr lang="en-US" dirty="0"/>
+              <a:t>programs			–  predefined types</a:t>
+            </a:r>
+          </a:p>
+          <a:p>
+            <a:pPr lvl="1"/>
+            <a:r>
+              <a:rPr lang="en-US" dirty="0"/>
+              <a:t>constant declarations	–  variable declarations</a:t>
+            </a:r>
+          </a:p>
+          <a:p>
+            <a:pPr lvl="1"/>
+            <a:r>
+              <a:rPr lang="en-US" dirty="0"/>
+              <a:t>most statements</a:t>
+            </a:r>
+          </a:p>
+          <a:p>
+            <a:r>
+              <a:rPr lang="en-US" dirty="0"/>
+              <a:t>Excludes</a:t>
+            </a:r>
+          </a:p>
+          <a:p>
+            <a:pPr lvl="1"/>
+            <a:r>
+              <a:rPr lang="en-US" dirty="0"/>
+              <a:t>array type declarations	–  subprogram declarations</a:t>
+            </a:r>
+          </a:p>
+          <a:p>
+            <a:pPr lvl="1"/>
+            <a:r>
+              <a:rPr lang="en-US" dirty="0"/>
+              <a:t>function call expressions	–  procedure call statements</a:t>
+            </a:r>
+          </a:p>
+          <a:p>
+            <a:pPr lvl="1"/>
+            <a:r>
+              <a:rPr lang="en-US" dirty="0"/>
+              <a:t>return statements</a:t>
+            </a:r>
+          </a:p>
+        </p:txBody>
+      </p:sp>
+      <p:sp>
+        <p:nvSpPr>
+          <p:cNvPr id="4" name="Footer Placeholder 3">
+            <a:extLst>
+              <a:ext uri="{FF2B5EF4-FFF2-40B4-BE49-F238E27FC236}">
+                <a16:creationId xmlns:a16="http://schemas.microsoft.com/office/drawing/2014/main" id="{BC68D305-497C-4BDA-88C4-C6B2514934FE}"/>
+              </a:ext>
+            </a:extLst>
+          </p:cNvPr>
+          <p:cNvSpPr>
+            <a:spLocks noGrp="1"/>
+          </p:cNvSpPr>
+          <p:nvPr>
+            <p:ph type="ftr" sz="quarter" idx="10"/>
+          </p:nvPr>
+        </p:nvSpPr>
+        <p:spPr/>
+        <p:txBody>
+          <a:bodyPr/>
+          <a:lstStyle/>
+          <a:p>
+            <a:r>
+              <a:rPr lang="en-US"/>
+              <a:t>©SoftMoore Consulting</a:t>
+            </a:r>
+          </a:p>
+        </p:txBody>
+      </p:sp>
+      <p:sp>
+        <p:nvSpPr>
+          <p:cNvPr id="5" name="Slide Number Placeholder 4">
+            <a:extLst>
+              <a:ext uri="{FF2B5EF4-FFF2-40B4-BE49-F238E27FC236}">
+                <a16:creationId xmlns:a16="http://schemas.microsoft.com/office/drawing/2014/main" id="{1DED21D8-C989-42DF-B407-0193F891C8C3}"/>
+              </a:ext>
+            </a:extLst>
+          </p:cNvPr>
+          <p:cNvSpPr>
+            <a:spLocks noGrp="1"/>
+          </p:cNvSpPr>
+          <p:nvPr>
+            <p:ph type="sldNum" sz="quarter" idx="11"/>
+          </p:nvPr>
+        </p:nvSpPr>
+        <p:spPr/>
+        <p:txBody>
+          <a:bodyPr/>
+          <a:lstStyle/>
+          <a:p>
+            <a:r>
+              <a:rPr lang="en-US"/>
+              <a:t>Slide </a:t>
+            </a:r>
+            <a:fld id="{A389BBEE-9217-4607-B20A-4E4F28539A38}" type="slidenum">
+              <a:rPr lang="en-US" smtClean="0"/>
+              <a:pPr/>
+              <a:t>31</a:t>
+            </a:fld>
+            <a:endParaRPr lang="en-US"/>
+          </a:p>
+        </p:txBody>
+      </p:sp>
+    </p:spTree>
+    <p:extLst>
+      <p:ext uri="{BB962C8B-B14F-4D97-AF65-F5344CB8AC3E}">
+        <p14:creationId xmlns:p14="http://schemas.microsoft.com/office/powerpoint/2010/main" val="10955341"/>
       </p:ext>
     </p:extLst>
   </p:cSld>
@@ -8406,7 +8994,13 @@
       </p:grpSpPr>
       <p:sp>
         <p:nvSpPr>
-          <p:cNvPr id="2" name="Title 1"/>
+          <p:cNvPr id="2" name="Title 1">
+            <a:extLst>
+              <a:ext uri="{FF2B5EF4-FFF2-40B4-BE49-F238E27FC236}">
+                <a16:creationId xmlns:a16="http://schemas.microsoft.com/office/drawing/2014/main" id="{95BDD0CD-680C-47F0-B74B-F7FDCEBEC288}"/>
+              </a:ext>
+            </a:extLst>
+          </p:cNvPr>
           <p:cNvSpPr>
             <a:spLocks noGrp="1"/>
           </p:cNvSpPr>
@@ -8421,14 +9015,20 @@
           <a:p>
             <a:r>
               <a:rPr lang="en-US" dirty="0"/>
-              <a:t>Typing in CPRL</a:t>
-            </a:r>
-          </a:p>
-        </p:txBody>
-      </p:sp>
-      <p:sp>
-        <p:nvSpPr>
-          <p:cNvPr id="3" name="Content Placeholder 2"/>
+              <a:t>Declarations, Statements, and Expressions</a:t>
+            </a:r>
+          </a:p>
+        </p:txBody>
+      </p:sp>
+      <p:sp>
+        <p:nvSpPr>
+          <p:cNvPr id="3" name="Content Placeholder 2">
+            <a:extLst>
+              <a:ext uri="{FF2B5EF4-FFF2-40B4-BE49-F238E27FC236}">
+                <a16:creationId xmlns:a16="http://schemas.microsoft.com/office/drawing/2014/main" id="{28AE150E-8F8F-4602-A7BD-DCD7B1A43FB7}"/>
+              </a:ext>
+            </a:extLst>
+          </p:cNvPr>
           <p:cNvSpPr>
             <a:spLocks noGrp="1"/>
           </p:cNvSpPr>
@@ -8441,33 +9041,55 @@
           <a:bodyPr/>
           <a:lstStyle/>
           <a:p>
-            <a:pPr marL="0" indent="0">
-              <a:buNone/>
-            </a:pPr>
-            <a:r>
-              <a:rPr lang="en-US" dirty="0"/>
-              <a:t>CPRL is a statically typed language.</a:t>
-            </a:r>
-          </a:p>
-          <a:p>
-            <a:pPr lvl="0"/>
-            <a:r>
-              <a:rPr lang="en-US" dirty="0"/>
-              <a:t>Every variable or constant in the language belongs to exactly one type.</a:t>
-            </a:r>
-          </a:p>
-          <a:p>
-            <a:pPr lvl="0"/>
-            <a:r>
-              <a:rPr lang="en-US" dirty="0"/>
-              <a:t>Type is a static property and can be determined by the compiler.  (Allows error detection at compile time.)</a:t>
-            </a:r>
-          </a:p>
-        </p:txBody>
-      </p:sp>
-      <p:sp>
-        <p:nvSpPr>
-          <p:cNvPr id="4" name="Footer Placeholder 3"/>
+            <a:r>
+              <a:rPr lang="en-US" dirty="0"/>
+              <a:t>The three major syntactic categories in CPRL programs are declarations, statements, and expressions.</a:t>
+            </a:r>
+          </a:p>
+          <a:p>
+            <a:r>
+              <a:rPr lang="en-US" dirty="0"/>
+              <a:t>Declarations introduce new names (user-defined identifiers) into the program.</a:t>
+            </a:r>
+          </a:p>
+          <a:p>
+            <a:pPr lvl="1"/>
+            <a:r>
+              <a:rPr lang="en-US" dirty="0"/>
+              <a:t>Examples include variable declarations, array type declarations, and procedure declarations.</a:t>
+            </a:r>
+          </a:p>
+          <a:p>
+            <a:pPr lvl="1"/>
+            <a:r>
+              <a:rPr lang="en-US" dirty="0"/>
+              <a:t>A declaration must take place before the name being introduced can be used</a:t>
+            </a:r>
+          </a:p>
+          <a:p>
+            <a:r>
+              <a:rPr lang="en-US" dirty="0"/>
+              <a:t>Statements perform basic actions or control the flow of execution.</a:t>
+            </a:r>
+          </a:p>
+          <a:p>
+            <a:pPr lvl="1"/>
+            <a:r>
+              <a:rPr lang="en-US" dirty="0"/>
+              <a:t>Examples include assignment statements, loop statements, and if statements.</a:t>
+            </a:r>
+          </a:p>
+        </p:txBody>
+      </p:sp>
+      <p:sp>
+        <p:nvSpPr>
+          <p:cNvPr id="4" name="Footer Placeholder 3">
+            <a:extLst>
+              <a:ext uri="{FF2B5EF4-FFF2-40B4-BE49-F238E27FC236}">
+                <a16:creationId xmlns:a16="http://schemas.microsoft.com/office/drawing/2014/main" id="{46F68C81-AB6A-41B7-AEA8-2DE7FE28AE67}"/>
+              </a:ext>
+            </a:extLst>
+          </p:cNvPr>
           <p:cNvSpPr>
             <a:spLocks noGrp="1"/>
           </p:cNvSpPr>
@@ -8489,7 +9111,13 @@
       </p:sp>
       <p:sp>
         <p:nvSpPr>
-          <p:cNvPr id="5" name="Slide Number Placeholder 4"/>
+          <p:cNvPr id="5" name="Slide Number Placeholder 4">
+            <a:extLst>
+              <a:ext uri="{FF2B5EF4-FFF2-40B4-BE49-F238E27FC236}">
+                <a16:creationId xmlns:a16="http://schemas.microsoft.com/office/drawing/2014/main" id="{7C958446-C6D0-4675-ABA7-104A66E52F01}"/>
+              </a:ext>
+            </a:extLst>
+          </p:cNvPr>
           <p:cNvSpPr>
             <a:spLocks noGrp="1"/>
           </p:cNvSpPr>
@@ -8518,7 +9146,7 @@
     </p:spTree>
     <p:extLst>
       <p:ext uri="{BB962C8B-B14F-4D97-AF65-F5344CB8AC3E}">
-        <p14:creationId xmlns:p14="http://schemas.microsoft.com/office/powerpoint/2010/main" val="2050551328"/>
+        <p14:creationId xmlns:p14="http://schemas.microsoft.com/office/powerpoint/2010/main" val="505719664"/>
       </p:ext>
     </p:extLst>
   </p:cSld>
@@ -8547,7 +9175,13 @@
       </p:grpSpPr>
       <p:sp>
         <p:nvSpPr>
-          <p:cNvPr id="2" name="Title 1"/>
+          <p:cNvPr id="2" name="Title 1">
+            <a:extLst>
+              <a:ext uri="{FF2B5EF4-FFF2-40B4-BE49-F238E27FC236}">
+                <a16:creationId xmlns:a16="http://schemas.microsoft.com/office/drawing/2014/main" id="{95BDD0CD-680C-47F0-B74B-F7FDCEBEC288}"/>
+              </a:ext>
+            </a:extLst>
+          </p:cNvPr>
           <p:cNvSpPr>
             <a:spLocks noGrp="1"/>
           </p:cNvSpPr>
@@ -8562,14 +9196,27 @@
           <a:p>
             <a:r>
               <a:rPr lang="en-US" dirty="0"/>
-              <a:t>Types</a:t>
-            </a:r>
-          </a:p>
-        </p:txBody>
-      </p:sp>
-      <p:sp>
-        <p:nvSpPr>
-          <p:cNvPr id="3" name="Content Placeholder 2"/>
+              <a:t>Declarations, Statements, and Expressions</a:t>
+            </a:r>
+            <a:br>
+              <a:rPr lang="en-US" dirty="0"/>
+            </a:br>
+            <a:r>
+              <a:rPr lang="en-US" sz="2400" dirty="0"/>
+              <a:t>(continued)</a:t>
+            </a:r>
+          </a:p>
+        </p:txBody>
+      </p:sp>
+      <p:sp>
+        <p:nvSpPr>
+          <p:cNvPr id="3" name="Content Placeholder 2">
+            <a:extLst>
+              <a:ext uri="{FF2B5EF4-FFF2-40B4-BE49-F238E27FC236}">
+                <a16:creationId xmlns:a16="http://schemas.microsoft.com/office/drawing/2014/main" id="{28AE150E-8F8F-4602-A7BD-DCD7B1A43FB7}"/>
+              </a:ext>
+            </a:extLst>
+          </p:cNvPr>
           <p:cNvSpPr>
             <a:spLocks noGrp="1"/>
           </p:cNvSpPr>
@@ -8584,138 +9231,100 @@
           <a:p>
             <a:r>
               <a:rPr lang="en-US" dirty="0"/>
-              <a:t>Standard (predefined) Scalar Types</a:t>
+              <a:t>Expressions are syntactic entities that have values, and the values have types such as Integer or Boolean.</a:t>
             </a:r>
           </a:p>
           <a:p>
             <a:pPr lvl="1"/>
             <a:r>
+              <a:rPr lang="en-US" dirty="0"/>
+              <a:t>Examples include</a:t>
+            </a:r>
+          </a:p>
+          <a:p>
+            <a:pPr lvl="2"/>
+            <a:r>
+              <a:rPr lang="en-US" dirty="0"/>
+              <a:t>literals such as </a:t>
+            </a:r>
+            <a:r>
               <a:rPr lang="en-US" dirty="0">
                 <a:latin typeface="Consolas" panose="020B0609020204030204" pitchFamily="49" charset="0"/>
               </a:rPr>
-              <a:t>Boolean</a:t>
-            </a:r>
-          </a:p>
-          <a:p>
-            <a:pPr lvl="1"/>
+              <a:t>100</a:t>
+            </a:r>
+            <a:r>
+              <a:rPr lang="en-US" dirty="0"/>
+              <a:t> or </a:t>
+            </a:r>
             <a:r>
               <a:rPr lang="en-US" dirty="0">
                 <a:latin typeface="Consolas" panose="020B0609020204030204" pitchFamily="49" charset="0"/>
               </a:rPr>
-              <a:t>Integer</a:t>
-            </a:r>
-          </a:p>
-          <a:p>
-            <a:pPr lvl="1"/>
+              <a:t>false</a:t>
+            </a:r>
+          </a:p>
+          <a:p>
+            <a:pPr lvl="2"/>
+            <a:r>
+              <a:rPr lang="en-US" dirty="0"/>
+              <a:t>variable expressions (a.k.a., named values) such as </a:t>
+            </a:r>
             <a:r>
               <a:rPr lang="en-US" dirty="0">
                 <a:latin typeface="Consolas" panose="020B0609020204030204" pitchFamily="49" charset="0"/>
               </a:rPr>
-              <a:t>Char</a:t>
-            </a:r>
-          </a:p>
-          <a:p>
-            <a:r>
-              <a:rPr lang="en-US" dirty="0"/>
-              <a:t>Array Types</a:t>
-            </a:r>
-          </a:p>
-          <a:p>
-            <a:pPr lvl="1"/>
-            <a:r>
-              <a:rPr lang="en-US" dirty="0"/>
-              <a:t>one dimensional arrays (but arrays of arrays can be declared)</a:t>
-            </a:r>
-          </a:p>
-          <a:p>
-            <a:pPr lvl="1"/>
-            <a:r>
-              <a:rPr lang="en-US" dirty="0"/>
-              <a:t>defined by number of elements in the array and component type</a:t>
-            </a:r>
-          </a:p>
-          <a:p>
-            <a:pPr lvl="1"/>
-            <a:r>
-              <a:rPr lang="en-US" dirty="0"/>
-              <a:t>examples:</a:t>
-            </a:r>
-          </a:p>
-          <a:p>
-            <a:pPr marL="914400" lvl="2" indent="0">
-              <a:buNone/>
-            </a:pPr>
+              <a:t>i</a:t>
+            </a:r>
+            <a:r>
+              <a:rPr lang="en-US" dirty="0"/>
+              <a:t> or </a:t>
+            </a:r>
             <a:r>
               <a:rPr lang="en-US" dirty="0">
                 <a:latin typeface="Consolas" panose="020B0609020204030204" pitchFamily="49" charset="0"/>
               </a:rPr>
-              <a:t>type T1 = array[10] of Boolean;</a:t>
-            </a:r>
-          </a:p>
-          <a:p>
-            <a:pPr marL="914400" lvl="2" indent="0">
-              <a:buNone/>
-            </a:pPr>
+              <a:t>x</a:t>
+            </a:r>
+          </a:p>
+          <a:p>
+            <a:pPr lvl="2"/>
+            <a:r>
+              <a:rPr lang="en-US" dirty="0"/>
+              <a:t>compound expressions involving operators and operands such as</a:t>
+            </a:r>
+            <a:br>
+              <a:rPr lang="en-US" dirty="0"/>
+            </a:br>
+            <a:r>
+              <a:rPr lang="en-US" dirty="0"/>
+              <a:t>x + 7 or </a:t>
+            </a:r>
             <a:r>
               <a:rPr lang="en-US" dirty="0">
                 <a:latin typeface="Consolas" panose="020B0609020204030204" pitchFamily="49" charset="0"/>
               </a:rPr>
-              <a:t>type T2 = array[10] of Integer;</a:t>
-            </a:r>
-          </a:p>
-          <a:p>
-            <a:pPr marL="914400" lvl="2" indent="0">
-              <a:buNone/>
-            </a:pPr>
-            <a:r>
-              <a:rPr lang="en-US" dirty="0">
-                <a:latin typeface="Consolas" panose="020B0609020204030204" pitchFamily="49" charset="0"/>
-              </a:rPr>
-              <a:t>type T3 = array[10] of T2;</a:t>
-            </a:r>
-          </a:p>
-          <a:p>
-            <a:pPr lvl="1"/>
-            <a:r>
-              <a:rPr lang="en-US" dirty="0"/>
-              <a:t>indices are integers ranging from </a:t>
-            </a:r>
-            <a:r>
-              <a:rPr lang="en-US" dirty="0">
-                <a:latin typeface="Consolas" panose="020B0609020204030204" pitchFamily="49" charset="0"/>
-              </a:rPr>
-              <a:t>0</a:t>
-            </a:r>
-            <a:r>
-              <a:rPr lang="en-US" dirty="0"/>
-              <a:t> to </a:t>
-            </a:r>
-            <a:r>
-              <a:rPr lang="en-US" dirty="0">
-                <a:latin typeface="Consolas" panose="020B0609020204030204" pitchFamily="49" charset="0"/>
-              </a:rPr>
-              <a:t>n-1</a:t>
-            </a:r>
-            <a:r>
-              <a:rPr lang="en-US" dirty="0"/>
-              <a:t>, where </a:t>
-            </a:r>
-            <a:r>
-              <a:rPr lang="en-US" dirty="0">
-                <a:latin typeface="Consolas" panose="020B0609020204030204" pitchFamily="49" charset="0"/>
-              </a:rPr>
-              <a:t>n</a:t>
-            </a:r>
-            <a:r>
-              <a:rPr lang="en-US" dirty="0"/>
-              <a:t> is the number of elements in the array</a:t>
-            </a:r>
-          </a:p>
-        </p:txBody>
-      </p:sp>
-      <p:sp>
-        <p:nvSpPr>
-          <p:cNvPr id="4" name="Footer Placeholder 3"/>
+              <a:t>i &lt; 100</a:t>
+            </a:r>
+            <a:r>
+              <a:rPr lang="en-US" dirty="0"/>
+              <a:t>.</a:t>
+            </a:r>
+          </a:p>
+          <a:p>
+            <a:endParaRPr lang="en-US" dirty="0"/>
+          </a:p>
+        </p:txBody>
+      </p:sp>
+      <p:sp>
+        <p:nvSpPr>
+          <p:cNvPr id="4" name="Footer Placeholder 3">
+            <a:extLst>
+              <a:ext uri="{FF2B5EF4-FFF2-40B4-BE49-F238E27FC236}">
+                <a16:creationId xmlns:a16="http://schemas.microsoft.com/office/drawing/2014/main" id="{46F68C81-AB6A-41B7-AEA8-2DE7FE28AE67}"/>
+              </a:ext>
+            </a:extLst>
+          </p:cNvPr>
           <p:cNvSpPr>
             <a:spLocks noGrp="1"/>
           </p:cNvSpPr>
@@ -8737,7 +9346,13 @@
       </p:sp>
       <p:sp>
         <p:nvSpPr>
-          <p:cNvPr id="5" name="Slide Number Placeholder 4"/>
+          <p:cNvPr id="5" name="Slide Number Placeholder 4">
+            <a:extLst>
+              <a:ext uri="{FF2B5EF4-FFF2-40B4-BE49-F238E27FC236}">
+                <a16:creationId xmlns:a16="http://schemas.microsoft.com/office/drawing/2014/main" id="{7C958446-C6D0-4675-ABA7-104A66E52F01}"/>
+              </a:ext>
+            </a:extLst>
+          </p:cNvPr>
           <p:cNvSpPr>
             <a:spLocks noGrp="1"/>
           </p:cNvSpPr>
@@ -8766,7 +9381,7 @@
     </p:spTree>
     <p:extLst>
       <p:ext uri="{BB962C8B-B14F-4D97-AF65-F5344CB8AC3E}">
-        <p14:creationId xmlns:p14="http://schemas.microsoft.com/office/powerpoint/2010/main" val="2148242311"/>
+        <p14:creationId xmlns:p14="http://schemas.microsoft.com/office/powerpoint/2010/main" val="400710259"/>
       </p:ext>
     </p:extLst>
   </p:cSld>

--- a/PowerPoint Slides/04 - Definition of CPRL.pptx
+++ b/PowerPoint Slides/04 - Definition of CPRL.pptx
@@ -44,7 +44,7 @@
     <p:sldId id="285" r:id="rId32"/>
   </p:sldIdLst>
   <p:sldSz cx="9144000" cy="6858000" type="screen4x3"/>
-  <p:notesSz cx="7010400" cy="9296400"/>
+  <p:notesSz cx="7315200" cy="9601200"/>
   <p:defaultTextStyle>
     <a:defPPr>
       <a:defRPr lang="en-US"/>
@@ -187,12 +187,12 @@
     </p:ext>
     <p:ext uri="{2D200454-40CA-4A62-9FC3-DE9A4176ACB9}">
       <p15:notesGuideLst xmlns:p15="http://schemas.microsoft.com/office/powerpoint/2012/main">
-        <p15:guide id="1" orient="horz" pos="2929" userDrawn="1">
+        <p15:guide id="1" orient="horz" pos="3025" userDrawn="1">
           <p15:clr>
             <a:srgbClr val="A4A3A4"/>
           </p15:clr>
         </p15:guide>
-        <p15:guide id="2" pos="2208" userDrawn="1">
+        <p15:guide id="2" pos="2304" userDrawn="1">
           <p15:clr>
             <a:srgbClr val="A4A3A4"/>
           </p15:clr>
@@ -240,8 +240,8 @@
         </p:nvSpPr>
         <p:spPr bwMode="auto">
           <a:xfrm>
-            <a:off x="3972560" y="0"/>
-            <a:ext cx="3037840" cy="464578"/>
+            <a:off x="4145280" y="0"/>
+            <a:ext cx="3169920" cy="479810"/>
           </a:xfrm>
           <a:prstGeom prst="rect">
             <a:avLst/>
@@ -256,13 +256,13 @@
           <a:effectLst/>
         </p:spPr>
         <p:txBody>
-          <a:bodyPr vert="horz" wrap="square" lIns="93151" tIns="46578" rIns="93151" bIns="46578" numCol="1" anchor="t" anchorCtr="0" compatLnSpc="1">
+          <a:bodyPr vert="horz" wrap="square" lIns="96626" tIns="48315" rIns="96626" bIns="48315" numCol="1" anchor="t" anchorCtr="0" compatLnSpc="1">
             <a:prstTxWarp prst="textNoShape">
               <a:avLst/>
             </a:prstTxWarp>
           </a:bodyPr>
           <a:lstStyle>
-            <a:lvl1pPr algn="r" defTabSz="931572">
+            <a:lvl1pPr algn="r" defTabSz="966320">
               <a:defRPr sz="1200"/>
             </a:lvl1pPr>
           </a:lstStyle>
@@ -288,8 +288,8 @@
         </p:nvSpPr>
         <p:spPr bwMode="auto">
           <a:xfrm>
-            <a:off x="3972560" y="8831823"/>
-            <a:ext cx="3037840" cy="464578"/>
+            <a:off x="4145280" y="9121391"/>
+            <a:ext cx="3169920" cy="479810"/>
           </a:xfrm>
           <a:prstGeom prst="rect">
             <a:avLst/>
@@ -304,13 +304,13 @@
           <a:effectLst/>
         </p:spPr>
         <p:txBody>
-          <a:bodyPr vert="horz" wrap="square" lIns="93151" tIns="46578" rIns="93151" bIns="46578" numCol="1" anchor="b" anchorCtr="0" compatLnSpc="1">
+          <a:bodyPr vert="horz" wrap="square" lIns="96626" tIns="48315" rIns="96626" bIns="48315" numCol="1" anchor="b" anchorCtr="0" compatLnSpc="1">
             <a:prstTxWarp prst="textNoShape">
               <a:avLst/>
             </a:prstTxWarp>
           </a:bodyPr>
           <a:lstStyle>
-            <a:lvl1pPr algn="r" defTabSz="931572">
+            <a:lvl1pPr algn="r" defTabSz="966320">
               <a:defRPr sz="1200"/>
             </a:lvl1pPr>
           </a:lstStyle>
@@ -384,7 +384,7 @@
         <p:spPr bwMode="auto">
           <a:xfrm>
             <a:off x="0" y="0"/>
-            <a:ext cx="3037840" cy="464578"/>
+            <a:ext cx="3169920" cy="479810"/>
           </a:xfrm>
           <a:prstGeom prst="rect">
             <a:avLst/>
@@ -399,13 +399,13 @@
           <a:effectLst/>
         </p:spPr>
         <p:txBody>
-          <a:bodyPr vert="horz" wrap="square" lIns="93151" tIns="46578" rIns="93151" bIns="46578" numCol="1" anchor="t" anchorCtr="0" compatLnSpc="1">
+          <a:bodyPr vert="horz" wrap="square" lIns="96626" tIns="48315" rIns="96626" bIns="48315" numCol="1" anchor="t" anchorCtr="0" compatLnSpc="1">
             <a:prstTxWarp prst="textNoShape">
               <a:avLst/>
             </a:prstTxWarp>
           </a:bodyPr>
           <a:lstStyle>
-            <a:lvl1pPr algn="l" defTabSz="931572">
+            <a:lvl1pPr algn="l" defTabSz="966320">
               <a:defRPr sz="1200"/>
             </a:lvl1pPr>
           </a:lstStyle>
@@ -429,8 +429,8 @@
         </p:nvSpPr>
         <p:spPr bwMode="auto">
           <a:xfrm>
-            <a:off x="3972560" y="0"/>
-            <a:ext cx="3037840" cy="464578"/>
+            <a:off x="4145280" y="0"/>
+            <a:ext cx="3169920" cy="479810"/>
           </a:xfrm>
           <a:prstGeom prst="rect">
             <a:avLst/>
@@ -445,13 +445,13 @@
           <a:effectLst/>
         </p:spPr>
         <p:txBody>
-          <a:bodyPr vert="horz" wrap="square" lIns="93151" tIns="46578" rIns="93151" bIns="46578" numCol="1" anchor="t" anchorCtr="0" compatLnSpc="1">
+          <a:bodyPr vert="horz" wrap="square" lIns="96626" tIns="48315" rIns="96626" bIns="48315" numCol="1" anchor="t" anchorCtr="0" compatLnSpc="1">
             <a:prstTxWarp prst="textNoShape">
               <a:avLst/>
             </a:prstTxWarp>
           </a:bodyPr>
           <a:lstStyle>
-            <a:lvl1pPr algn="r" defTabSz="931572">
+            <a:lvl1pPr algn="r" defTabSz="966320">
               <a:defRPr sz="1200"/>
             </a:lvl1pPr>
           </a:lstStyle>
@@ -472,8 +472,8 @@
         </p:nvSpPr>
         <p:spPr bwMode="auto">
           <a:xfrm>
-            <a:off x="1182688" y="696913"/>
-            <a:ext cx="4646612" cy="3486150"/>
+            <a:off x="1257300" y="719138"/>
+            <a:ext cx="4802188" cy="3600450"/>
           </a:xfrm>
           <a:prstGeom prst="rect">
             <a:avLst/>
@@ -502,8 +502,8 @@
         </p:nvSpPr>
         <p:spPr bwMode="auto">
           <a:xfrm>
-            <a:off x="934720" y="4415912"/>
-            <a:ext cx="5140960" cy="4182813"/>
+            <a:off x="975360" y="4560697"/>
+            <a:ext cx="5364480" cy="4319954"/>
           </a:xfrm>
           <a:prstGeom prst="rect">
             <a:avLst/>
@@ -518,7 +518,7 @@
           <a:effectLst/>
         </p:spPr>
         <p:txBody>
-          <a:bodyPr vert="horz" wrap="square" lIns="93151" tIns="46578" rIns="93151" bIns="46578" numCol="1" anchor="t" anchorCtr="0" compatLnSpc="1">
+          <a:bodyPr vert="horz" wrap="square" lIns="96626" tIns="48315" rIns="96626" bIns="48315" numCol="1" anchor="t" anchorCtr="0" compatLnSpc="1">
             <a:prstTxWarp prst="textNoShape">
               <a:avLst/>
             </a:prstTxWarp>
@@ -573,8 +573,8 @@
         </p:nvSpPr>
         <p:spPr bwMode="auto">
           <a:xfrm>
-            <a:off x="0" y="8831823"/>
-            <a:ext cx="3037840" cy="464578"/>
+            <a:off x="0" y="9121391"/>
+            <a:ext cx="3169920" cy="479810"/>
           </a:xfrm>
           <a:prstGeom prst="rect">
             <a:avLst/>
@@ -589,13 +589,13 @@
           <a:effectLst/>
         </p:spPr>
         <p:txBody>
-          <a:bodyPr vert="horz" wrap="square" lIns="93151" tIns="46578" rIns="93151" bIns="46578" numCol="1" anchor="b" anchorCtr="0" compatLnSpc="1">
+          <a:bodyPr vert="horz" wrap="square" lIns="96626" tIns="48315" rIns="96626" bIns="48315" numCol="1" anchor="b" anchorCtr="0" compatLnSpc="1">
             <a:prstTxWarp prst="textNoShape">
               <a:avLst/>
             </a:prstTxWarp>
           </a:bodyPr>
           <a:lstStyle>
-            <a:lvl1pPr algn="l" defTabSz="931572">
+            <a:lvl1pPr algn="l" defTabSz="966320">
               <a:defRPr sz="1200"/>
             </a:lvl1pPr>
           </a:lstStyle>
@@ -616,8 +616,8 @@
         </p:nvSpPr>
         <p:spPr bwMode="auto">
           <a:xfrm>
-            <a:off x="3972560" y="8831823"/>
-            <a:ext cx="3037840" cy="464578"/>
+            <a:off x="4145280" y="9121391"/>
+            <a:ext cx="3169920" cy="479810"/>
           </a:xfrm>
           <a:prstGeom prst="rect">
             <a:avLst/>
@@ -632,13 +632,13 @@
           <a:effectLst/>
         </p:spPr>
         <p:txBody>
-          <a:bodyPr vert="horz" wrap="square" lIns="93151" tIns="46578" rIns="93151" bIns="46578" numCol="1" anchor="b" anchorCtr="0" compatLnSpc="1">
+          <a:bodyPr vert="horz" wrap="square" lIns="96626" tIns="48315" rIns="96626" bIns="48315" numCol="1" anchor="b" anchorCtr="0" compatLnSpc="1">
             <a:prstTxWarp prst="textNoShape">
               <a:avLst/>
             </a:prstTxWarp>
           </a:bodyPr>
           <a:lstStyle>
-            <a:lvl1pPr algn="r" defTabSz="931572">
+            <a:lvl1pPr algn="r" defTabSz="966320">
               <a:defRPr sz="1200"/>
             </a:lvl1pPr>
           </a:lstStyle>

--- a/PowerPoint Slides/04 - Definition of CPRL.pptx
+++ b/PowerPoint Slides/04 - Definition of CPRL.pptx
@@ -6883,7 +6883,19 @@
               <a:rPr lang="en-US" sz="1800" dirty="0">
                 <a:latin typeface="Consolas" panose="020B0609020204030204" pitchFamily="49" charset="0"/>
               </a:rPr>
-              <a:t>function max(x, y : Integer) return Integer is</a:t>
+              <a:t>function max(x </a:t>
+            </a:r>
+            <a:r>
+              <a:rPr lang="en-US" sz="1800">
+                <a:latin typeface="Consolas" panose="020B0609020204030204" pitchFamily="49" charset="0"/>
+              </a:rPr>
+              <a:t>: Integer, </a:t>
+            </a:r>
+            <a:r>
+              <a:rPr lang="en-US" sz="1800" dirty="0">
+                <a:latin typeface="Consolas" panose="020B0609020204030204" pitchFamily="49" charset="0"/>
+              </a:rPr>
+              <a:t>y : Integer) return Integer is</a:t>
             </a:r>
           </a:p>
           <a:p>
